--- a/journalWallFriction/pictures/pdf/deltadist.pptx
+++ b/journalWallFriction/pictures/pdf/deltadist.pptx
@@ -3461,6 +3461,522 @@
           </a:p>
         </p:txBody>
       </p:sp>
+      <p:sp>
+        <p:nvSpPr>
+          <p:cNvPr id="11" name="Oval 10">
+            <a:extLst>
+              <a:ext uri="{FF2B5EF4-FFF2-40B4-BE49-F238E27FC236}">
+                <a16:creationId xmlns:a16="http://schemas.microsoft.com/office/drawing/2014/main" id="{0E044546-10E3-FD41-92D1-B1F13CF7A1BE}"/>
+              </a:ext>
+            </a:extLst>
+          </p:cNvPr>
+          <p:cNvSpPr/>
+          <p:nvPr/>
+        </p:nvSpPr>
+        <p:spPr>
+          <a:xfrm>
+            <a:off x="4763709" y="211695"/>
+            <a:ext cx="250506" cy="244844"/>
+          </a:xfrm>
+          <a:prstGeom prst="ellipse">
+            <a:avLst/>
+          </a:prstGeom>
+          <a:noFill/>
+          <a:ln>
+            <a:solidFill>
+              <a:srgbClr val="00B050"/>
+            </a:solidFill>
+          </a:ln>
+        </p:spPr>
+        <p:style>
+          <a:lnRef idx="2">
+            <a:schemeClr val="accent1">
+              <a:shade val="50000"/>
+            </a:schemeClr>
+          </a:lnRef>
+          <a:fillRef idx="1">
+            <a:schemeClr val="accent1"/>
+          </a:fillRef>
+          <a:effectRef idx="0">
+            <a:schemeClr val="accent1"/>
+          </a:effectRef>
+          <a:fontRef idx="minor">
+            <a:schemeClr val="lt1"/>
+          </a:fontRef>
+        </p:style>
+        <p:txBody>
+          <a:bodyPr rtlCol="0" anchor="ctr"/>
+          <a:lstStyle/>
+          <a:p>
+            <a:pPr algn="ctr"/>
+            <a:endParaRPr lang="en-US"/>
+          </a:p>
+        </p:txBody>
+      </p:sp>
+      <p:sp>
+        <p:nvSpPr>
+          <p:cNvPr id="12" name="Oval 11">
+            <a:extLst>
+              <a:ext uri="{FF2B5EF4-FFF2-40B4-BE49-F238E27FC236}">
+                <a16:creationId xmlns:a16="http://schemas.microsoft.com/office/drawing/2014/main" id="{683A32B6-BA1C-EF49-B8CD-198CD548BB75}"/>
+              </a:ext>
+            </a:extLst>
+          </p:cNvPr>
+          <p:cNvSpPr/>
+          <p:nvPr/>
+        </p:nvSpPr>
+        <p:spPr>
+          <a:xfrm>
+            <a:off x="4392265" y="2612281"/>
+            <a:ext cx="250506" cy="244844"/>
+          </a:xfrm>
+          <a:prstGeom prst="ellipse">
+            <a:avLst/>
+          </a:prstGeom>
+          <a:noFill/>
+          <a:ln>
+            <a:solidFill>
+              <a:srgbClr val="00B050"/>
+            </a:solidFill>
+          </a:ln>
+        </p:spPr>
+        <p:style>
+          <a:lnRef idx="2">
+            <a:schemeClr val="accent1">
+              <a:shade val="50000"/>
+            </a:schemeClr>
+          </a:lnRef>
+          <a:fillRef idx="1">
+            <a:schemeClr val="accent1"/>
+          </a:fillRef>
+          <a:effectRef idx="0">
+            <a:schemeClr val="accent1"/>
+          </a:effectRef>
+          <a:fontRef idx="minor">
+            <a:schemeClr val="lt1"/>
+          </a:fontRef>
+        </p:style>
+        <p:txBody>
+          <a:bodyPr rtlCol="0" anchor="ctr"/>
+          <a:lstStyle/>
+          <a:p>
+            <a:pPr algn="ctr"/>
+            <a:endParaRPr lang="en-US"/>
+          </a:p>
+        </p:txBody>
+      </p:sp>
+      <mc:AlternateContent xmlns:mc="http://schemas.openxmlformats.org/markup-compatibility/2006">
+        <mc:Choice xmlns:a14="http://schemas.microsoft.com/office/drawing/2010/main" Requires="a14">
+          <p:sp>
+            <p:nvSpPr>
+              <p:cNvPr id="13" name="TextBox 12">
+                <a:extLst>
+                  <a:ext uri="{FF2B5EF4-FFF2-40B4-BE49-F238E27FC236}">
+                    <a16:creationId xmlns:a16="http://schemas.microsoft.com/office/drawing/2014/main" id="{235C91BF-824E-CC4C-B19B-F276664FAAA1}"/>
+                  </a:ext>
+                </a:extLst>
+              </p:cNvPr>
+              <p:cNvSpPr txBox="1"/>
+              <p:nvPr/>
+            </p:nvSpPr>
+            <p:spPr>
+              <a:xfrm>
+                <a:off x="4853723" y="20446"/>
+                <a:ext cx="1006072" cy="369332"/>
+              </a:xfrm>
+              <a:prstGeom prst="rect">
+                <a:avLst/>
+              </a:prstGeom>
+              <a:noFill/>
+            </p:spPr>
+            <p:txBody>
+              <a:bodyPr wrap="square" rtlCol="0">
+                <a:spAutoFit/>
+              </a:bodyPr>
+              <a:lstStyle/>
+              <a:p>
+                <a14:m>
+                  <m:oMathPara xmlns:m="http://schemas.openxmlformats.org/officeDocument/2006/math">
+                    <m:oMathParaPr>
+                      <m:jc m:val="centerGroup"/>
+                    </m:oMathParaPr>
+                    <m:oMath xmlns:m="http://schemas.openxmlformats.org/officeDocument/2006/math">
+                      <m:r>
+                        <a:rPr lang="en-US" i="1" smtClean="0">
+                          <a:latin typeface="Cambria Math" panose="02040503050406030204" pitchFamily="18" charset="0"/>
+                          <a:ea typeface="Cambria Math" panose="02040503050406030204" pitchFamily="18" charset="0"/>
+                        </a:rPr>
+                        <m:t>𝛿</m:t>
+                      </m:r>
+                      <m:r>
+                        <a:rPr lang="en-US" b="0" i="1" smtClean="0">
+                          <a:latin typeface="Cambria Math" panose="02040503050406030204" pitchFamily="18" charset="0"/>
+                          <a:ea typeface="Cambria Math" panose="02040503050406030204" pitchFamily="18" charset="0"/>
+                        </a:rPr>
+                        <m:t>=0.1</m:t>
+                      </m:r>
+                    </m:oMath>
+                  </m:oMathPara>
+                </a14:m>
+                <a:endParaRPr lang="en-US" dirty="0"/>
+              </a:p>
+            </p:txBody>
+          </p:sp>
+        </mc:Choice>
+        <mc:Fallback>
+          <p:sp>
+            <p:nvSpPr>
+              <p:cNvPr id="13" name="TextBox 12">
+                <a:extLst>
+                  <a:ext uri="{FF2B5EF4-FFF2-40B4-BE49-F238E27FC236}">
+                    <a16:creationId xmlns:a16="http://schemas.microsoft.com/office/drawing/2014/main" id="{235C91BF-824E-CC4C-B19B-F276664FAAA1}"/>
+                  </a:ext>
+                </a:extLst>
+              </p:cNvPr>
+              <p:cNvSpPr txBox="1">
+                <a:spLocks noRot="1" noChangeAspect="1" noMove="1" noResize="1" noEditPoints="1" noAdjustHandles="1" noChangeArrowheads="1" noChangeShapeType="1" noTextEdit="1"/>
+              </p:cNvSpPr>
+              <p:nvPr/>
+            </p:nvSpPr>
+            <p:spPr>
+              <a:xfrm>
+                <a:off x="4853723" y="20446"/>
+                <a:ext cx="1006072" cy="369332"/>
+              </a:xfrm>
+              <a:prstGeom prst="rect">
+                <a:avLst/>
+              </a:prstGeom>
+              <a:blipFill>
+                <a:blip r:embed="rId5"/>
+                <a:stretch>
+                  <a:fillRect/>
+                </a:stretch>
+              </a:blipFill>
+            </p:spPr>
+            <p:txBody>
+              <a:bodyPr/>
+              <a:lstStyle/>
+              <a:p>
+                <a:r>
+                  <a:rPr lang="en-US">
+                    <a:noFill/>
+                  </a:rPr>
+                  <a:t> </a:t>
+                </a:r>
+              </a:p>
+            </p:txBody>
+          </p:sp>
+        </mc:Fallback>
+      </mc:AlternateContent>
+      <mc:AlternateContent xmlns:mc="http://schemas.openxmlformats.org/markup-compatibility/2006">
+        <mc:Choice xmlns:a14="http://schemas.microsoft.com/office/drawing/2010/main" Requires="a14">
+          <p:sp>
+            <p:nvSpPr>
+              <p:cNvPr id="14" name="TextBox 13">
+                <a:extLst>
+                  <a:ext uri="{FF2B5EF4-FFF2-40B4-BE49-F238E27FC236}">
+                    <a16:creationId xmlns:a16="http://schemas.microsoft.com/office/drawing/2014/main" id="{622B2012-9004-7B42-9377-B964E3F0E2C4}"/>
+                  </a:ext>
+                </a:extLst>
+              </p:cNvPr>
+              <p:cNvSpPr txBox="1"/>
+              <p:nvPr/>
+            </p:nvSpPr>
+            <p:spPr>
+              <a:xfrm>
+                <a:off x="4110734" y="2735578"/>
+                <a:ext cx="1006072" cy="369332"/>
+              </a:xfrm>
+              <a:prstGeom prst="rect">
+                <a:avLst/>
+              </a:prstGeom>
+              <a:noFill/>
+            </p:spPr>
+            <p:txBody>
+              <a:bodyPr wrap="square" rtlCol="0">
+                <a:spAutoFit/>
+              </a:bodyPr>
+              <a:lstStyle/>
+              <a:p>
+                <a14:m>
+                  <m:oMathPara xmlns:m="http://schemas.openxmlformats.org/officeDocument/2006/math">
+                    <m:oMathParaPr>
+                      <m:jc m:val="centerGroup"/>
+                    </m:oMathParaPr>
+                    <m:oMath xmlns:m="http://schemas.openxmlformats.org/officeDocument/2006/math">
+                      <m:r>
+                        <a:rPr lang="en-US" i="1" smtClean="0">
+                          <a:latin typeface="Cambria Math" panose="02040503050406030204" pitchFamily="18" charset="0"/>
+                          <a:ea typeface="Cambria Math" panose="02040503050406030204" pitchFamily="18" charset="0"/>
+                        </a:rPr>
+                        <m:t>𝛿</m:t>
+                      </m:r>
+                      <m:r>
+                        <a:rPr lang="en-US" b="0" i="1" smtClean="0">
+                          <a:latin typeface="Cambria Math" panose="02040503050406030204" pitchFamily="18" charset="0"/>
+                          <a:ea typeface="Cambria Math" panose="02040503050406030204" pitchFamily="18" charset="0"/>
+                        </a:rPr>
+                        <m:t>=0.1</m:t>
+                      </m:r>
+                    </m:oMath>
+                  </m:oMathPara>
+                </a14:m>
+                <a:endParaRPr lang="en-US" dirty="0"/>
+              </a:p>
+            </p:txBody>
+          </p:sp>
+        </mc:Choice>
+        <mc:Fallback>
+          <p:sp>
+            <p:nvSpPr>
+              <p:cNvPr id="14" name="TextBox 13">
+                <a:extLst>
+                  <a:ext uri="{FF2B5EF4-FFF2-40B4-BE49-F238E27FC236}">
+                    <a16:creationId xmlns:a16="http://schemas.microsoft.com/office/drawing/2014/main" id="{622B2012-9004-7B42-9377-B964E3F0E2C4}"/>
+                  </a:ext>
+                </a:extLst>
+              </p:cNvPr>
+              <p:cNvSpPr txBox="1">
+                <a:spLocks noRot="1" noChangeAspect="1" noMove="1" noResize="1" noEditPoints="1" noAdjustHandles="1" noChangeArrowheads="1" noChangeShapeType="1" noTextEdit="1"/>
+              </p:cNvSpPr>
+              <p:nvPr/>
+            </p:nvSpPr>
+            <p:spPr>
+              <a:xfrm>
+                <a:off x="4110734" y="2735578"/>
+                <a:ext cx="1006072" cy="369332"/>
+              </a:xfrm>
+              <a:prstGeom prst="rect">
+                <a:avLst/>
+              </a:prstGeom>
+              <a:blipFill>
+                <a:blip r:embed="rId6"/>
+                <a:stretch>
+                  <a:fillRect/>
+                </a:stretch>
+              </a:blipFill>
+            </p:spPr>
+            <p:txBody>
+              <a:bodyPr/>
+              <a:lstStyle/>
+              <a:p>
+                <a:r>
+                  <a:rPr lang="en-US">
+                    <a:noFill/>
+                  </a:rPr>
+                  <a:t> </a:t>
+                </a:r>
+              </a:p>
+            </p:txBody>
+          </p:sp>
+        </mc:Fallback>
+      </mc:AlternateContent>
+      <mc:AlternateContent xmlns:mc="http://schemas.openxmlformats.org/markup-compatibility/2006">
+        <mc:Choice xmlns:a14="http://schemas.microsoft.com/office/drawing/2010/main" Requires="a14">
+          <p:sp>
+            <p:nvSpPr>
+              <p:cNvPr id="15" name="TextBox 14">
+                <a:extLst>
+                  <a:ext uri="{FF2B5EF4-FFF2-40B4-BE49-F238E27FC236}">
+                    <a16:creationId xmlns:a16="http://schemas.microsoft.com/office/drawing/2014/main" id="{23F01CB9-9E00-8E49-9B23-A9113F3FC8B4}"/>
+                  </a:ext>
+                </a:extLst>
+              </p:cNvPr>
+              <p:cNvSpPr txBox="1"/>
+              <p:nvPr/>
+            </p:nvSpPr>
+            <p:spPr>
+              <a:xfrm>
+                <a:off x="8420847" y="2734703"/>
+                <a:ext cx="1193152" cy="369332"/>
+              </a:xfrm>
+              <a:prstGeom prst="rect">
+                <a:avLst/>
+              </a:prstGeom>
+              <a:noFill/>
+            </p:spPr>
+            <p:txBody>
+              <a:bodyPr wrap="square" rtlCol="0">
+                <a:spAutoFit/>
+              </a:bodyPr>
+              <a:lstStyle/>
+              <a:p>
+                <a14:m>
+                  <m:oMathPara xmlns:m="http://schemas.openxmlformats.org/officeDocument/2006/math">
+                    <m:oMathParaPr>
+                      <m:jc m:val="centerGroup"/>
+                    </m:oMathParaPr>
+                    <m:oMath xmlns:m="http://schemas.openxmlformats.org/officeDocument/2006/math">
+                      <m:r>
+                        <a:rPr lang="en-US" i="1" smtClean="0">
+                          <a:latin typeface="Cambria Math" panose="02040503050406030204" pitchFamily="18" charset="0"/>
+                          <a:ea typeface="Cambria Math" panose="02040503050406030204" pitchFamily="18" charset="0"/>
+                        </a:rPr>
+                        <m:t>𝛿</m:t>
+                      </m:r>
+                      <m:r>
+                        <a:rPr lang="en-US" b="0" i="1" smtClean="0">
+                          <a:latin typeface="Cambria Math" panose="02040503050406030204" pitchFamily="18" charset="0"/>
+                          <a:ea typeface="Cambria Math" panose="02040503050406030204" pitchFamily="18" charset="0"/>
+                        </a:rPr>
+                        <m:t>=0.001</m:t>
+                      </m:r>
+                    </m:oMath>
+                  </m:oMathPara>
+                </a14:m>
+                <a:endParaRPr lang="en-US" dirty="0"/>
+              </a:p>
+            </p:txBody>
+          </p:sp>
+        </mc:Choice>
+        <mc:Fallback>
+          <p:sp>
+            <p:nvSpPr>
+              <p:cNvPr id="15" name="TextBox 14">
+                <a:extLst>
+                  <a:ext uri="{FF2B5EF4-FFF2-40B4-BE49-F238E27FC236}">
+                    <a16:creationId xmlns:a16="http://schemas.microsoft.com/office/drawing/2014/main" id="{23F01CB9-9E00-8E49-9B23-A9113F3FC8B4}"/>
+                  </a:ext>
+                </a:extLst>
+              </p:cNvPr>
+              <p:cNvSpPr txBox="1">
+                <a:spLocks noRot="1" noChangeAspect="1" noMove="1" noResize="1" noEditPoints="1" noAdjustHandles="1" noChangeArrowheads="1" noChangeShapeType="1" noTextEdit="1"/>
+              </p:cNvSpPr>
+              <p:nvPr/>
+            </p:nvSpPr>
+            <p:spPr>
+              <a:xfrm>
+                <a:off x="8420847" y="2734703"/>
+                <a:ext cx="1193152" cy="369332"/>
+              </a:xfrm>
+              <a:prstGeom prst="rect">
+                <a:avLst/>
+              </a:prstGeom>
+              <a:blipFill>
+                <a:blip r:embed="rId7"/>
+                <a:stretch>
+                  <a:fillRect/>
+                </a:stretch>
+              </a:blipFill>
+            </p:spPr>
+            <p:txBody>
+              <a:bodyPr/>
+              <a:lstStyle/>
+              <a:p>
+                <a:r>
+                  <a:rPr lang="en-US">
+                    <a:noFill/>
+                  </a:rPr>
+                  <a:t> </a:t>
+                </a:r>
+              </a:p>
+            </p:txBody>
+          </p:sp>
+        </mc:Fallback>
+      </mc:AlternateContent>
+      <mc:AlternateContent xmlns:mc="http://schemas.openxmlformats.org/markup-compatibility/2006">
+        <mc:Choice xmlns:a14="http://schemas.microsoft.com/office/drawing/2010/main" Requires="a14">
+          <p:sp>
+            <p:nvSpPr>
+              <p:cNvPr id="16" name="TextBox 15">
+                <a:extLst>
+                  <a:ext uri="{FF2B5EF4-FFF2-40B4-BE49-F238E27FC236}">
+                    <a16:creationId xmlns:a16="http://schemas.microsoft.com/office/drawing/2014/main" id="{DCB8CA62-3FA4-D643-9EA3-90049AFBFB4D}"/>
+                  </a:ext>
+                </a:extLst>
+              </p:cNvPr>
+              <p:cNvSpPr txBox="1"/>
+              <p:nvPr/>
+            </p:nvSpPr>
+            <p:spPr>
+              <a:xfrm>
+                <a:off x="9481825" y="20446"/>
+                <a:ext cx="1219127" cy="369332"/>
+              </a:xfrm>
+              <a:prstGeom prst="rect">
+                <a:avLst/>
+              </a:prstGeom>
+              <a:noFill/>
+            </p:spPr>
+            <p:txBody>
+              <a:bodyPr wrap="square" rtlCol="0">
+                <a:spAutoFit/>
+              </a:bodyPr>
+              <a:lstStyle/>
+              <a:p>
+                <a14:m>
+                  <m:oMathPara xmlns:m="http://schemas.openxmlformats.org/officeDocument/2006/math">
+                    <m:oMathParaPr>
+                      <m:jc m:val="centerGroup"/>
+                    </m:oMathParaPr>
+                    <m:oMath xmlns:m="http://schemas.openxmlformats.org/officeDocument/2006/math">
+                      <m:r>
+                        <a:rPr lang="en-US" i="1" smtClean="0">
+                          <a:latin typeface="Cambria Math" panose="02040503050406030204" pitchFamily="18" charset="0"/>
+                          <a:ea typeface="Cambria Math" panose="02040503050406030204" pitchFamily="18" charset="0"/>
+                        </a:rPr>
+                        <m:t>𝛿</m:t>
+                      </m:r>
+                      <m:r>
+                        <a:rPr lang="en-US" b="0" i="1" smtClean="0">
+                          <a:latin typeface="Cambria Math" panose="02040503050406030204" pitchFamily="18" charset="0"/>
+                          <a:ea typeface="Cambria Math" panose="02040503050406030204" pitchFamily="18" charset="0"/>
+                        </a:rPr>
+                        <m:t>=0.001</m:t>
+                      </m:r>
+                    </m:oMath>
+                  </m:oMathPara>
+                </a14:m>
+                <a:endParaRPr lang="en-US" dirty="0"/>
+              </a:p>
+            </p:txBody>
+          </p:sp>
+        </mc:Choice>
+        <mc:Fallback>
+          <p:sp>
+            <p:nvSpPr>
+              <p:cNvPr id="16" name="TextBox 15">
+                <a:extLst>
+                  <a:ext uri="{FF2B5EF4-FFF2-40B4-BE49-F238E27FC236}">
+                    <a16:creationId xmlns:a16="http://schemas.microsoft.com/office/drawing/2014/main" id="{DCB8CA62-3FA4-D643-9EA3-90049AFBFB4D}"/>
+                  </a:ext>
+                </a:extLst>
+              </p:cNvPr>
+              <p:cNvSpPr txBox="1">
+                <a:spLocks noRot="1" noChangeAspect="1" noMove="1" noResize="1" noEditPoints="1" noAdjustHandles="1" noChangeArrowheads="1" noChangeShapeType="1" noTextEdit="1"/>
+              </p:cNvSpPr>
+              <p:nvPr/>
+            </p:nvSpPr>
+            <p:spPr>
+              <a:xfrm>
+                <a:off x="9481825" y="20446"/>
+                <a:ext cx="1219127" cy="369332"/>
+              </a:xfrm>
+              <a:prstGeom prst="rect">
+                <a:avLst/>
+              </a:prstGeom>
+              <a:blipFill>
+                <a:blip r:embed="rId8"/>
+                <a:stretch>
+                  <a:fillRect/>
+                </a:stretch>
+              </a:blipFill>
+            </p:spPr>
+            <p:txBody>
+              <a:bodyPr/>
+              <a:lstStyle/>
+              <a:p>
+                <a:r>
+                  <a:rPr lang="en-US">
+                    <a:noFill/>
+                  </a:rPr>
+                  <a:t> </a:t>
+                </a:r>
+              </a:p>
+            </p:txBody>
+          </p:sp>
+        </mc:Fallback>
+      </mc:AlternateContent>
     </p:spTree>
     <p:extLst>
       <p:ext uri="{BB962C8B-B14F-4D97-AF65-F5344CB8AC3E}">

--- a/journalWallFriction/pictures/pdf/deltadist.pptx
+++ b/journalWallFriction/pictures/pdf/deltadist.pptx
@@ -2,12 +2,12 @@
 <file path=ppt/presentation.xml><?xml version="1.0" encoding="utf-8"?>
 <p:presentation xmlns:a="http://schemas.openxmlformats.org/drawingml/2006/main" xmlns:r="http://schemas.openxmlformats.org/officeDocument/2006/relationships" xmlns:p="http://schemas.openxmlformats.org/presentationml/2006/main" saveSubsetFonts="1" autoCompressPictures="0">
   <p:sldMasterIdLst>
-    <p:sldMasterId id="2147483648" r:id="rId1"/>
+    <p:sldMasterId id="2147483672" r:id="rId1"/>
   </p:sldMasterIdLst>
   <p:sldIdLst>
     <p:sldId id="256" r:id="rId2"/>
   </p:sldIdLst>
-  <p:sldSz cx="12192000" cy="6858000"/>
+  <p:sldSz cx="10972800" cy="6858000"/>
   <p:notesSz cx="6858000" cy="9144000"/>
   <p:defaultTextStyle>
     <a:defPPr>
@@ -104,6 +104,11 @@
       </a:defRPr>
     </a:lvl9pPr>
   </p:defaultTextStyle>
+  <p:extLst>
+    <p:ext uri="{EFAFB233-063F-42B5-8137-9DF3F51BA10A}">
+      <p15:sldGuideLst xmlns:p15="http://schemas.microsoft.com/office/powerpoint/2012/main"/>
+    </p:ext>
+  </p:extLst>
 </p:presentation>
 </file>
 
@@ -126,13 +131,7 @@
       </p:grpSpPr>
       <p:sp>
         <p:nvSpPr>
-          <p:cNvPr id="2" name="Title 1">
-            <a:extLst>
-              <a:ext uri="{FF2B5EF4-FFF2-40B4-BE49-F238E27FC236}">
-                <a16:creationId xmlns:a16="http://schemas.microsoft.com/office/drawing/2014/main" id="{B24977B4-9442-7D48-A862-377B8EC6BAF8}"/>
-              </a:ext>
-            </a:extLst>
-          </p:cNvPr>
+          <p:cNvPr id="2" name="Title 1"/>
           <p:cNvSpPr>
             <a:spLocks noGrp="1"/>
           </p:cNvSpPr>
@@ -142,15 +141,15 @@
         </p:nvSpPr>
         <p:spPr>
           <a:xfrm>
-            <a:off x="1524000" y="1122363"/>
-            <a:ext cx="9144000" cy="2387600"/>
+            <a:off x="1371600" y="1122363"/>
+            <a:ext cx="8229600" cy="2387600"/>
           </a:xfrm>
         </p:spPr>
         <p:txBody>
           <a:bodyPr anchor="b"/>
           <a:lstStyle>
             <a:lvl1pPr algn="ctr">
-              <a:defRPr sz="6000"/>
+              <a:defRPr sz="5400"/>
             </a:lvl1pPr>
           </a:lstStyle>
           <a:p>
@@ -158,18 +157,13 @@
               <a:rPr lang="en-US"/>
               <a:t>Click to edit Master title style</a:t>
             </a:r>
-          </a:p>
-        </p:txBody>
-      </p:sp>
-      <p:sp>
-        <p:nvSpPr>
-          <p:cNvPr id="3" name="Subtitle 2">
-            <a:extLst>
-              <a:ext uri="{FF2B5EF4-FFF2-40B4-BE49-F238E27FC236}">
-                <a16:creationId xmlns:a16="http://schemas.microsoft.com/office/drawing/2014/main" id="{EB48FBC0-87C8-514C-8DFA-4849ECAFD595}"/>
-              </a:ext>
-            </a:extLst>
-          </p:cNvPr>
+            <a:endParaRPr lang="en-US" dirty="0"/>
+          </a:p>
+        </p:txBody>
+      </p:sp>
+      <p:sp>
+        <p:nvSpPr>
+          <p:cNvPr id="3" name="Subtitle 2"/>
           <p:cNvSpPr>
             <a:spLocks noGrp="1"/>
           </p:cNvSpPr>
@@ -179,8 +173,8 @@
         </p:nvSpPr>
         <p:spPr>
           <a:xfrm>
-            <a:off x="1524000" y="3602038"/>
-            <a:ext cx="9144000" cy="1655762"/>
+            <a:off x="1371600" y="3602038"/>
+            <a:ext cx="8229600" cy="1655762"/>
           </a:xfrm>
         </p:spPr>
         <p:txBody>
@@ -188,39 +182,39 @@
           <a:lstStyle>
             <a:lvl1pPr marL="0" indent="0" algn="ctr">
               <a:buNone/>
-              <a:defRPr sz="2400"/>
+              <a:defRPr sz="2160"/>
             </a:lvl1pPr>
-            <a:lvl2pPr marL="457200" indent="0" algn="ctr">
-              <a:buNone/>
-              <a:defRPr sz="2000"/>
+            <a:lvl2pPr marL="411480" indent="0" algn="ctr">
+              <a:buNone/>
+              <a:defRPr sz="1800"/>
             </a:lvl2pPr>
-            <a:lvl3pPr marL="914400" indent="0" algn="ctr">
-              <a:buNone/>
-              <a:defRPr sz="1800"/>
+            <a:lvl3pPr marL="822960" indent="0" algn="ctr">
+              <a:buNone/>
+              <a:defRPr sz="1620"/>
             </a:lvl3pPr>
-            <a:lvl4pPr marL="1371600" indent="0" algn="ctr">
-              <a:buNone/>
-              <a:defRPr sz="1600"/>
+            <a:lvl4pPr marL="1234440" indent="0" algn="ctr">
+              <a:buNone/>
+              <a:defRPr sz="1440"/>
             </a:lvl4pPr>
-            <a:lvl5pPr marL="1828800" indent="0" algn="ctr">
-              <a:buNone/>
-              <a:defRPr sz="1600"/>
+            <a:lvl5pPr marL="1645920" indent="0" algn="ctr">
+              <a:buNone/>
+              <a:defRPr sz="1440"/>
             </a:lvl5pPr>
-            <a:lvl6pPr marL="2286000" indent="0" algn="ctr">
-              <a:buNone/>
-              <a:defRPr sz="1600"/>
+            <a:lvl6pPr marL="2057400" indent="0" algn="ctr">
+              <a:buNone/>
+              <a:defRPr sz="1440"/>
             </a:lvl6pPr>
-            <a:lvl7pPr marL="2743200" indent="0" algn="ctr">
-              <a:buNone/>
-              <a:defRPr sz="1600"/>
+            <a:lvl7pPr marL="2468880" indent="0" algn="ctr">
+              <a:buNone/>
+              <a:defRPr sz="1440"/>
             </a:lvl7pPr>
-            <a:lvl8pPr marL="3200400" indent="0" algn="ctr">
-              <a:buNone/>
-              <a:defRPr sz="1600"/>
+            <a:lvl8pPr marL="2880360" indent="0" algn="ctr">
+              <a:buNone/>
+              <a:defRPr sz="1440"/>
             </a:lvl8pPr>
-            <a:lvl9pPr marL="3657600" indent="0" algn="ctr">
-              <a:buNone/>
-              <a:defRPr sz="1600"/>
+            <a:lvl9pPr marL="3291840" indent="0" algn="ctr">
+              <a:buNone/>
+              <a:defRPr sz="1440"/>
             </a:lvl9pPr>
           </a:lstStyle>
           <a:p>
@@ -228,18 +222,13 @@
               <a:rPr lang="en-US"/>
               <a:t>Click to edit Master subtitle style</a:t>
             </a:r>
-          </a:p>
-        </p:txBody>
-      </p:sp>
-      <p:sp>
-        <p:nvSpPr>
-          <p:cNvPr id="4" name="Date Placeholder 3">
-            <a:extLst>
-              <a:ext uri="{FF2B5EF4-FFF2-40B4-BE49-F238E27FC236}">
-                <a16:creationId xmlns:a16="http://schemas.microsoft.com/office/drawing/2014/main" id="{A268EF81-EF09-AF49-9790-17F3A5684804}"/>
-              </a:ext>
-            </a:extLst>
-          </p:cNvPr>
+            <a:endParaRPr lang="en-US" dirty="0"/>
+          </a:p>
+        </p:txBody>
+      </p:sp>
+      <p:sp>
+        <p:nvSpPr>
+          <p:cNvPr id="4" name="Date Placeholder 3"/>
           <p:cNvSpPr>
             <a:spLocks noGrp="1"/>
           </p:cNvSpPr>
@@ -254,7 +243,7 @@
           <a:p>
             <a:fld id="{407377E9-B467-4349-A636-4ADCC9286FD9}" type="datetimeFigureOut">
               <a:rPr lang="en-US" smtClean="0"/>
-              <a:t>5/7/18</a:t>
+              <a:t>5/13/18</a:t>
             </a:fld>
             <a:endParaRPr lang="en-US"/>
           </a:p>
@@ -262,13 +251,7 @@
       </p:sp>
       <p:sp>
         <p:nvSpPr>
-          <p:cNvPr id="5" name="Footer Placeholder 4">
-            <a:extLst>
-              <a:ext uri="{FF2B5EF4-FFF2-40B4-BE49-F238E27FC236}">
-                <a16:creationId xmlns:a16="http://schemas.microsoft.com/office/drawing/2014/main" id="{3AFD7EEC-2424-1847-8315-6D30684E2D2F}"/>
-              </a:ext>
-            </a:extLst>
-          </p:cNvPr>
+          <p:cNvPr id="5" name="Footer Placeholder 4"/>
           <p:cNvSpPr>
             <a:spLocks noGrp="1"/>
           </p:cNvSpPr>
@@ -287,13 +270,7 @@
       </p:sp>
       <p:sp>
         <p:nvSpPr>
-          <p:cNvPr id="6" name="Slide Number Placeholder 5">
-            <a:extLst>
-              <a:ext uri="{FF2B5EF4-FFF2-40B4-BE49-F238E27FC236}">
-                <a16:creationId xmlns:a16="http://schemas.microsoft.com/office/drawing/2014/main" id="{B12F450D-C36E-AB44-82D9-D764B9245DB0}"/>
-              </a:ext>
-            </a:extLst>
-          </p:cNvPr>
+          <p:cNvPr id="6" name="Slide Number Placeholder 5"/>
           <p:cNvSpPr>
             <a:spLocks noGrp="1"/>
           </p:cNvSpPr>
@@ -317,7 +294,7 @@
     </p:spTree>
     <p:extLst>
       <p:ext uri="{BB962C8B-B14F-4D97-AF65-F5344CB8AC3E}">
-        <p14:creationId xmlns:p14="http://schemas.microsoft.com/office/powerpoint/2010/main" val="2439047539"/>
+        <p14:creationId xmlns:p14="http://schemas.microsoft.com/office/powerpoint/2010/main" val="1345882787"/>
       </p:ext>
     </p:extLst>
   </p:cSld>
@@ -346,13 +323,7 @@
       </p:grpSpPr>
       <p:sp>
         <p:nvSpPr>
-          <p:cNvPr id="2" name="Title 1">
-            <a:extLst>
-              <a:ext uri="{FF2B5EF4-FFF2-40B4-BE49-F238E27FC236}">
-                <a16:creationId xmlns:a16="http://schemas.microsoft.com/office/drawing/2014/main" id="{C503EF52-38A2-7040-BF3E-D5E5FB844161}"/>
-              </a:ext>
-            </a:extLst>
-          </p:cNvPr>
+          <p:cNvPr id="2" name="Title 1"/>
           <p:cNvSpPr>
             <a:spLocks noGrp="1"/>
           </p:cNvSpPr>
@@ -369,18 +340,13 @@
               <a:rPr lang="en-US"/>
               <a:t>Click to edit Master title style</a:t>
             </a:r>
-          </a:p>
-        </p:txBody>
-      </p:sp>
-      <p:sp>
-        <p:nvSpPr>
-          <p:cNvPr id="3" name="Vertical Text Placeholder 2">
-            <a:extLst>
-              <a:ext uri="{FF2B5EF4-FFF2-40B4-BE49-F238E27FC236}">
-                <a16:creationId xmlns:a16="http://schemas.microsoft.com/office/drawing/2014/main" id="{CD724CF5-3B0A-F846-9ED1-53E905D58F6F}"/>
-              </a:ext>
-            </a:extLst>
-          </p:cNvPr>
+            <a:endParaRPr lang="en-US" dirty="0"/>
+          </a:p>
+        </p:txBody>
+      </p:sp>
+      <p:sp>
+        <p:nvSpPr>
+          <p:cNvPr id="3" name="Vertical Text Placeholder 2"/>
           <p:cNvSpPr>
             <a:spLocks noGrp="1"/>
           </p:cNvSpPr>
@@ -426,18 +392,13 @@
               <a:rPr lang="en-US"/>
               <a:t>Fifth level</a:t>
             </a:r>
-          </a:p>
-        </p:txBody>
-      </p:sp>
-      <p:sp>
-        <p:nvSpPr>
-          <p:cNvPr id="4" name="Date Placeholder 3">
-            <a:extLst>
-              <a:ext uri="{FF2B5EF4-FFF2-40B4-BE49-F238E27FC236}">
-                <a16:creationId xmlns:a16="http://schemas.microsoft.com/office/drawing/2014/main" id="{1FD72DF6-A8CF-104E-ACD0-401BE9EA83E3}"/>
-              </a:ext>
-            </a:extLst>
-          </p:cNvPr>
+            <a:endParaRPr lang="en-US" dirty="0"/>
+          </a:p>
+        </p:txBody>
+      </p:sp>
+      <p:sp>
+        <p:nvSpPr>
+          <p:cNvPr id="4" name="Date Placeholder 3"/>
           <p:cNvSpPr>
             <a:spLocks noGrp="1"/>
           </p:cNvSpPr>
@@ -452,7 +413,7 @@
           <a:p>
             <a:fld id="{407377E9-B467-4349-A636-4ADCC9286FD9}" type="datetimeFigureOut">
               <a:rPr lang="en-US" smtClean="0"/>
-              <a:t>5/7/18</a:t>
+              <a:t>5/13/18</a:t>
             </a:fld>
             <a:endParaRPr lang="en-US"/>
           </a:p>
@@ -460,13 +421,7 @@
       </p:sp>
       <p:sp>
         <p:nvSpPr>
-          <p:cNvPr id="5" name="Footer Placeholder 4">
-            <a:extLst>
-              <a:ext uri="{FF2B5EF4-FFF2-40B4-BE49-F238E27FC236}">
-                <a16:creationId xmlns:a16="http://schemas.microsoft.com/office/drawing/2014/main" id="{66F2CC66-D08A-E948-964D-B16937ED7D3C}"/>
-              </a:ext>
-            </a:extLst>
-          </p:cNvPr>
+          <p:cNvPr id="5" name="Footer Placeholder 4"/>
           <p:cNvSpPr>
             <a:spLocks noGrp="1"/>
           </p:cNvSpPr>
@@ -485,13 +440,7 @@
       </p:sp>
       <p:sp>
         <p:nvSpPr>
-          <p:cNvPr id="6" name="Slide Number Placeholder 5">
-            <a:extLst>
-              <a:ext uri="{FF2B5EF4-FFF2-40B4-BE49-F238E27FC236}">
-                <a16:creationId xmlns:a16="http://schemas.microsoft.com/office/drawing/2014/main" id="{E604F749-572F-AE4C-A2E9-DCDE41F854F4}"/>
-              </a:ext>
-            </a:extLst>
-          </p:cNvPr>
+          <p:cNvPr id="6" name="Slide Number Placeholder 5"/>
           <p:cNvSpPr>
             <a:spLocks noGrp="1"/>
           </p:cNvSpPr>
@@ -515,7 +464,7 @@
     </p:spTree>
     <p:extLst>
       <p:ext uri="{BB962C8B-B14F-4D97-AF65-F5344CB8AC3E}">
-        <p14:creationId xmlns:p14="http://schemas.microsoft.com/office/powerpoint/2010/main" val="2077495623"/>
+        <p14:creationId xmlns:p14="http://schemas.microsoft.com/office/powerpoint/2010/main" val="1951393409"/>
       </p:ext>
     </p:extLst>
   </p:cSld>
@@ -544,13 +493,7 @@
       </p:grpSpPr>
       <p:sp>
         <p:nvSpPr>
-          <p:cNvPr id="2" name="Vertical Title 1">
-            <a:extLst>
-              <a:ext uri="{FF2B5EF4-FFF2-40B4-BE49-F238E27FC236}">
-                <a16:creationId xmlns:a16="http://schemas.microsoft.com/office/drawing/2014/main" id="{4D0A3936-4245-C64D-82E1-4F08B4C632A8}"/>
-              </a:ext>
-            </a:extLst>
-          </p:cNvPr>
+          <p:cNvPr id="2" name="Vertical Title 1"/>
           <p:cNvSpPr>
             <a:spLocks noGrp="1"/>
           </p:cNvSpPr>
@@ -560,8 +503,8 @@
         </p:nvSpPr>
         <p:spPr>
           <a:xfrm>
-            <a:off x="8724900" y="365125"/>
-            <a:ext cx="2628900" cy="5811838"/>
+            <a:off x="7852410" y="365125"/>
+            <a:ext cx="2366010" cy="5811838"/>
           </a:xfrm>
         </p:spPr>
         <p:txBody>
@@ -572,18 +515,13 @@
               <a:rPr lang="en-US"/>
               <a:t>Click to edit Master title style</a:t>
             </a:r>
-          </a:p>
-        </p:txBody>
-      </p:sp>
-      <p:sp>
-        <p:nvSpPr>
-          <p:cNvPr id="3" name="Vertical Text Placeholder 2">
-            <a:extLst>
-              <a:ext uri="{FF2B5EF4-FFF2-40B4-BE49-F238E27FC236}">
-                <a16:creationId xmlns:a16="http://schemas.microsoft.com/office/drawing/2014/main" id="{CA74745E-BDAB-5B48-95A9-34300091608D}"/>
-              </a:ext>
-            </a:extLst>
-          </p:cNvPr>
+            <a:endParaRPr lang="en-US" dirty="0"/>
+          </a:p>
+        </p:txBody>
+      </p:sp>
+      <p:sp>
+        <p:nvSpPr>
+          <p:cNvPr id="3" name="Vertical Text Placeholder 2"/>
           <p:cNvSpPr>
             <a:spLocks noGrp="1"/>
           </p:cNvSpPr>
@@ -593,8 +531,8 @@
         </p:nvSpPr>
         <p:spPr>
           <a:xfrm>
-            <a:off x="838200" y="365125"/>
-            <a:ext cx="7734300" cy="5811838"/>
+            <a:off x="754380" y="365125"/>
+            <a:ext cx="6960870" cy="5811838"/>
           </a:xfrm>
         </p:spPr>
         <p:txBody>
@@ -634,18 +572,13 @@
               <a:rPr lang="en-US"/>
               <a:t>Fifth level</a:t>
             </a:r>
-          </a:p>
-        </p:txBody>
-      </p:sp>
-      <p:sp>
-        <p:nvSpPr>
-          <p:cNvPr id="4" name="Date Placeholder 3">
-            <a:extLst>
-              <a:ext uri="{FF2B5EF4-FFF2-40B4-BE49-F238E27FC236}">
-                <a16:creationId xmlns:a16="http://schemas.microsoft.com/office/drawing/2014/main" id="{DA26BA2A-0E34-F84E-BA30-33D360B43E26}"/>
-              </a:ext>
-            </a:extLst>
-          </p:cNvPr>
+            <a:endParaRPr lang="en-US" dirty="0"/>
+          </a:p>
+        </p:txBody>
+      </p:sp>
+      <p:sp>
+        <p:nvSpPr>
+          <p:cNvPr id="4" name="Date Placeholder 3"/>
           <p:cNvSpPr>
             <a:spLocks noGrp="1"/>
           </p:cNvSpPr>
@@ -660,7 +593,7 @@
           <a:p>
             <a:fld id="{407377E9-B467-4349-A636-4ADCC9286FD9}" type="datetimeFigureOut">
               <a:rPr lang="en-US" smtClean="0"/>
-              <a:t>5/7/18</a:t>
+              <a:t>5/13/18</a:t>
             </a:fld>
             <a:endParaRPr lang="en-US"/>
           </a:p>
@@ -668,13 +601,7 @@
       </p:sp>
       <p:sp>
         <p:nvSpPr>
-          <p:cNvPr id="5" name="Footer Placeholder 4">
-            <a:extLst>
-              <a:ext uri="{FF2B5EF4-FFF2-40B4-BE49-F238E27FC236}">
-                <a16:creationId xmlns:a16="http://schemas.microsoft.com/office/drawing/2014/main" id="{0E17FAE9-D2E6-0549-97BF-107F2AE8D1BD}"/>
-              </a:ext>
-            </a:extLst>
-          </p:cNvPr>
+          <p:cNvPr id="5" name="Footer Placeholder 4"/>
           <p:cNvSpPr>
             <a:spLocks noGrp="1"/>
           </p:cNvSpPr>
@@ -693,13 +620,7 @@
       </p:sp>
       <p:sp>
         <p:nvSpPr>
-          <p:cNvPr id="6" name="Slide Number Placeholder 5">
-            <a:extLst>
-              <a:ext uri="{FF2B5EF4-FFF2-40B4-BE49-F238E27FC236}">
-                <a16:creationId xmlns:a16="http://schemas.microsoft.com/office/drawing/2014/main" id="{2D3B0341-589E-BF45-92CF-DDE56EF9C779}"/>
-              </a:ext>
-            </a:extLst>
-          </p:cNvPr>
+          <p:cNvPr id="6" name="Slide Number Placeholder 5"/>
           <p:cNvSpPr>
             <a:spLocks noGrp="1"/>
           </p:cNvSpPr>
@@ -723,7 +644,7 @@
     </p:spTree>
     <p:extLst>
       <p:ext uri="{BB962C8B-B14F-4D97-AF65-F5344CB8AC3E}">
-        <p14:creationId xmlns:p14="http://schemas.microsoft.com/office/powerpoint/2010/main" val="3089588513"/>
+        <p14:creationId xmlns:p14="http://schemas.microsoft.com/office/powerpoint/2010/main" val="729839542"/>
       </p:ext>
     </p:extLst>
   </p:cSld>
@@ -752,13 +673,7 @@
       </p:grpSpPr>
       <p:sp>
         <p:nvSpPr>
-          <p:cNvPr id="2" name="Title 1">
-            <a:extLst>
-              <a:ext uri="{FF2B5EF4-FFF2-40B4-BE49-F238E27FC236}">
-                <a16:creationId xmlns:a16="http://schemas.microsoft.com/office/drawing/2014/main" id="{C3408A7F-03BB-694C-BC5C-EE11F0BB5F90}"/>
-              </a:ext>
-            </a:extLst>
-          </p:cNvPr>
+          <p:cNvPr id="2" name="Title 1"/>
           <p:cNvSpPr>
             <a:spLocks noGrp="1"/>
           </p:cNvSpPr>
@@ -775,18 +690,13 @@
               <a:rPr lang="en-US"/>
               <a:t>Click to edit Master title style</a:t>
             </a:r>
-          </a:p>
-        </p:txBody>
-      </p:sp>
-      <p:sp>
-        <p:nvSpPr>
-          <p:cNvPr id="3" name="Content Placeholder 2">
-            <a:extLst>
-              <a:ext uri="{FF2B5EF4-FFF2-40B4-BE49-F238E27FC236}">
-                <a16:creationId xmlns:a16="http://schemas.microsoft.com/office/drawing/2014/main" id="{901026BE-CED6-4043-96A3-2CE27C68935E}"/>
-              </a:ext>
-            </a:extLst>
-          </p:cNvPr>
+            <a:endParaRPr lang="en-US" dirty="0"/>
+          </a:p>
+        </p:txBody>
+      </p:sp>
+      <p:sp>
+        <p:nvSpPr>
+          <p:cNvPr id="3" name="Content Placeholder 2"/>
           <p:cNvSpPr>
             <a:spLocks noGrp="1"/>
           </p:cNvSpPr>
@@ -832,18 +742,13 @@
               <a:rPr lang="en-US"/>
               <a:t>Fifth level</a:t>
             </a:r>
-          </a:p>
-        </p:txBody>
-      </p:sp>
-      <p:sp>
-        <p:nvSpPr>
-          <p:cNvPr id="4" name="Date Placeholder 3">
-            <a:extLst>
-              <a:ext uri="{FF2B5EF4-FFF2-40B4-BE49-F238E27FC236}">
-                <a16:creationId xmlns:a16="http://schemas.microsoft.com/office/drawing/2014/main" id="{F68FE487-BD90-904A-8057-C3BA7E04BFD9}"/>
-              </a:ext>
-            </a:extLst>
-          </p:cNvPr>
+            <a:endParaRPr lang="en-US" dirty="0"/>
+          </a:p>
+        </p:txBody>
+      </p:sp>
+      <p:sp>
+        <p:nvSpPr>
+          <p:cNvPr id="4" name="Date Placeholder 3"/>
           <p:cNvSpPr>
             <a:spLocks noGrp="1"/>
           </p:cNvSpPr>
@@ -858,7 +763,7 @@
           <a:p>
             <a:fld id="{407377E9-B467-4349-A636-4ADCC9286FD9}" type="datetimeFigureOut">
               <a:rPr lang="en-US" smtClean="0"/>
-              <a:t>5/7/18</a:t>
+              <a:t>5/13/18</a:t>
             </a:fld>
             <a:endParaRPr lang="en-US"/>
           </a:p>
@@ -866,13 +771,7 @@
       </p:sp>
       <p:sp>
         <p:nvSpPr>
-          <p:cNvPr id="5" name="Footer Placeholder 4">
-            <a:extLst>
-              <a:ext uri="{FF2B5EF4-FFF2-40B4-BE49-F238E27FC236}">
-                <a16:creationId xmlns:a16="http://schemas.microsoft.com/office/drawing/2014/main" id="{7E52FFE6-D4F2-3841-9E7B-EF1FBEE06FA7}"/>
-              </a:ext>
-            </a:extLst>
-          </p:cNvPr>
+          <p:cNvPr id="5" name="Footer Placeholder 4"/>
           <p:cNvSpPr>
             <a:spLocks noGrp="1"/>
           </p:cNvSpPr>
@@ -891,13 +790,7 @@
       </p:sp>
       <p:sp>
         <p:nvSpPr>
-          <p:cNvPr id="6" name="Slide Number Placeholder 5">
-            <a:extLst>
-              <a:ext uri="{FF2B5EF4-FFF2-40B4-BE49-F238E27FC236}">
-                <a16:creationId xmlns:a16="http://schemas.microsoft.com/office/drawing/2014/main" id="{4455D94C-3418-F74E-99F1-A3DA92E83FA6}"/>
-              </a:ext>
-            </a:extLst>
-          </p:cNvPr>
+          <p:cNvPr id="6" name="Slide Number Placeholder 5"/>
           <p:cNvSpPr>
             <a:spLocks noGrp="1"/>
           </p:cNvSpPr>
@@ -921,7 +814,7 @@
     </p:spTree>
     <p:extLst>
       <p:ext uri="{BB962C8B-B14F-4D97-AF65-F5344CB8AC3E}">
-        <p14:creationId xmlns:p14="http://schemas.microsoft.com/office/powerpoint/2010/main" val="1395277647"/>
+        <p14:creationId xmlns:p14="http://schemas.microsoft.com/office/powerpoint/2010/main" val="21921221"/>
       </p:ext>
     </p:extLst>
   </p:cSld>
@@ -950,13 +843,7 @@
       </p:grpSpPr>
       <p:sp>
         <p:nvSpPr>
-          <p:cNvPr id="2" name="Title 1">
-            <a:extLst>
-              <a:ext uri="{FF2B5EF4-FFF2-40B4-BE49-F238E27FC236}">
-                <a16:creationId xmlns:a16="http://schemas.microsoft.com/office/drawing/2014/main" id="{4F7FC71E-CEC6-EF43-BCF2-8D022533D641}"/>
-              </a:ext>
-            </a:extLst>
-          </p:cNvPr>
+          <p:cNvPr id="2" name="Title 1"/>
           <p:cNvSpPr>
             <a:spLocks noGrp="1"/>
           </p:cNvSpPr>
@@ -966,15 +853,15 @@
         </p:nvSpPr>
         <p:spPr>
           <a:xfrm>
-            <a:off x="831850" y="1709738"/>
-            <a:ext cx="10515600" cy="2852737"/>
+            <a:off x="748665" y="1709739"/>
+            <a:ext cx="9464040" cy="2852737"/>
           </a:xfrm>
         </p:spPr>
         <p:txBody>
           <a:bodyPr anchor="b"/>
           <a:lstStyle>
             <a:lvl1pPr>
-              <a:defRPr sz="6000"/>
+              <a:defRPr sz="5400"/>
             </a:lvl1pPr>
           </a:lstStyle>
           <a:p>
@@ -982,18 +869,13 @@
               <a:rPr lang="en-US"/>
               <a:t>Click to edit Master title style</a:t>
             </a:r>
-          </a:p>
-        </p:txBody>
-      </p:sp>
-      <p:sp>
-        <p:nvSpPr>
-          <p:cNvPr id="3" name="Text Placeholder 2">
-            <a:extLst>
-              <a:ext uri="{FF2B5EF4-FFF2-40B4-BE49-F238E27FC236}">
-                <a16:creationId xmlns:a16="http://schemas.microsoft.com/office/drawing/2014/main" id="{C07EA1CF-C8B3-3946-896C-1E6BA08F8A87}"/>
-              </a:ext>
-            </a:extLst>
-          </p:cNvPr>
+            <a:endParaRPr lang="en-US" dirty="0"/>
+          </a:p>
+        </p:txBody>
+      </p:sp>
+      <p:sp>
+        <p:nvSpPr>
+          <p:cNvPr id="3" name="Text Placeholder 2"/>
           <p:cNvSpPr>
             <a:spLocks noGrp="1"/>
           </p:cNvSpPr>
@@ -1003,8 +885,8 @@
         </p:nvSpPr>
         <p:spPr>
           <a:xfrm>
-            <a:off x="831850" y="4589463"/>
-            <a:ext cx="10515600" cy="1500187"/>
+            <a:off x="748665" y="4589464"/>
+            <a:ext cx="9464040" cy="1500187"/>
           </a:xfrm>
         </p:spPr>
         <p:txBody>
@@ -1012,7 +894,7 @@
           <a:lstStyle>
             <a:lvl1pPr marL="0" indent="0">
               <a:buNone/>
-              <a:defRPr sz="2400">
+              <a:defRPr sz="2160">
                 <a:solidFill>
                   <a:schemeClr val="tx1">
                     <a:tint val="75000"/>
@@ -1020,9 +902,9 @@
                 </a:solidFill>
               </a:defRPr>
             </a:lvl1pPr>
-            <a:lvl2pPr marL="457200" indent="0">
-              <a:buNone/>
-              <a:defRPr sz="2000">
+            <a:lvl2pPr marL="411480" indent="0">
+              <a:buNone/>
+              <a:defRPr sz="1800">
                 <a:solidFill>
                   <a:schemeClr val="tx1">
                     <a:tint val="75000"/>
@@ -1030,9 +912,9 @@
                 </a:solidFill>
               </a:defRPr>
             </a:lvl2pPr>
-            <a:lvl3pPr marL="914400" indent="0">
-              <a:buNone/>
-              <a:defRPr sz="1800">
+            <a:lvl3pPr marL="822960" indent="0">
+              <a:buNone/>
+              <a:defRPr sz="1620">
                 <a:solidFill>
                   <a:schemeClr val="tx1">
                     <a:tint val="75000"/>
@@ -1040,9 +922,9 @@
                 </a:solidFill>
               </a:defRPr>
             </a:lvl3pPr>
-            <a:lvl4pPr marL="1371600" indent="0">
-              <a:buNone/>
-              <a:defRPr sz="1600">
+            <a:lvl4pPr marL="1234440" indent="0">
+              <a:buNone/>
+              <a:defRPr sz="1440">
                 <a:solidFill>
                   <a:schemeClr val="tx1">
                     <a:tint val="75000"/>
@@ -1050,9 +932,9 @@
                 </a:solidFill>
               </a:defRPr>
             </a:lvl4pPr>
-            <a:lvl5pPr marL="1828800" indent="0">
-              <a:buNone/>
-              <a:defRPr sz="1600">
+            <a:lvl5pPr marL="1645920" indent="0">
+              <a:buNone/>
+              <a:defRPr sz="1440">
                 <a:solidFill>
                   <a:schemeClr val="tx1">
                     <a:tint val="75000"/>
@@ -1060,9 +942,9 @@
                 </a:solidFill>
               </a:defRPr>
             </a:lvl5pPr>
-            <a:lvl6pPr marL="2286000" indent="0">
-              <a:buNone/>
-              <a:defRPr sz="1600">
+            <a:lvl6pPr marL="2057400" indent="0">
+              <a:buNone/>
+              <a:defRPr sz="1440">
                 <a:solidFill>
                   <a:schemeClr val="tx1">
                     <a:tint val="75000"/>
@@ -1070,9 +952,9 @@
                 </a:solidFill>
               </a:defRPr>
             </a:lvl6pPr>
-            <a:lvl7pPr marL="2743200" indent="0">
-              <a:buNone/>
-              <a:defRPr sz="1600">
+            <a:lvl7pPr marL="2468880" indent="0">
+              <a:buNone/>
+              <a:defRPr sz="1440">
                 <a:solidFill>
                   <a:schemeClr val="tx1">
                     <a:tint val="75000"/>
@@ -1080,9 +962,9 @@
                 </a:solidFill>
               </a:defRPr>
             </a:lvl7pPr>
-            <a:lvl8pPr marL="3200400" indent="0">
-              <a:buNone/>
-              <a:defRPr sz="1600">
+            <a:lvl8pPr marL="2880360" indent="0">
+              <a:buNone/>
+              <a:defRPr sz="1440">
                 <a:solidFill>
                   <a:schemeClr val="tx1">
                     <a:tint val="75000"/>
@@ -1090,9 +972,9 @@
                 </a:solidFill>
               </a:defRPr>
             </a:lvl8pPr>
-            <a:lvl9pPr marL="3657600" indent="0">
-              <a:buNone/>
-              <a:defRPr sz="1600">
+            <a:lvl9pPr marL="3291840" indent="0">
+              <a:buNone/>
+              <a:defRPr sz="1440">
                 <a:solidFill>
                   <a:schemeClr val="tx1">
                     <a:tint val="75000"/>
@@ -1112,13 +994,7 @@
       </p:sp>
       <p:sp>
         <p:nvSpPr>
-          <p:cNvPr id="4" name="Date Placeholder 3">
-            <a:extLst>
-              <a:ext uri="{FF2B5EF4-FFF2-40B4-BE49-F238E27FC236}">
-                <a16:creationId xmlns:a16="http://schemas.microsoft.com/office/drawing/2014/main" id="{E02B11C2-EA72-8A41-82F4-11C2858620CC}"/>
-              </a:ext>
-            </a:extLst>
-          </p:cNvPr>
+          <p:cNvPr id="4" name="Date Placeholder 3"/>
           <p:cNvSpPr>
             <a:spLocks noGrp="1"/>
           </p:cNvSpPr>
@@ -1133,7 +1009,7 @@
           <a:p>
             <a:fld id="{407377E9-B467-4349-A636-4ADCC9286FD9}" type="datetimeFigureOut">
               <a:rPr lang="en-US" smtClean="0"/>
-              <a:t>5/7/18</a:t>
+              <a:t>5/13/18</a:t>
             </a:fld>
             <a:endParaRPr lang="en-US"/>
           </a:p>
@@ -1141,13 +1017,7 @@
       </p:sp>
       <p:sp>
         <p:nvSpPr>
-          <p:cNvPr id="5" name="Footer Placeholder 4">
-            <a:extLst>
-              <a:ext uri="{FF2B5EF4-FFF2-40B4-BE49-F238E27FC236}">
-                <a16:creationId xmlns:a16="http://schemas.microsoft.com/office/drawing/2014/main" id="{9CD23798-C05D-F14D-ADE3-79095F80F295}"/>
-              </a:ext>
-            </a:extLst>
-          </p:cNvPr>
+          <p:cNvPr id="5" name="Footer Placeholder 4"/>
           <p:cNvSpPr>
             <a:spLocks noGrp="1"/>
           </p:cNvSpPr>
@@ -1166,13 +1036,7 @@
       </p:sp>
       <p:sp>
         <p:nvSpPr>
-          <p:cNvPr id="6" name="Slide Number Placeholder 5">
-            <a:extLst>
-              <a:ext uri="{FF2B5EF4-FFF2-40B4-BE49-F238E27FC236}">
-                <a16:creationId xmlns:a16="http://schemas.microsoft.com/office/drawing/2014/main" id="{6501DC27-50CB-2841-A782-65F060B0619C}"/>
-              </a:ext>
-            </a:extLst>
-          </p:cNvPr>
+          <p:cNvPr id="6" name="Slide Number Placeholder 5"/>
           <p:cNvSpPr>
             <a:spLocks noGrp="1"/>
           </p:cNvSpPr>
@@ -1196,7 +1060,7 @@
     </p:spTree>
     <p:extLst>
       <p:ext uri="{BB962C8B-B14F-4D97-AF65-F5344CB8AC3E}">
-        <p14:creationId xmlns:p14="http://schemas.microsoft.com/office/powerpoint/2010/main" val="1816451094"/>
+        <p14:creationId xmlns:p14="http://schemas.microsoft.com/office/powerpoint/2010/main" val="524745225"/>
       </p:ext>
     </p:extLst>
   </p:cSld>
@@ -1225,13 +1089,7 @@
       </p:grpSpPr>
       <p:sp>
         <p:nvSpPr>
-          <p:cNvPr id="2" name="Title 1">
-            <a:extLst>
-              <a:ext uri="{FF2B5EF4-FFF2-40B4-BE49-F238E27FC236}">
-                <a16:creationId xmlns:a16="http://schemas.microsoft.com/office/drawing/2014/main" id="{82ADA403-F867-424B-B294-D35BB0EBCA3F}"/>
-              </a:ext>
-            </a:extLst>
-          </p:cNvPr>
+          <p:cNvPr id="2" name="Title 1"/>
           <p:cNvSpPr>
             <a:spLocks noGrp="1"/>
           </p:cNvSpPr>
@@ -1248,18 +1106,13 @@
               <a:rPr lang="en-US"/>
               <a:t>Click to edit Master title style</a:t>
             </a:r>
-          </a:p>
-        </p:txBody>
-      </p:sp>
-      <p:sp>
-        <p:nvSpPr>
-          <p:cNvPr id="3" name="Content Placeholder 2">
-            <a:extLst>
-              <a:ext uri="{FF2B5EF4-FFF2-40B4-BE49-F238E27FC236}">
-                <a16:creationId xmlns:a16="http://schemas.microsoft.com/office/drawing/2014/main" id="{A7108495-037A-874D-A9DF-5F9EAFCEC7FB}"/>
-              </a:ext>
-            </a:extLst>
-          </p:cNvPr>
+            <a:endParaRPr lang="en-US" dirty="0"/>
+          </a:p>
+        </p:txBody>
+      </p:sp>
+      <p:sp>
+        <p:nvSpPr>
+          <p:cNvPr id="3" name="Content Placeholder 2"/>
           <p:cNvSpPr>
             <a:spLocks noGrp="1"/>
           </p:cNvSpPr>
@@ -1269,8 +1122,8 @@
         </p:nvSpPr>
         <p:spPr>
           <a:xfrm>
-            <a:off x="838200" y="1825625"/>
-            <a:ext cx="5181600" cy="4351338"/>
+            <a:off x="754380" y="1825625"/>
+            <a:ext cx="4663440" cy="4351338"/>
           </a:xfrm>
         </p:spPr>
         <p:txBody>
@@ -1310,18 +1163,13 @@
               <a:rPr lang="en-US"/>
               <a:t>Fifth level</a:t>
             </a:r>
-          </a:p>
-        </p:txBody>
-      </p:sp>
-      <p:sp>
-        <p:nvSpPr>
-          <p:cNvPr id="4" name="Content Placeholder 3">
-            <a:extLst>
-              <a:ext uri="{FF2B5EF4-FFF2-40B4-BE49-F238E27FC236}">
-                <a16:creationId xmlns:a16="http://schemas.microsoft.com/office/drawing/2014/main" id="{B77B01F6-DACF-2047-A7CC-292E4AF206F2}"/>
-              </a:ext>
-            </a:extLst>
-          </p:cNvPr>
+            <a:endParaRPr lang="en-US" dirty="0"/>
+          </a:p>
+        </p:txBody>
+      </p:sp>
+      <p:sp>
+        <p:nvSpPr>
+          <p:cNvPr id="4" name="Content Placeholder 3"/>
           <p:cNvSpPr>
             <a:spLocks noGrp="1"/>
           </p:cNvSpPr>
@@ -1331,8 +1179,8 @@
         </p:nvSpPr>
         <p:spPr>
           <a:xfrm>
-            <a:off x="6172200" y="1825625"/>
-            <a:ext cx="5181600" cy="4351338"/>
+            <a:off x="5554980" y="1825625"/>
+            <a:ext cx="4663440" cy="4351338"/>
           </a:xfrm>
         </p:spPr>
         <p:txBody>
@@ -1372,18 +1220,13 @@
               <a:rPr lang="en-US"/>
               <a:t>Fifth level</a:t>
             </a:r>
-          </a:p>
-        </p:txBody>
-      </p:sp>
-      <p:sp>
-        <p:nvSpPr>
-          <p:cNvPr id="5" name="Date Placeholder 4">
-            <a:extLst>
-              <a:ext uri="{FF2B5EF4-FFF2-40B4-BE49-F238E27FC236}">
-                <a16:creationId xmlns:a16="http://schemas.microsoft.com/office/drawing/2014/main" id="{A9B797ED-CEE1-0247-8720-06F31C13E6F2}"/>
-              </a:ext>
-            </a:extLst>
-          </p:cNvPr>
+            <a:endParaRPr lang="en-US" dirty="0"/>
+          </a:p>
+        </p:txBody>
+      </p:sp>
+      <p:sp>
+        <p:nvSpPr>
+          <p:cNvPr id="5" name="Date Placeholder 4"/>
           <p:cNvSpPr>
             <a:spLocks noGrp="1"/>
           </p:cNvSpPr>
@@ -1398,7 +1241,7 @@
           <a:p>
             <a:fld id="{407377E9-B467-4349-A636-4ADCC9286FD9}" type="datetimeFigureOut">
               <a:rPr lang="en-US" smtClean="0"/>
-              <a:t>5/7/18</a:t>
+              <a:t>5/13/18</a:t>
             </a:fld>
             <a:endParaRPr lang="en-US"/>
           </a:p>
@@ -1406,13 +1249,7 @@
       </p:sp>
       <p:sp>
         <p:nvSpPr>
-          <p:cNvPr id="6" name="Footer Placeholder 5">
-            <a:extLst>
-              <a:ext uri="{FF2B5EF4-FFF2-40B4-BE49-F238E27FC236}">
-                <a16:creationId xmlns:a16="http://schemas.microsoft.com/office/drawing/2014/main" id="{D0C6E610-1596-CB4A-A399-32326C493232}"/>
-              </a:ext>
-            </a:extLst>
-          </p:cNvPr>
+          <p:cNvPr id="6" name="Footer Placeholder 5"/>
           <p:cNvSpPr>
             <a:spLocks noGrp="1"/>
           </p:cNvSpPr>
@@ -1431,13 +1268,7 @@
       </p:sp>
       <p:sp>
         <p:nvSpPr>
-          <p:cNvPr id="7" name="Slide Number Placeholder 6">
-            <a:extLst>
-              <a:ext uri="{FF2B5EF4-FFF2-40B4-BE49-F238E27FC236}">
-                <a16:creationId xmlns:a16="http://schemas.microsoft.com/office/drawing/2014/main" id="{731C1714-5DA0-3041-9E3C-599234D57A79}"/>
-              </a:ext>
-            </a:extLst>
-          </p:cNvPr>
+          <p:cNvPr id="7" name="Slide Number Placeholder 6"/>
           <p:cNvSpPr>
             <a:spLocks noGrp="1"/>
           </p:cNvSpPr>
@@ -1461,7 +1292,7 @@
     </p:spTree>
     <p:extLst>
       <p:ext uri="{BB962C8B-B14F-4D97-AF65-F5344CB8AC3E}">
-        <p14:creationId xmlns:p14="http://schemas.microsoft.com/office/powerpoint/2010/main" val="1660364673"/>
+        <p14:creationId xmlns:p14="http://schemas.microsoft.com/office/powerpoint/2010/main" val="1335602796"/>
       </p:ext>
     </p:extLst>
   </p:cSld>
@@ -1490,13 +1321,7 @@
       </p:grpSpPr>
       <p:sp>
         <p:nvSpPr>
-          <p:cNvPr id="2" name="Title 1">
-            <a:extLst>
-              <a:ext uri="{FF2B5EF4-FFF2-40B4-BE49-F238E27FC236}">
-                <a16:creationId xmlns:a16="http://schemas.microsoft.com/office/drawing/2014/main" id="{2C92C468-4010-E041-86A1-D953444CFCAE}"/>
-              </a:ext>
-            </a:extLst>
-          </p:cNvPr>
+          <p:cNvPr id="2" name="Title 1"/>
           <p:cNvSpPr>
             <a:spLocks noGrp="1"/>
           </p:cNvSpPr>
@@ -1506,8 +1331,8 @@
         </p:nvSpPr>
         <p:spPr>
           <a:xfrm>
-            <a:off x="839788" y="365125"/>
-            <a:ext cx="10515600" cy="1325563"/>
+            <a:off x="755809" y="365126"/>
+            <a:ext cx="9464040" cy="1325563"/>
           </a:xfrm>
         </p:spPr>
         <p:txBody>
@@ -1518,18 +1343,13 @@
               <a:rPr lang="en-US"/>
               <a:t>Click to edit Master title style</a:t>
             </a:r>
-          </a:p>
-        </p:txBody>
-      </p:sp>
-      <p:sp>
-        <p:nvSpPr>
-          <p:cNvPr id="3" name="Text Placeholder 2">
-            <a:extLst>
-              <a:ext uri="{FF2B5EF4-FFF2-40B4-BE49-F238E27FC236}">
-                <a16:creationId xmlns:a16="http://schemas.microsoft.com/office/drawing/2014/main" id="{5733B48E-AEB5-504E-84AD-7EE461F1E1DC}"/>
-              </a:ext>
-            </a:extLst>
-          </p:cNvPr>
+            <a:endParaRPr lang="en-US" dirty="0"/>
+          </a:p>
+        </p:txBody>
+      </p:sp>
+      <p:sp>
+        <p:nvSpPr>
+          <p:cNvPr id="3" name="Text Placeholder 2"/>
           <p:cNvSpPr>
             <a:spLocks noGrp="1"/>
           </p:cNvSpPr>
@@ -1539,8 +1359,8 @@
         </p:nvSpPr>
         <p:spPr>
           <a:xfrm>
-            <a:off x="839788" y="1681163"/>
-            <a:ext cx="5157787" cy="823912"/>
+            <a:off x="755810" y="1681163"/>
+            <a:ext cx="4642008" cy="823912"/>
           </a:xfrm>
         </p:spPr>
         <p:txBody>
@@ -1548,39 +1368,39 @@
           <a:lstStyle>
             <a:lvl1pPr marL="0" indent="0">
               <a:buNone/>
-              <a:defRPr sz="2400" b="1"/>
+              <a:defRPr sz="2160" b="1"/>
             </a:lvl1pPr>
-            <a:lvl2pPr marL="457200" indent="0">
-              <a:buNone/>
-              <a:defRPr sz="2000" b="1"/>
+            <a:lvl2pPr marL="411480" indent="0">
+              <a:buNone/>
+              <a:defRPr sz="1800" b="1"/>
             </a:lvl2pPr>
-            <a:lvl3pPr marL="914400" indent="0">
-              <a:buNone/>
-              <a:defRPr sz="1800" b="1"/>
+            <a:lvl3pPr marL="822960" indent="0">
+              <a:buNone/>
+              <a:defRPr sz="1620" b="1"/>
             </a:lvl3pPr>
-            <a:lvl4pPr marL="1371600" indent="0">
-              <a:buNone/>
-              <a:defRPr sz="1600" b="1"/>
+            <a:lvl4pPr marL="1234440" indent="0">
+              <a:buNone/>
+              <a:defRPr sz="1440" b="1"/>
             </a:lvl4pPr>
-            <a:lvl5pPr marL="1828800" indent="0">
-              <a:buNone/>
-              <a:defRPr sz="1600" b="1"/>
+            <a:lvl5pPr marL="1645920" indent="0">
+              <a:buNone/>
+              <a:defRPr sz="1440" b="1"/>
             </a:lvl5pPr>
-            <a:lvl6pPr marL="2286000" indent="0">
-              <a:buNone/>
-              <a:defRPr sz="1600" b="1"/>
+            <a:lvl6pPr marL="2057400" indent="0">
+              <a:buNone/>
+              <a:defRPr sz="1440" b="1"/>
             </a:lvl6pPr>
-            <a:lvl7pPr marL="2743200" indent="0">
-              <a:buNone/>
-              <a:defRPr sz="1600" b="1"/>
+            <a:lvl7pPr marL="2468880" indent="0">
+              <a:buNone/>
+              <a:defRPr sz="1440" b="1"/>
             </a:lvl7pPr>
-            <a:lvl8pPr marL="3200400" indent="0">
-              <a:buNone/>
-              <a:defRPr sz="1600" b="1"/>
+            <a:lvl8pPr marL="2880360" indent="0">
+              <a:buNone/>
+              <a:defRPr sz="1440" b="1"/>
             </a:lvl8pPr>
-            <a:lvl9pPr marL="3657600" indent="0">
-              <a:buNone/>
-              <a:defRPr sz="1600" b="1"/>
+            <a:lvl9pPr marL="3291840" indent="0">
+              <a:buNone/>
+              <a:defRPr sz="1440" b="1"/>
             </a:lvl9pPr>
           </a:lstStyle>
           <a:p>
@@ -1594,13 +1414,7 @@
       </p:sp>
       <p:sp>
         <p:nvSpPr>
-          <p:cNvPr id="4" name="Content Placeholder 3">
-            <a:extLst>
-              <a:ext uri="{FF2B5EF4-FFF2-40B4-BE49-F238E27FC236}">
-                <a16:creationId xmlns:a16="http://schemas.microsoft.com/office/drawing/2014/main" id="{D2BC6514-5138-1246-B388-ED86C2ED71F3}"/>
-              </a:ext>
-            </a:extLst>
-          </p:cNvPr>
+          <p:cNvPr id="4" name="Content Placeholder 3"/>
           <p:cNvSpPr>
             <a:spLocks noGrp="1"/>
           </p:cNvSpPr>
@@ -1610,8 +1424,8 @@
         </p:nvSpPr>
         <p:spPr>
           <a:xfrm>
-            <a:off x="839788" y="2505075"/>
-            <a:ext cx="5157787" cy="3684588"/>
+            <a:off x="755810" y="2505075"/>
+            <a:ext cx="4642008" cy="3684588"/>
           </a:xfrm>
         </p:spPr>
         <p:txBody>
@@ -1651,18 +1465,13 @@
               <a:rPr lang="en-US"/>
               <a:t>Fifth level</a:t>
             </a:r>
-          </a:p>
-        </p:txBody>
-      </p:sp>
-      <p:sp>
-        <p:nvSpPr>
-          <p:cNvPr id="5" name="Text Placeholder 4">
-            <a:extLst>
-              <a:ext uri="{FF2B5EF4-FFF2-40B4-BE49-F238E27FC236}">
-                <a16:creationId xmlns:a16="http://schemas.microsoft.com/office/drawing/2014/main" id="{74BDC08A-C93E-E245-83BC-5A954AAB1246}"/>
-              </a:ext>
-            </a:extLst>
-          </p:cNvPr>
+            <a:endParaRPr lang="en-US" dirty="0"/>
+          </a:p>
+        </p:txBody>
+      </p:sp>
+      <p:sp>
+        <p:nvSpPr>
+          <p:cNvPr id="5" name="Text Placeholder 4"/>
           <p:cNvSpPr>
             <a:spLocks noGrp="1"/>
           </p:cNvSpPr>
@@ -1672,8 +1481,8 @@
         </p:nvSpPr>
         <p:spPr>
           <a:xfrm>
-            <a:off x="6172200" y="1681163"/>
-            <a:ext cx="5183188" cy="823912"/>
+            <a:off x="5554980" y="1681163"/>
+            <a:ext cx="4664869" cy="823912"/>
           </a:xfrm>
         </p:spPr>
         <p:txBody>
@@ -1681,39 +1490,39 @@
           <a:lstStyle>
             <a:lvl1pPr marL="0" indent="0">
               <a:buNone/>
-              <a:defRPr sz="2400" b="1"/>
+              <a:defRPr sz="2160" b="1"/>
             </a:lvl1pPr>
-            <a:lvl2pPr marL="457200" indent="0">
-              <a:buNone/>
-              <a:defRPr sz="2000" b="1"/>
+            <a:lvl2pPr marL="411480" indent="0">
+              <a:buNone/>
+              <a:defRPr sz="1800" b="1"/>
             </a:lvl2pPr>
-            <a:lvl3pPr marL="914400" indent="0">
-              <a:buNone/>
-              <a:defRPr sz="1800" b="1"/>
+            <a:lvl3pPr marL="822960" indent="0">
+              <a:buNone/>
+              <a:defRPr sz="1620" b="1"/>
             </a:lvl3pPr>
-            <a:lvl4pPr marL="1371600" indent="0">
-              <a:buNone/>
-              <a:defRPr sz="1600" b="1"/>
+            <a:lvl4pPr marL="1234440" indent="0">
+              <a:buNone/>
+              <a:defRPr sz="1440" b="1"/>
             </a:lvl4pPr>
-            <a:lvl5pPr marL="1828800" indent="0">
-              <a:buNone/>
-              <a:defRPr sz="1600" b="1"/>
+            <a:lvl5pPr marL="1645920" indent="0">
+              <a:buNone/>
+              <a:defRPr sz="1440" b="1"/>
             </a:lvl5pPr>
-            <a:lvl6pPr marL="2286000" indent="0">
-              <a:buNone/>
-              <a:defRPr sz="1600" b="1"/>
+            <a:lvl6pPr marL="2057400" indent="0">
+              <a:buNone/>
+              <a:defRPr sz="1440" b="1"/>
             </a:lvl6pPr>
-            <a:lvl7pPr marL="2743200" indent="0">
-              <a:buNone/>
-              <a:defRPr sz="1600" b="1"/>
+            <a:lvl7pPr marL="2468880" indent="0">
+              <a:buNone/>
+              <a:defRPr sz="1440" b="1"/>
             </a:lvl7pPr>
-            <a:lvl8pPr marL="3200400" indent="0">
-              <a:buNone/>
-              <a:defRPr sz="1600" b="1"/>
+            <a:lvl8pPr marL="2880360" indent="0">
+              <a:buNone/>
+              <a:defRPr sz="1440" b="1"/>
             </a:lvl8pPr>
-            <a:lvl9pPr marL="3657600" indent="0">
-              <a:buNone/>
-              <a:defRPr sz="1600" b="1"/>
+            <a:lvl9pPr marL="3291840" indent="0">
+              <a:buNone/>
+              <a:defRPr sz="1440" b="1"/>
             </a:lvl9pPr>
           </a:lstStyle>
           <a:p>
@@ -1727,13 +1536,7 @@
       </p:sp>
       <p:sp>
         <p:nvSpPr>
-          <p:cNvPr id="6" name="Content Placeholder 5">
-            <a:extLst>
-              <a:ext uri="{FF2B5EF4-FFF2-40B4-BE49-F238E27FC236}">
-                <a16:creationId xmlns:a16="http://schemas.microsoft.com/office/drawing/2014/main" id="{9CC709AD-78A1-5040-831F-2672223E4DA2}"/>
-              </a:ext>
-            </a:extLst>
-          </p:cNvPr>
+          <p:cNvPr id="6" name="Content Placeholder 5"/>
           <p:cNvSpPr>
             <a:spLocks noGrp="1"/>
           </p:cNvSpPr>
@@ -1743,8 +1546,8 @@
         </p:nvSpPr>
         <p:spPr>
           <a:xfrm>
-            <a:off x="6172200" y="2505075"/>
-            <a:ext cx="5183188" cy="3684588"/>
+            <a:off x="5554980" y="2505075"/>
+            <a:ext cx="4664869" cy="3684588"/>
           </a:xfrm>
         </p:spPr>
         <p:txBody>
@@ -1784,18 +1587,13 @@
               <a:rPr lang="en-US"/>
               <a:t>Fifth level</a:t>
             </a:r>
-          </a:p>
-        </p:txBody>
-      </p:sp>
-      <p:sp>
-        <p:nvSpPr>
-          <p:cNvPr id="7" name="Date Placeholder 6">
-            <a:extLst>
-              <a:ext uri="{FF2B5EF4-FFF2-40B4-BE49-F238E27FC236}">
-                <a16:creationId xmlns:a16="http://schemas.microsoft.com/office/drawing/2014/main" id="{07D646BC-FF5C-344F-9267-0BD7F43330A8}"/>
-              </a:ext>
-            </a:extLst>
-          </p:cNvPr>
+            <a:endParaRPr lang="en-US" dirty="0"/>
+          </a:p>
+        </p:txBody>
+      </p:sp>
+      <p:sp>
+        <p:nvSpPr>
+          <p:cNvPr id="7" name="Date Placeholder 6"/>
           <p:cNvSpPr>
             <a:spLocks noGrp="1"/>
           </p:cNvSpPr>
@@ -1810,7 +1608,7 @@
           <a:p>
             <a:fld id="{407377E9-B467-4349-A636-4ADCC9286FD9}" type="datetimeFigureOut">
               <a:rPr lang="en-US" smtClean="0"/>
-              <a:t>5/7/18</a:t>
+              <a:t>5/13/18</a:t>
             </a:fld>
             <a:endParaRPr lang="en-US"/>
           </a:p>
@@ -1818,13 +1616,7 @@
       </p:sp>
       <p:sp>
         <p:nvSpPr>
-          <p:cNvPr id="8" name="Footer Placeholder 7">
-            <a:extLst>
-              <a:ext uri="{FF2B5EF4-FFF2-40B4-BE49-F238E27FC236}">
-                <a16:creationId xmlns:a16="http://schemas.microsoft.com/office/drawing/2014/main" id="{A8257392-17B3-F34E-8788-D0C745279430}"/>
-              </a:ext>
-            </a:extLst>
-          </p:cNvPr>
+          <p:cNvPr id="8" name="Footer Placeholder 7"/>
           <p:cNvSpPr>
             <a:spLocks noGrp="1"/>
           </p:cNvSpPr>
@@ -1843,13 +1635,7 @@
       </p:sp>
       <p:sp>
         <p:nvSpPr>
-          <p:cNvPr id="9" name="Slide Number Placeholder 8">
-            <a:extLst>
-              <a:ext uri="{FF2B5EF4-FFF2-40B4-BE49-F238E27FC236}">
-                <a16:creationId xmlns:a16="http://schemas.microsoft.com/office/drawing/2014/main" id="{E8D98877-EF54-6442-9419-5C0594516491}"/>
-              </a:ext>
-            </a:extLst>
-          </p:cNvPr>
+          <p:cNvPr id="9" name="Slide Number Placeholder 8"/>
           <p:cNvSpPr>
             <a:spLocks noGrp="1"/>
           </p:cNvSpPr>
@@ -1873,7 +1659,7 @@
     </p:spTree>
     <p:extLst>
       <p:ext uri="{BB962C8B-B14F-4D97-AF65-F5344CB8AC3E}">
-        <p14:creationId xmlns:p14="http://schemas.microsoft.com/office/powerpoint/2010/main" val="2798645106"/>
+        <p14:creationId xmlns:p14="http://schemas.microsoft.com/office/powerpoint/2010/main" val="1205591360"/>
       </p:ext>
     </p:extLst>
   </p:cSld>
@@ -1902,13 +1688,7 @@
       </p:grpSpPr>
       <p:sp>
         <p:nvSpPr>
-          <p:cNvPr id="2" name="Title 1">
-            <a:extLst>
-              <a:ext uri="{FF2B5EF4-FFF2-40B4-BE49-F238E27FC236}">
-                <a16:creationId xmlns:a16="http://schemas.microsoft.com/office/drawing/2014/main" id="{B39AEFA2-6F6F-F247-B0CA-98A6A8D43A40}"/>
-              </a:ext>
-            </a:extLst>
-          </p:cNvPr>
+          <p:cNvPr id="2" name="Title 1"/>
           <p:cNvSpPr>
             <a:spLocks noGrp="1"/>
           </p:cNvSpPr>
@@ -1925,18 +1705,13 @@
               <a:rPr lang="en-US"/>
               <a:t>Click to edit Master title style</a:t>
             </a:r>
-          </a:p>
-        </p:txBody>
-      </p:sp>
-      <p:sp>
-        <p:nvSpPr>
-          <p:cNvPr id="3" name="Date Placeholder 2">
-            <a:extLst>
-              <a:ext uri="{FF2B5EF4-FFF2-40B4-BE49-F238E27FC236}">
-                <a16:creationId xmlns:a16="http://schemas.microsoft.com/office/drawing/2014/main" id="{7F34DFFA-C96D-7D4A-B2AD-5CC0A99CCDE5}"/>
-              </a:ext>
-            </a:extLst>
-          </p:cNvPr>
+            <a:endParaRPr lang="en-US" dirty="0"/>
+          </a:p>
+        </p:txBody>
+      </p:sp>
+      <p:sp>
+        <p:nvSpPr>
+          <p:cNvPr id="3" name="Date Placeholder 2"/>
           <p:cNvSpPr>
             <a:spLocks noGrp="1"/>
           </p:cNvSpPr>
@@ -1951,7 +1726,7 @@
           <a:p>
             <a:fld id="{407377E9-B467-4349-A636-4ADCC9286FD9}" type="datetimeFigureOut">
               <a:rPr lang="en-US" smtClean="0"/>
-              <a:t>5/7/18</a:t>
+              <a:t>5/13/18</a:t>
             </a:fld>
             <a:endParaRPr lang="en-US"/>
           </a:p>
@@ -1959,13 +1734,7 @@
       </p:sp>
       <p:sp>
         <p:nvSpPr>
-          <p:cNvPr id="4" name="Footer Placeholder 3">
-            <a:extLst>
-              <a:ext uri="{FF2B5EF4-FFF2-40B4-BE49-F238E27FC236}">
-                <a16:creationId xmlns:a16="http://schemas.microsoft.com/office/drawing/2014/main" id="{D7B5EA11-9BAD-5A48-8E7E-7267E2338041}"/>
-              </a:ext>
-            </a:extLst>
-          </p:cNvPr>
+          <p:cNvPr id="4" name="Footer Placeholder 3"/>
           <p:cNvSpPr>
             <a:spLocks noGrp="1"/>
           </p:cNvSpPr>
@@ -1984,13 +1753,7 @@
       </p:sp>
       <p:sp>
         <p:nvSpPr>
-          <p:cNvPr id="5" name="Slide Number Placeholder 4">
-            <a:extLst>
-              <a:ext uri="{FF2B5EF4-FFF2-40B4-BE49-F238E27FC236}">
-                <a16:creationId xmlns:a16="http://schemas.microsoft.com/office/drawing/2014/main" id="{90792978-93EE-9443-8127-6C1067C4E209}"/>
-              </a:ext>
-            </a:extLst>
-          </p:cNvPr>
+          <p:cNvPr id="5" name="Slide Number Placeholder 4"/>
           <p:cNvSpPr>
             <a:spLocks noGrp="1"/>
           </p:cNvSpPr>
@@ -2014,7 +1777,7 @@
     </p:spTree>
     <p:extLst>
       <p:ext uri="{BB962C8B-B14F-4D97-AF65-F5344CB8AC3E}">
-        <p14:creationId xmlns:p14="http://schemas.microsoft.com/office/powerpoint/2010/main" val="958721376"/>
+        <p14:creationId xmlns:p14="http://schemas.microsoft.com/office/powerpoint/2010/main" val="3015245874"/>
       </p:ext>
     </p:extLst>
   </p:cSld>
@@ -2043,13 +1806,7 @@
       </p:grpSpPr>
       <p:sp>
         <p:nvSpPr>
-          <p:cNvPr id="2" name="Date Placeholder 1">
-            <a:extLst>
-              <a:ext uri="{FF2B5EF4-FFF2-40B4-BE49-F238E27FC236}">
-                <a16:creationId xmlns:a16="http://schemas.microsoft.com/office/drawing/2014/main" id="{5E89FADF-3970-CD47-9E95-79F934E72D06}"/>
-              </a:ext>
-            </a:extLst>
-          </p:cNvPr>
+          <p:cNvPr id="2" name="Date Placeholder 1"/>
           <p:cNvSpPr>
             <a:spLocks noGrp="1"/>
           </p:cNvSpPr>
@@ -2064,7 +1821,7 @@
           <a:p>
             <a:fld id="{407377E9-B467-4349-A636-4ADCC9286FD9}" type="datetimeFigureOut">
               <a:rPr lang="en-US" smtClean="0"/>
-              <a:t>5/7/18</a:t>
+              <a:t>5/13/18</a:t>
             </a:fld>
             <a:endParaRPr lang="en-US"/>
           </a:p>
@@ -2072,13 +1829,7 @@
       </p:sp>
       <p:sp>
         <p:nvSpPr>
-          <p:cNvPr id="3" name="Footer Placeholder 2">
-            <a:extLst>
-              <a:ext uri="{FF2B5EF4-FFF2-40B4-BE49-F238E27FC236}">
-                <a16:creationId xmlns:a16="http://schemas.microsoft.com/office/drawing/2014/main" id="{0737DEB4-6D7F-5845-88D9-8F3EFFFCF50B}"/>
-              </a:ext>
-            </a:extLst>
-          </p:cNvPr>
+          <p:cNvPr id="3" name="Footer Placeholder 2"/>
           <p:cNvSpPr>
             <a:spLocks noGrp="1"/>
           </p:cNvSpPr>
@@ -2097,13 +1848,7 @@
       </p:sp>
       <p:sp>
         <p:nvSpPr>
-          <p:cNvPr id="4" name="Slide Number Placeholder 3">
-            <a:extLst>
-              <a:ext uri="{FF2B5EF4-FFF2-40B4-BE49-F238E27FC236}">
-                <a16:creationId xmlns:a16="http://schemas.microsoft.com/office/drawing/2014/main" id="{A140F2A2-59A0-5646-9573-FC1E61717B0B}"/>
-              </a:ext>
-            </a:extLst>
-          </p:cNvPr>
+          <p:cNvPr id="4" name="Slide Number Placeholder 3"/>
           <p:cNvSpPr>
             <a:spLocks noGrp="1"/>
           </p:cNvSpPr>
@@ -2127,7 +1872,7 @@
     </p:spTree>
     <p:extLst>
       <p:ext uri="{BB962C8B-B14F-4D97-AF65-F5344CB8AC3E}">
-        <p14:creationId xmlns:p14="http://schemas.microsoft.com/office/powerpoint/2010/main" val="826236560"/>
+        <p14:creationId xmlns:p14="http://schemas.microsoft.com/office/powerpoint/2010/main" val="1780098336"/>
       </p:ext>
     </p:extLst>
   </p:cSld>
@@ -2156,13 +1901,7 @@
       </p:grpSpPr>
       <p:sp>
         <p:nvSpPr>
-          <p:cNvPr id="2" name="Title 1">
-            <a:extLst>
-              <a:ext uri="{FF2B5EF4-FFF2-40B4-BE49-F238E27FC236}">
-                <a16:creationId xmlns:a16="http://schemas.microsoft.com/office/drawing/2014/main" id="{82FE6FD2-C5E2-B24D-8BBB-55F96091EBDC}"/>
-              </a:ext>
-            </a:extLst>
-          </p:cNvPr>
+          <p:cNvPr id="2" name="Title 1"/>
           <p:cNvSpPr>
             <a:spLocks noGrp="1"/>
           </p:cNvSpPr>
@@ -2172,15 +1911,15 @@
         </p:nvSpPr>
         <p:spPr>
           <a:xfrm>
-            <a:off x="839788" y="457200"/>
-            <a:ext cx="3932237" cy="1600200"/>
+            <a:off x="755810" y="457200"/>
+            <a:ext cx="3539013" cy="1600200"/>
           </a:xfrm>
         </p:spPr>
         <p:txBody>
           <a:bodyPr anchor="b"/>
           <a:lstStyle>
             <a:lvl1pPr>
-              <a:defRPr sz="3200"/>
+              <a:defRPr sz="2880"/>
             </a:lvl1pPr>
           </a:lstStyle>
           <a:p>
@@ -2188,18 +1927,13 @@
               <a:rPr lang="en-US"/>
               <a:t>Click to edit Master title style</a:t>
             </a:r>
-          </a:p>
-        </p:txBody>
-      </p:sp>
-      <p:sp>
-        <p:nvSpPr>
-          <p:cNvPr id="3" name="Content Placeholder 2">
-            <a:extLst>
-              <a:ext uri="{FF2B5EF4-FFF2-40B4-BE49-F238E27FC236}">
-                <a16:creationId xmlns:a16="http://schemas.microsoft.com/office/drawing/2014/main" id="{C6F8F373-DA23-C946-9FF4-76C02C420F38}"/>
-              </a:ext>
-            </a:extLst>
-          </p:cNvPr>
+            <a:endParaRPr lang="en-US" dirty="0"/>
+          </a:p>
+        </p:txBody>
+      </p:sp>
+      <p:sp>
+        <p:nvSpPr>
+          <p:cNvPr id="3" name="Content Placeholder 2"/>
           <p:cNvSpPr>
             <a:spLocks noGrp="1"/>
           </p:cNvSpPr>
@@ -2209,39 +1943,39 @@
         </p:nvSpPr>
         <p:spPr>
           <a:xfrm>
-            <a:off x="5183188" y="987425"/>
-            <a:ext cx="6172200" cy="4873625"/>
+            <a:off x="4664869" y="987426"/>
+            <a:ext cx="5554980" cy="4873625"/>
           </a:xfrm>
         </p:spPr>
         <p:txBody>
           <a:bodyPr/>
           <a:lstStyle>
             <a:lvl1pPr>
-              <a:defRPr sz="3200"/>
+              <a:defRPr sz="2880"/>
             </a:lvl1pPr>
             <a:lvl2pPr>
-              <a:defRPr sz="2800"/>
+              <a:defRPr sz="2520"/>
             </a:lvl2pPr>
             <a:lvl3pPr>
-              <a:defRPr sz="2400"/>
+              <a:defRPr sz="2160"/>
             </a:lvl3pPr>
             <a:lvl4pPr>
-              <a:defRPr sz="2000"/>
+              <a:defRPr sz="1800"/>
             </a:lvl4pPr>
             <a:lvl5pPr>
-              <a:defRPr sz="2000"/>
+              <a:defRPr sz="1800"/>
             </a:lvl5pPr>
             <a:lvl6pPr>
-              <a:defRPr sz="2000"/>
+              <a:defRPr sz="1800"/>
             </a:lvl6pPr>
             <a:lvl7pPr>
-              <a:defRPr sz="2000"/>
+              <a:defRPr sz="1800"/>
             </a:lvl7pPr>
             <a:lvl8pPr>
-              <a:defRPr sz="2000"/>
+              <a:defRPr sz="1800"/>
             </a:lvl8pPr>
             <a:lvl9pPr>
-              <a:defRPr sz="2000"/>
+              <a:defRPr sz="1800"/>
             </a:lvl9pPr>
           </a:lstStyle>
           <a:p>
@@ -2278,18 +2012,13 @@
               <a:rPr lang="en-US"/>
               <a:t>Fifth level</a:t>
             </a:r>
-          </a:p>
-        </p:txBody>
-      </p:sp>
-      <p:sp>
-        <p:nvSpPr>
-          <p:cNvPr id="4" name="Text Placeholder 3">
-            <a:extLst>
-              <a:ext uri="{FF2B5EF4-FFF2-40B4-BE49-F238E27FC236}">
-                <a16:creationId xmlns:a16="http://schemas.microsoft.com/office/drawing/2014/main" id="{91AF2E86-A2E3-DC41-8087-9BD5C9234AE1}"/>
-              </a:ext>
-            </a:extLst>
-          </p:cNvPr>
+            <a:endParaRPr lang="en-US" dirty="0"/>
+          </a:p>
+        </p:txBody>
+      </p:sp>
+      <p:sp>
+        <p:nvSpPr>
+          <p:cNvPr id="4" name="Text Placeholder 3"/>
           <p:cNvSpPr>
             <a:spLocks noGrp="1"/>
           </p:cNvSpPr>
@@ -2299,8 +2028,8 @@
         </p:nvSpPr>
         <p:spPr>
           <a:xfrm>
-            <a:off x="839788" y="2057400"/>
-            <a:ext cx="3932237" cy="3811588"/>
+            <a:off x="755810" y="2057400"/>
+            <a:ext cx="3539013" cy="3811588"/>
           </a:xfrm>
         </p:spPr>
         <p:txBody>
@@ -2308,39 +2037,39 @@
           <a:lstStyle>
             <a:lvl1pPr marL="0" indent="0">
               <a:buNone/>
-              <a:defRPr sz="1600"/>
+              <a:defRPr sz="1440"/>
             </a:lvl1pPr>
-            <a:lvl2pPr marL="457200" indent="0">
-              <a:buNone/>
-              <a:defRPr sz="1400"/>
+            <a:lvl2pPr marL="411480" indent="0">
+              <a:buNone/>
+              <a:defRPr sz="1260"/>
             </a:lvl2pPr>
-            <a:lvl3pPr marL="914400" indent="0">
-              <a:buNone/>
-              <a:defRPr sz="1200"/>
+            <a:lvl3pPr marL="822960" indent="0">
+              <a:buNone/>
+              <a:defRPr sz="1080"/>
             </a:lvl3pPr>
-            <a:lvl4pPr marL="1371600" indent="0">
-              <a:buNone/>
-              <a:defRPr sz="1000"/>
+            <a:lvl4pPr marL="1234440" indent="0">
+              <a:buNone/>
+              <a:defRPr sz="900"/>
             </a:lvl4pPr>
-            <a:lvl5pPr marL="1828800" indent="0">
-              <a:buNone/>
-              <a:defRPr sz="1000"/>
+            <a:lvl5pPr marL="1645920" indent="0">
+              <a:buNone/>
+              <a:defRPr sz="900"/>
             </a:lvl5pPr>
-            <a:lvl6pPr marL="2286000" indent="0">
-              <a:buNone/>
-              <a:defRPr sz="1000"/>
+            <a:lvl6pPr marL="2057400" indent="0">
+              <a:buNone/>
+              <a:defRPr sz="900"/>
             </a:lvl6pPr>
-            <a:lvl7pPr marL="2743200" indent="0">
-              <a:buNone/>
-              <a:defRPr sz="1000"/>
+            <a:lvl7pPr marL="2468880" indent="0">
+              <a:buNone/>
+              <a:defRPr sz="900"/>
             </a:lvl7pPr>
-            <a:lvl8pPr marL="3200400" indent="0">
-              <a:buNone/>
-              <a:defRPr sz="1000"/>
+            <a:lvl8pPr marL="2880360" indent="0">
+              <a:buNone/>
+              <a:defRPr sz="900"/>
             </a:lvl8pPr>
-            <a:lvl9pPr marL="3657600" indent="0">
-              <a:buNone/>
-              <a:defRPr sz="1000"/>
+            <a:lvl9pPr marL="3291840" indent="0">
+              <a:buNone/>
+              <a:defRPr sz="900"/>
             </a:lvl9pPr>
           </a:lstStyle>
           <a:p>
@@ -2354,13 +2083,7 @@
       </p:sp>
       <p:sp>
         <p:nvSpPr>
-          <p:cNvPr id="5" name="Date Placeholder 4">
-            <a:extLst>
-              <a:ext uri="{FF2B5EF4-FFF2-40B4-BE49-F238E27FC236}">
-                <a16:creationId xmlns:a16="http://schemas.microsoft.com/office/drawing/2014/main" id="{7BD78931-7C35-3C4A-94A0-C7CF4B9248C5}"/>
-              </a:ext>
-            </a:extLst>
-          </p:cNvPr>
+          <p:cNvPr id="5" name="Date Placeholder 4"/>
           <p:cNvSpPr>
             <a:spLocks noGrp="1"/>
           </p:cNvSpPr>
@@ -2375,7 +2098,7 @@
           <a:p>
             <a:fld id="{407377E9-B467-4349-A636-4ADCC9286FD9}" type="datetimeFigureOut">
               <a:rPr lang="en-US" smtClean="0"/>
-              <a:t>5/7/18</a:t>
+              <a:t>5/13/18</a:t>
             </a:fld>
             <a:endParaRPr lang="en-US"/>
           </a:p>
@@ -2383,13 +2106,7 @@
       </p:sp>
       <p:sp>
         <p:nvSpPr>
-          <p:cNvPr id="6" name="Footer Placeholder 5">
-            <a:extLst>
-              <a:ext uri="{FF2B5EF4-FFF2-40B4-BE49-F238E27FC236}">
-                <a16:creationId xmlns:a16="http://schemas.microsoft.com/office/drawing/2014/main" id="{B3C5A7BF-EFDE-8F42-BFF6-6E83983A0626}"/>
-              </a:ext>
-            </a:extLst>
-          </p:cNvPr>
+          <p:cNvPr id="6" name="Footer Placeholder 5"/>
           <p:cNvSpPr>
             <a:spLocks noGrp="1"/>
           </p:cNvSpPr>
@@ -2408,13 +2125,7 @@
       </p:sp>
       <p:sp>
         <p:nvSpPr>
-          <p:cNvPr id="7" name="Slide Number Placeholder 6">
-            <a:extLst>
-              <a:ext uri="{FF2B5EF4-FFF2-40B4-BE49-F238E27FC236}">
-                <a16:creationId xmlns:a16="http://schemas.microsoft.com/office/drawing/2014/main" id="{F28E0EEA-6624-5E41-AACB-36509FB3BE90}"/>
-              </a:ext>
-            </a:extLst>
-          </p:cNvPr>
+          <p:cNvPr id="7" name="Slide Number Placeholder 6"/>
           <p:cNvSpPr>
             <a:spLocks noGrp="1"/>
           </p:cNvSpPr>
@@ -2438,7 +2149,7 @@
     </p:spTree>
     <p:extLst>
       <p:ext uri="{BB962C8B-B14F-4D97-AF65-F5344CB8AC3E}">
-        <p14:creationId xmlns:p14="http://schemas.microsoft.com/office/powerpoint/2010/main" val="122641646"/>
+        <p14:creationId xmlns:p14="http://schemas.microsoft.com/office/powerpoint/2010/main" val="3641353468"/>
       </p:ext>
     </p:extLst>
   </p:cSld>
@@ -2467,13 +2178,7 @@
       </p:grpSpPr>
       <p:sp>
         <p:nvSpPr>
-          <p:cNvPr id="2" name="Title 1">
-            <a:extLst>
-              <a:ext uri="{FF2B5EF4-FFF2-40B4-BE49-F238E27FC236}">
-                <a16:creationId xmlns:a16="http://schemas.microsoft.com/office/drawing/2014/main" id="{5F6C8DC0-E376-A142-AA27-62123DD84033}"/>
-              </a:ext>
-            </a:extLst>
-          </p:cNvPr>
+          <p:cNvPr id="2" name="Title 1"/>
           <p:cNvSpPr>
             <a:spLocks noGrp="1"/>
           </p:cNvSpPr>
@@ -2483,15 +2188,15 @@
         </p:nvSpPr>
         <p:spPr>
           <a:xfrm>
-            <a:off x="839788" y="457200"/>
-            <a:ext cx="3932237" cy="1600200"/>
+            <a:off x="755810" y="457200"/>
+            <a:ext cx="3539013" cy="1600200"/>
           </a:xfrm>
         </p:spPr>
         <p:txBody>
           <a:bodyPr anchor="b"/>
           <a:lstStyle>
             <a:lvl1pPr>
-              <a:defRPr sz="3200"/>
+              <a:defRPr sz="2880"/>
             </a:lvl1pPr>
           </a:lstStyle>
           <a:p>
@@ -2499,20 +2204,15 @@
               <a:rPr lang="en-US"/>
               <a:t>Click to edit Master title style</a:t>
             </a:r>
-          </a:p>
-        </p:txBody>
-      </p:sp>
-      <p:sp>
-        <p:nvSpPr>
-          <p:cNvPr id="3" name="Picture Placeholder 2">
-            <a:extLst>
-              <a:ext uri="{FF2B5EF4-FFF2-40B4-BE49-F238E27FC236}">
-                <a16:creationId xmlns:a16="http://schemas.microsoft.com/office/drawing/2014/main" id="{A0116E41-069A-844E-8260-D7645FFA221B}"/>
-              </a:ext>
-            </a:extLst>
-          </p:cNvPr>
-          <p:cNvSpPr>
-            <a:spLocks noGrp="1"/>
+            <a:endParaRPr lang="en-US" dirty="0"/>
+          </a:p>
+        </p:txBody>
+      </p:sp>
+      <p:sp>
+        <p:nvSpPr>
+          <p:cNvPr id="3" name="Picture Placeholder 2"/>
+          <p:cNvSpPr>
+            <a:spLocks noGrp="1" noChangeAspect="1"/>
           </p:cNvSpPr>
           <p:nvPr>
             <p:ph type="pic" idx="1"/>
@@ -2520,64 +2220,62 @@
         </p:nvSpPr>
         <p:spPr>
           <a:xfrm>
-            <a:off x="5183188" y="987425"/>
-            <a:ext cx="6172200" cy="4873625"/>
+            <a:off x="4664869" y="987426"/>
+            <a:ext cx="5554980" cy="4873625"/>
           </a:xfrm>
         </p:spPr>
         <p:txBody>
-          <a:bodyPr/>
+          <a:bodyPr anchor="t"/>
           <a:lstStyle>
             <a:lvl1pPr marL="0" indent="0">
               <a:buNone/>
-              <a:defRPr sz="3200"/>
+              <a:defRPr sz="2880"/>
             </a:lvl1pPr>
-            <a:lvl2pPr marL="457200" indent="0">
-              <a:buNone/>
-              <a:defRPr sz="2800"/>
+            <a:lvl2pPr marL="411480" indent="0">
+              <a:buNone/>
+              <a:defRPr sz="2520"/>
             </a:lvl2pPr>
-            <a:lvl3pPr marL="914400" indent="0">
-              <a:buNone/>
-              <a:defRPr sz="2400"/>
+            <a:lvl3pPr marL="822960" indent="0">
+              <a:buNone/>
+              <a:defRPr sz="2160"/>
             </a:lvl3pPr>
-            <a:lvl4pPr marL="1371600" indent="0">
-              <a:buNone/>
-              <a:defRPr sz="2000"/>
+            <a:lvl4pPr marL="1234440" indent="0">
+              <a:buNone/>
+              <a:defRPr sz="1800"/>
             </a:lvl4pPr>
-            <a:lvl5pPr marL="1828800" indent="0">
-              <a:buNone/>
-              <a:defRPr sz="2000"/>
+            <a:lvl5pPr marL="1645920" indent="0">
+              <a:buNone/>
+              <a:defRPr sz="1800"/>
             </a:lvl5pPr>
-            <a:lvl6pPr marL="2286000" indent="0">
-              <a:buNone/>
-              <a:defRPr sz="2000"/>
+            <a:lvl6pPr marL="2057400" indent="0">
+              <a:buNone/>
+              <a:defRPr sz="1800"/>
             </a:lvl6pPr>
-            <a:lvl7pPr marL="2743200" indent="0">
-              <a:buNone/>
-              <a:defRPr sz="2000"/>
+            <a:lvl7pPr marL="2468880" indent="0">
+              <a:buNone/>
+              <a:defRPr sz="1800"/>
             </a:lvl7pPr>
-            <a:lvl8pPr marL="3200400" indent="0">
-              <a:buNone/>
-              <a:defRPr sz="2000"/>
+            <a:lvl8pPr marL="2880360" indent="0">
+              <a:buNone/>
+              <a:defRPr sz="1800"/>
             </a:lvl8pPr>
-            <a:lvl9pPr marL="3657600" indent="0">
-              <a:buNone/>
-              <a:defRPr sz="2000"/>
+            <a:lvl9pPr marL="3291840" indent="0">
+              <a:buNone/>
+              <a:defRPr sz="1800"/>
             </a:lvl9pPr>
           </a:lstStyle>
           <a:p>
-            <a:endParaRPr lang="en-US"/>
-          </a:p>
-        </p:txBody>
-      </p:sp>
-      <p:sp>
-        <p:nvSpPr>
-          <p:cNvPr id="4" name="Text Placeholder 3">
-            <a:extLst>
-              <a:ext uri="{FF2B5EF4-FFF2-40B4-BE49-F238E27FC236}">
-                <a16:creationId xmlns:a16="http://schemas.microsoft.com/office/drawing/2014/main" id="{9558D673-4A88-F44D-B6BB-E1A4B8B9A63D}"/>
-              </a:ext>
-            </a:extLst>
-          </p:cNvPr>
+            <a:r>
+              <a:rPr lang="en-US"/>
+              <a:t>Click icon to add picture</a:t>
+            </a:r>
+            <a:endParaRPr lang="en-US" dirty="0"/>
+          </a:p>
+        </p:txBody>
+      </p:sp>
+      <p:sp>
+        <p:nvSpPr>
+          <p:cNvPr id="4" name="Text Placeholder 3"/>
           <p:cNvSpPr>
             <a:spLocks noGrp="1"/>
           </p:cNvSpPr>
@@ -2587,8 +2285,8 @@
         </p:nvSpPr>
         <p:spPr>
           <a:xfrm>
-            <a:off x="839788" y="2057400"/>
-            <a:ext cx="3932237" cy="3811588"/>
+            <a:off x="755810" y="2057400"/>
+            <a:ext cx="3539013" cy="3811588"/>
           </a:xfrm>
         </p:spPr>
         <p:txBody>
@@ -2596,39 +2294,39 @@
           <a:lstStyle>
             <a:lvl1pPr marL="0" indent="0">
               <a:buNone/>
-              <a:defRPr sz="1600"/>
+              <a:defRPr sz="1440"/>
             </a:lvl1pPr>
-            <a:lvl2pPr marL="457200" indent="0">
-              <a:buNone/>
-              <a:defRPr sz="1400"/>
+            <a:lvl2pPr marL="411480" indent="0">
+              <a:buNone/>
+              <a:defRPr sz="1260"/>
             </a:lvl2pPr>
-            <a:lvl3pPr marL="914400" indent="0">
-              <a:buNone/>
-              <a:defRPr sz="1200"/>
+            <a:lvl3pPr marL="822960" indent="0">
+              <a:buNone/>
+              <a:defRPr sz="1080"/>
             </a:lvl3pPr>
-            <a:lvl4pPr marL="1371600" indent="0">
-              <a:buNone/>
-              <a:defRPr sz="1000"/>
+            <a:lvl4pPr marL="1234440" indent="0">
+              <a:buNone/>
+              <a:defRPr sz="900"/>
             </a:lvl4pPr>
-            <a:lvl5pPr marL="1828800" indent="0">
-              <a:buNone/>
-              <a:defRPr sz="1000"/>
+            <a:lvl5pPr marL="1645920" indent="0">
+              <a:buNone/>
+              <a:defRPr sz="900"/>
             </a:lvl5pPr>
-            <a:lvl6pPr marL="2286000" indent="0">
-              <a:buNone/>
-              <a:defRPr sz="1000"/>
+            <a:lvl6pPr marL="2057400" indent="0">
+              <a:buNone/>
+              <a:defRPr sz="900"/>
             </a:lvl6pPr>
-            <a:lvl7pPr marL="2743200" indent="0">
-              <a:buNone/>
-              <a:defRPr sz="1000"/>
+            <a:lvl7pPr marL="2468880" indent="0">
+              <a:buNone/>
+              <a:defRPr sz="900"/>
             </a:lvl7pPr>
-            <a:lvl8pPr marL="3200400" indent="0">
-              <a:buNone/>
-              <a:defRPr sz="1000"/>
+            <a:lvl8pPr marL="2880360" indent="0">
+              <a:buNone/>
+              <a:defRPr sz="900"/>
             </a:lvl8pPr>
-            <a:lvl9pPr marL="3657600" indent="0">
-              <a:buNone/>
-              <a:defRPr sz="1000"/>
+            <a:lvl9pPr marL="3291840" indent="0">
+              <a:buNone/>
+              <a:defRPr sz="900"/>
             </a:lvl9pPr>
           </a:lstStyle>
           <a:p>
@@ -2642,13 +2340,7 @@
       </p:sp>
       <p:sp>
         <p:nvSpPr>
-          <p:cNvPr id="5" name="Date Placeholder 4">
-            <a:extLst>
-              <a:ext uri="{FF2B5EF4-FFF2-40B4-BE49-F238E27FC236}">
-                <a16:creationId xmlns:a16="http://schemas.microsoft.com/office/drawing/2014/main" id="{97A9BD21-82CD-AC40-8AA3-3ACD8E78E6B2}"/>
-              </a:ext>
-            </a:extLst>
-          </p:cNvPr>
+          <p:cNvPr id="5" name="Date Placeholder 4"/>
           <p:cNvSpPr>
             <a:spLocks noGrp="1"/>
           </p:cNvSpPr>
@@ -2663,7 +2355,7 @@
           <a:p>
             <a:fld id="{407377E9-B467-4349-A636-4ADCC9286FD9}" type="datetimeFigureOut">
               <a:rPr lang="en-US" smtClean="0"/>
-              <a:t>5/7/18</a:t>
+              <a:t>5/13/18</a:t>
             </a:fld>
             <a:endParaRPr lang="en-US"/>
           </a:p>
@@ -2671,13 +2363,7 @@
       </p:sp>
       <p:sp>
         <p:nvSpPr>
-          <p:cNvPr id="6" name="Footer Placeholder 5">
-            <a:extLst>
-              <a:ext uri="{FF2B5EF4-FFF2-40B4-BE49-F238E27FC236}">
-                <a16:creationId xmlns:a16="http://schemas.microsoft.com/office/drawing/2014/main" id="{89041357-5BCD-0543-91AA-60165EA49DBB}"/>
-              </a:ext>
-            </a:extLst>
-          </p:cNvPr>
+          <p:cNvPr id="6" name="Footer Placeholder 5"/>
           <p:cNvSpPr>
             <a:spLocks noGrp="1"/>
           </p:cNvSpPr>
@@ -2696,13 +2382,7 @@
       </p:sp>
       <p:sp>
         <p:nvSpPr>
-          <p:cNvPr id="7" name="Slide Number Placeholder 6">
-            <a:extLst>
-              <a:ext uri="{FF2B5EF4-FFF2-40B4-BE49-F238E27FC236}">
-                <a16:creationId xmlns:a16="http://schemas.microsoft.com/office/drawing/2014/main" id="{3449D0DF-F3B4-6A4C-A482-C2E44F763BCD}"/>
-              </a:ext>
-            </a:extLst>
-          </p:cNvPr>
+          <p:cNvPr id="7" name="Slide Number Placeholder 6"/>
           <p:cNvSpPr>
             <a:spLocks noGrp="1"/>
           </p:cNvSpPr>
@@ -2726,7 +2406,7 @@
     </p:spTree>
     <p:extLst>
       <p:ext uri="{BB962C8B-B14F-4D97-AF65-F5344CB8AC3E}">
-        <p14:creationId xmlns:p14="http://schemas.microsoft.com/office/powerpoint/2010/main" val="3319994347"/>
+        <p14:creationId xmlns:p14="http://schemas.microsoft.com/office/powerpoint/2010/main" val="520121904"/>
       </p:ext>
     </p:extLst>
   </p:cSld>
@@ -2760,13 +2440,7 @@
       </p:grpSpPr>
       <p:sp>
         <p:nvSpPr>
-          <p:cNvPr id="2" name="Title Placeholder 1">
-            <a:extLst>
-              <a:ext uri="{FF2B5EF4-FFF2-40B4-BE49-F238E27FC236}">
-                <a16:creationId xmlns:a16="http://schemas.microsoft.com/office/drawing/2014/main" id="{DFB77FF1-B8F1-1346-94C7-01D44D5D8794}"/>
-              </a:ext>
-            </a:extLst>
-          </p:cNvPr>
+          <p:cNvPr id="2" name="Title Placeholder 1"/>
           <p:cNvSpPr>
             <a:spLocks noGrp="1"/>
           </p:cNvSpPr>
@@ -2776,8 +2450,8 @@
         </p:nvSpPr>
         <p:spPr>
           <a:xfrm>
-            <a:off x="838200" y="365125"/>
-            <a:ext cx="10515600" cy="1325563"/>
+            <a:off x="754380" y="365126"/>
+            <a:ext cx="9464040" cy="1325563"/>
           </a:xfrm>
           <a:prstGeom prst="rect">
             <a:avLst/>
@@ -2793,18 +2467,13 @@
               <a:rPr lang="en-US"/>
               <a:t>Click to edit Master title style</a:t>
             </a:r>
-          </a:p>
-        </p:txBody>
-      </p:sp>
-      <p:sp>
-        <p:nvSpPr>
-          <p:cNvPr id="3" name="Text Placeholder 2">
-            <a:extLst>
-              <a:ext uri="{FF2B5EF4-FFF2-40B4-BE49-F238E27FC236}">
-                <a16:creationId xmlns:a16="http://schemas.microsoft.com/office/drawing/2014/main" id="{F2E81E0E-0D76-004C-83BA-AB9E3C5197A1}"/>
-              </a:ext>
-            </a:extLst>
-          </p:cNvPr>
+            <a:endParaRPr lang="en-US" dirty="0"/>
+          </a:p>
+        </p:txBody>
+      </p:sp>
+      <p:sp>
+        <p:nvSpPr>
+          <p:cNvPr id="3" name="Text Placeholder 2"/>
           <p:cNvSpPr>
             <a:spLocks noGrp="1"/>
           </p:cNvSpPr>
@@ -2814,8 +2483,8 @@
         </p:nvSpPr>
         <p:spPr>
           <a:xfrm>
-            <a:off x="838200" y="1825625"/>
-            <a:ext cx="10515600" cy="4351338"/>
+            <a:off x="754380" y="1825625"/>
+            <a:ext cx="9464040" cy="4351338"/>
           </a:xfrm>
           <a:prstGeom prst="rect">
             <a:avLst/>
@@ -2860,18 +2529,13 @@
               <a:rPr lang="en-US"/>
               <a:t>Fifth level</a:t>
             </a:r>
-          </a:p>
-        </p:txBody>
-      </p:sp>
-      <p:sp>
-        <p:nvSpPr>
-          <p:cNvPr id="4" name="Date Placeholder 3">
-            <a:extLst>
-              <a:ext uri="{FF2B5EF4-FFF2-40B4-BE49-F238E27FC236}">
-                <a16:creationId xmlns:a16="http://schemas.microsoft.com/office/drawing/2014/main" id="{8BCC6371-508F-C544-A369-842F47FFDAD3}"/>
-              </a:ext>
-            </a:extLst>
-          </p:cNvPr>
+            <a:endParaRPr lang="en-US" dirty="0"/>
+          </a:p>
+        </p:txBody>
+      </p:sp>
+      <p:sp>
+        <p:nvSpPr>
+          <p:cNvPr id="4" name="Date Placeholder 3"/>
           <p:cNvSpPr>
             <a:spLocks noGrp="1"/>
           </p:cNvSpPr>
@@ -2881,8 +2545,8 @@
         </p:nvSpPr>
         <p:spPr>
           <a:xfrm>
-            <a:off x="838200" y="6356350"/>
-            <a:ext cx="2743200" cy="365125"/>
+            <a:off x="754380" y="6356351"/>
+            <a:ext cx="2468880" cy="365125"/>
           </a:xfrm>
           <a:prstGeom prst="rect">
             <a:avLst/>
@@ -2892,7 +2556,7 @@
           <a:bodyPr vert="horz" lIns="91440" tIns="45720" rIns="91440" bIns="45720" rtlCol="0" anchor="ctr"/>
           <a:lstStyle>
             <a:lvl1pPr algn="l">
-              <a:defRPr sz="1200">
+              <a:defRPr sz="1080">
                 <a:solidFill>
                   <a:schemeClr val="tx1">
                     <a:tint val="75000"/>
@@ -2904,7 +2568,7 @@
           <a:p>
             <a:fld id="{407377E9-B467-4349-A636-4ADCC9286FD9}" type="datetimeFigureOut">
               <a:rPr lang="en-US" smtClean="0"/>
-              <a:t>5/7/18</a:t>
+              <a:t>5/13/18</a:t>
             </a:fld>
             <a:endParaRPr lang="en-US"/>
           </a:p>
@@ -2912,13 +2576,7 @@
       </p:sp>
       <p:sp>
         <p:nvSpPr>
-          <p:cNvPr id="5" name="Footer Placeholder 4">
-            <a:extLst>
-              <a:ext uri="{FF2B5EF4-FFF2-40B4-BE49-F238E27FC236}">
-                <a16:creationId xmlns:a16="http://schemas.microsoft.com/office/drawing/2014/main" id="{48CCFC2E-A660-A54E-B18D-20D9AB9D7AB3}"/>
-              </a:ext>
-            </a:extLst>
-          </p:cNvPr>
+          <p:cNvPr id="5" name="Footer Placeholder 4"/>
           <p:cNvSpPr>
             <a:spLocks noGrp="1"/>
           </p:cNvSpPr>
@@ -2928,8 +2586,8 @@
         </p:nvSpPr>
         <p:spPr>
           <a:xfrm>
-            <a:off x="4038600" y="6356350"/>
-            <a:ext cx="4114800" cy="365125"/>
+            <a:off x="3634740" y="6356351"/>
+            <a:ext cx="3703320" cy="365125"/>
           </a:xfrm>
           <a:prstGeom prst="rect">
             <a:avLst/>
@@ -2939,7 +2597,7 @@
           <a:bodyPr vert="horz" lIns="91440" tIns="45720" rIns="91440" bIns="45720" rtlCol="0" anchor="ctr"/>
           <a:lstStyle>
             <a:lvl1pPr algn="ctr">
-              <a:defRPr sz="1200">
+              <a:defRPr sz="1080">
                 <a:solidFill>
                   <a:schemeClr val="tx1">
                     <a:tint val="75000"/>
@@ -2955,13 +2613,7 @@
       </p:sp>
       <p:sp>
         <p:nvSpPr>
-          <p:cNvPr id="6" name="Slide Number Placeholder 5">
-            <a:extLst>
-              <a:ext uri="{FF2B5EF4-FFF2-40B4-BE49-F238E27FC236}">
-                <a16:creationId xmlns:a16="http://schemas.microsoft.com/office/drawing/2014/main" id="{BF2469DC-2521-734B-B7B9-38379B58CC91}"/>
-              </a:ext>
-            </a:extLst>
-          </p:cNvPr>
+          <p:cNvPr id="6" name="Slide Number Placeholder 5"/>
           <p:cNvSpPr>
             <a:spLocks noGrp="1"/>
           </p:cNvSpPr>
@@ -2971,8 +2623,8 @@
         </p:nvSpPr>
         <p:spPr>
           <a:xfrm>
-            <a:off x="8610600" y="6356350"/>
-            <a:ext cx="2743200" cy="365125"/>
+            <a:off x="7749540" y="6356351"/>
+            <a:ext cx="2468880" cy="365125"/>
           </a:xfrm>
           <a:prstGeom prst="rect">
             <a:avLst/>
@@ -2982,7 +2634,7 @@
           <a:bodyPr vert="horz" lIns="91440" tIns="45720" rIns="91440" bIns="45720" rtlCol="0" anchor="ctr"/>
           <a:lstStyle>
             <a:lvl1pPr algn="r">
-              <a:defRPr sz="1200">
+              <a:defRPr sz="1080">
                 <a:solidFill>
                   <a:schemeClr val="tx1">
                     <a:tint val="75000"/>
@@ -3003,27 +2655,27 @@
     </p:spTree>
     <p:extLst>
       <p:ext uri="{BB962C8B-B14F-4D97-AF65-F5344CB8AC3E}">
-        <p14:creationId xmlns:p14="http://schemas.microsoft.com/office/powerpoint/2010/main" val="2743967526"/>
+        <p14:creationId xmlns:p14="http://schemas.microsoft.com/office/powerpoint/2010/main" val="2616895658"/>
       </p:ext>
     </p:extLst>
   </p:cSld>
   <p:clrMap bg1="lt1" tx1="dk1" bg2="lt2" tx2="dk2" accent1="accent1" accent2="accent2" accent3="accent3" accent4="accent4" accent5="accent5" accent6="accent6" hlink="hlink" folHlink="folHlink"/>
   <p:sldLayoutIdLst>
-    <p:sldLayoutId id="2147483649" r:id="rId1"/>
-    <p:sldLayoutId id="2147483650" r:id="rId2"/>
-    <p:sldLayoutId id="2147483651" r:id="rId3"/>
-    <p:sldLayoutId id="2147483652" r:id="rId4"/>
-    <p:sldLayoutId id="2147483653" r:id="rId5"/>
-    <p:sldLayoutId id="2147483654" r:id="rId6"/>
-    <p:sldLayoutId id="2147483655" r:id="rId7"/>
-    <p:sldLayoutId id="2147483656" r:id="rId8"/>
-    <p:sldLayoutId id="2147483657" r:id="rId9"/>
-    <p:sldLayoutId id="2147483658" r:id="rId10"/>
-    <p:sldLayoutId id="2147483659" r:id="rId11"/>
+    <p:sldLayoutId id="2147483673" r:id="rId1"/>
+    <p:sldLayoutId id="2147483674" r:id="rId2"/>
+    <p:sldLayoutId id="2147483675" r:id="rId3"/>
+    <p:sldLayoutId id="2147483676" r:id="rId4"/>
+    <p:sldLayoutId id="2147483677" r:id="rId5"/>
+    <p:sldLayoutId id="2147483678" r:id="rId6"/>
+    <p:sldLayoutId id="2147483679" r:id="rId7"/>
+    <p:sldLayoutId id="2147483680" r:id="rId8"/>
+    <p:sldLayoutId id="2147483681" r:id="rId9"/>
+    <p:sldLayoutId id="2147483682" r:id="rId10"/>
+    <p:sldLayoutId id="2147483683" r:id="rId11"/>
   </p:sldLayoutIdLst>
   <p:txStyles>
     <p:titleStyle>
-      <a:lvl1pPr algn="l" defTabSz="914400" rtl="0" eaLnBrk="1" latinLnBrk="0" hangingPunct="1">
+      <a:lvl1pPr algn="l" defTabSz="822960" rtl="0" eaLnBrk="1" latinLnBrk="0" hangingPunct="1">
         <a:lnSpc>
           <a:spcPct val="90000"/>
         </a:lnSpc>
@@ -3031,7 +2683,7 @@
           <a:spcPct val="0"/>
         </a:spcBef>
         <a:buNone/>
-        <a:defRPr sz="4400" kern="1200">
+        <a:defRPr sz="3960" kern="1200">
           <a:solidFill>
             <a:schemeClr val="tx1"/>
           </a:solidFill>
@@ -3042,16 +2694,16 @@
       </a:lvl1pPr>
     </p:titleStyle>
     <p:bodyStyle>
-      <a:lvl1pPr marL="228600" indent="-228600" algn="l" defTabSz="914400" rtl="0" eaLnBrk="1" latinLnBrk="0" hangingPunct="1">
+      <a:lvl1pPr marL="205740" indent="-205740" algn="l" defTabSz="822960" rtl="0" eaLnBrk="1" latinLnBrk="0" hangingPunct="1">
         <a:lnSpc>
           <a:spcPct val="90000"/>
         </a:lnSpc>
         <a:spcBef>
-          <a:spcPts val="1000"/>
+          <a:spcPts val="900"/>
         </a:spcBef>
         <a:buFont typeface="Arial" panose="020B0604020202020204" pitchFamily="34" charset="0"/>
         <a:buChar char="•"/>
-        <a:defRPr sz="2800" kern="1200">
+        <a:defRPr sz="2520" kern="1200">
           <a:solidFill>
             <a:schemeClr val="tx1"/>
           </a:solidFill>
@@ -3060,16 +2712,16 @@
           <a:cs typeface="+mn-cs"/>
         </a:defRPr>
       </a:lvl1pPr>
-      <a:lvl2pPr marL="685800" indent="-228600" algn="l" defTabSz="914400" rtl="0" eaLnBrk="1" latinLnBrk="0" hangingPunct="1">
+      <a:lvl2pPr marL="617220" indent="-205740" algn="l" defTabSz="822960" rtl="0" eaLnBrk="1" latinLnBrk="0" hangingPunct="1">
         <a:lnSpc>
           <a:spcPct val="90000"/>
         </a:lnSpc>
         <a:spcBef>
-          <a:spcPts val="500"/>
+          <a:spcPts val="450"/>
         </a:spcBef>
         <a:buFont typeface="Arial" panose="020B0604020202020204" pitchFamily="34" charset="0"/>
         <a:buChar char="•"/>
-        <a:defRPr sz="2400" kern="1200">
+        <a:defRPr sz="2160" kern="1200">
           <a:solidFill>
             <a:schemeClr val="tx1"/>
           </a:solidFill>
@@ -3078,30 +2730,12 @@
           <a:cs typeface="+mn-cs"/>
         </a:defRPr>
       </a:lvl2pPr>
-      <a:lvl3pPr marL="1143000" indent="-228600" algn="l" defTabSz="914400" rtl="0" eaLnBrk="1" latinLnBrk="0" hangingPunct="1">
+      <a:lvl3pPr marL="1028700" indent="-205740" algn="l" defTabSz="822960" rtl="0" eaLnBrk="1" latinLnBrk="0" hangingPunct="1">
         <a:lnSpc>
           <a:spcPct val="90000"/>
         </a:lnSpc>
         <a:spcBef>
-          <a:spcPts val="500"/>
-        </a:spcBef>
-        <a:buFont typeface="Arial" panose="020B0604020202020204" pitchFamily="34" charset="0"/>
-        <a:buChar char="•"/>
-        <a:defRPr sz="2000" kern="1200">
-          <a:solidFill>
-            <a:schemeClr val="tx1"/>
-          </a:solidFill>
-          <a:latin typeface="+mn-lt"/>
-          <a:ea typeface="+mn-ea"/>
-          <a:cs typeface="+mn-cs"/>
-        </a:defRPr>
-      </a:lvl3pPr>
-      <a:lvl4pPr marL="1600200" indent="-228600" algn="l" defTabSz="914400" rtl="0" eaLnBrk="1" latinLnBrk="0" hangingPunct="1">
-        <a:lnSpc>
-          <a:spcPct val="90000"/>
-        </a:lnSpc>
-        <a:spcBef>
-          <a:spcPts val="500"/>
+          <a:spcPts val="450"/>
         </a:spcBef>
         <a:buFont typeface="Arial" panose="020B0604020202020204" pitchFamily="34" charset="0"/>
         <a:buChar char="•"/>
@@ -3113,17 +2747,35 @@
           <a:ea typeface="+mn-ea"/>
           <a:cs typeface="+mn-cs"/>
         </a:defRPr>
-      </a:lvl4pPr>
-      <a:lvl5pPr marL="2057400" indent="-228600" algn="l" defTabSz="914400" rtl="0" eaLnBrk="1" latinLnBrk="0" hangingPunct="1">
+      </a:lvl3pPr>
+      <a:lvl4pPr marL="1440180" indent="-205740" algn="l" defTabSz="822960" rtl="0" eaLnBrk="1" latinLnBrk="0" hangingPunct="1">
         <a:lnSpc>
           <a:spcPct val="90000"/>
         </a:lnSpc>
         <a:spcBef>
-          <a:spcPts val="500"/>
+          <a:spcPts val="450"/>
         </a:spcBef>
         <a:buFont typeface="Arial" panose="020B0604020202020204" pitchFamily="34" charset="0"/>
         <a:buChar char="•"/>
-        <a:defRPr sz="1800" kern="1200">
+        <a:defRPr sz="1620" kern="1200">
+          <a:solidFill>
+            <a:schemeClr val="tx1"/>
+          </a:solidFill>
+          <a:latin typeface="+mn-lt"/>
+          <a:ea typeface="+mn-ea"/>
+          <a:cs typeface="+mn-cs"/>
+        </a:defRPr>
+      </a:lvl4pPr>
+      <a:lvl5pPr marL="1851660" indent="-205740" algn="l" defTabSz="822960" rtl="0" eaLnBrk="1" latinLnBrk="0" hangingPunct="1">
+        <a:lnSpc>
+          <a:spcPct val="90000"/>
+        </a:lnSpc>
+        <a:spcBef>
+          <a:spcPts val="450"/>
+        </a:spcBef>
+        <a:buFont typeface="Arial" panose="020B0604020202020204" pitchFamily="34" charset="0"/>
+        <a:buChar char="•"/>
+        <a:defRPr sz="1620" kern="1200">
           <a:solidFill>
             <a:schemeClr val="tx1"/>
           </a:solidFill>
@@ -3132,16 +2784,16 @@
           <a:cs typeface="+mn-cs"/>
         </a:defRPr>
       </a:lvl5pPr>
-      <a:lvl6pPr marL="2514600" indent="-228600" algn="l" defTabSz="914400" rtl="0" eaLnBrk="1" latinLnBrk="0" hangingPunct="1">
+      <a:lvl6pPr marL="2263140" indent="-205740" algn="l" defTabSz="822960" rtl="0" eaLnBrk="1" latinLnBrk="0" hangingPunct="1">
         <a:lnSpc>
           <a:spcPct val="90000"/>
         </a:lnSpc>
         <a:spcBef>
-          <a:spcPts val="500"/>
+          <a:spcPts val="450"/>
         </a:spcBef>
         <a:buFont typeface="Arial" panose="020B0604020202020204" pitchFamily="34" charset="0"/>
         <a:buChar char="•"/>
-        <a:defRPr sz="1800" kern="1200">
+        <a:defRPr sz="1620" kern="1200">
           <a:solidFill>
             <a:schemeClr val="tx1"/>
           </a:solidFill>
@@ -3150,16 +2802,16 @@
           <a:cs typeface="+mn-cs"/>
         </a:defRPr>
       </a:lvl6pPr>
-      <a:lvl7pPr marL="2971800" indent="-228600" algn="l" defTabSz="914400" rtl="0" eaLnBrk="1" latinLnBrk="0" hangingPunct="1">
+      <a:lvl7pPr marL="2674620" indent="-205740" algn="l" defTabSz="822960" rtl="0" eaLnBrk="1" latinLnBrk="0" hangingPunct="1">
         <a:lnSpc>
           <a:spcPct val="90000"/>
         </a:lnSpc>
         <a:spcBef>
-          <a:spcPts val="500"/>
+          <a:spcPts val="450"/>
         </a:spcBef>
         <a:buFont typeface="Arial" panose="020B0604020202020204" pitchFamily="34" charset="0"/>
         <a:buChar char="•"/>
-        <a:defRPr sz="1800" kern="1200">
+        <a:defRPr sz="1620" kern="1200">
           <a:solidFill>
             <a:schemeClr val="tx1"/>
           </a:solidFill>
@@ -3168,16 +2820,16 @@
           <a:cs typeface="+mn-cs"/>
         </a:defRPr>
       </a:lvl7pPr>
-      <a:lvl8pPr marL="3429000" indent="-228600" algn="l" defTabSz="914400" rtl="0" eaLnBrk="1" latinLnBrk="0" hangingPunct="1">
+      <a:lvl8pPr marL="3086100" indent="-205740" algn="l" defTabSz="822960" rtl="0" eaLnBrk="1" latinLnBrk="0" hangingPunct="1">
         <a:lnSpc>
           <a:spcPct val="90000"/>
         </a:lnSpc>
         <a:spcBef>
-          <a:spcPts val="500"/>
+          <a:spcPts val="450"/>
         </a:spcBef>
         <a:buFont typeface="Arial" panose="020B0604020202020204" pitchFamily="34" charset="0"/>
         <a:buChar char="•"/>
-        <a:defRPr sz="1800" kern="1200">
+        <a:defRPr sz="1620" kern="1200">
           <a:solidFill>
             <a:schemeClr val="tx1"/>
           </a:solidFill>
@@ -3186,16 +2838,16 @@
           <a:cs typeface="+mn-cs"/>
         </a:defRPr>
       </a:lvl8pPr>
-      <a:lvl9pPr marL="3886200" indent="-228600" algn="l" defTabSz="914400" rtl="0" eaLnBrk="1" latinLnBrk="0" hangingPunct="1">
+      <a:lvl9pPr marL="3497580" indent="-205740" algn="l" defTabSz="822960" rtl="0" eaLnBrk="1" latinLnBrk="0" hangingPunct="1">
         <a:lnSpc>
           <a:spcPct val="90000"/>
         </a:lnSpc>
         <a:spcBef>
-          <a:spcPts val="500"/>
+          <a:spcPts val="450"/>
         </a:spcBef>
         <a:buFont typeface="Arial" panose="020B0604020202020204" pitchFamily="34" charset="0"/>
         <a:buChar char="•"/>
-        <a:defRPr sz="1800" kern="1200">
+        <a:defRPr sz="1620" kern="1200">
           <a:solidFill>
             <a:schemeClr val="tx1"/>
           </a:solidFill>
@@ -3209,8 +2861,8 @@
       <a:defPPr>
         <a:defRPr lang="en-US"/>
       </a:defPPr>
-      <a:lvl1pPr marL="0" algn="l" defTabSz="914400" rtl="0" eaLnBrk="1" latinLnBrk="0" hangingPunct="1">
-        <a:defRPr sz="1800" kern="1200">
+      <a:lvl1pPr marL="0" algn="l" defTabSz="822960" rtl="0" eaLnBrk="1" latinLnBrk="0" hangingPunct="1">
+        <a:defRPr sz="1620" kern="1200">
           <a:solidFill>
             <a:schemeClr val="tx1"/>
           </a:solidFill>
@@ -3219,8 +2871,8 @@
           <a:cs typeface="+mn-cs"/>
         </a:defRPr>
       </a:lvl1pPr>
-      <a:lvl2pPr marL="457200" algn="l" defTabSz="914400" rtl="0" eaLnBrk="1" latinLnBrk="0" hangingPunct="1">
-        <a:defRPr sz="1800" kern="1200">
+      <a:lvl2pPr marL="411480" algn="l" defTabSz="822960" rtl="0" eaLnBrk="1" latinLnBrk="0" hangingPunct="1">
+        <a:defRPr sz="1620" kern="1200">
           <a:solidFill>
             <a:schemeClr val="tx1"/>
           </a:solidFill>
@@ -3229,8 +2881,8 @@
           <a:cs typeface="+mn-cs"/>
         </a:defRPr>
       </a:lvl2pPr>
-      <a:lvl3pPr marL="914400" algn="l" defTabSz="914400" rtl="0" eaLnBrk="1" latinLnBrk="0" hangingPunct="1">
-        <a:defRPr sz="1800" kern="1200">
+      <a:lvl3pPr marL="822960" algn="l" defTabSz="822960" rtl="0" eaLnBrk="1" latinLnBrk="0" hangingPunct="1">
+        <a:defRPr sz="1620" kern="1200">
           <a:solidFill>
             <a:schemeClr val="tx1"/>
           </a:solidFill>
@@ -3239,8 +2891,8 @@
           <a:cs typeface="+mn-cs"/>
         </a:defRPr>
       </a:lvl3pPr>
-      <a:lvl4pPr marL="1371600" algn="l" defTabSz="914400" rtl="0" eaLnBrk="1" latinLnBrk="0" hangingPunct="1">
-        <a:defRPr sz="1800" kern="1200">
+      <a:lvl4pPr marL="1234440" algn="l" defTabSz="822960" rtl="0" eaLnBrk="1" latinLnBrk="0" hangingPunct="1">
+        <a:defRPr sz="1620" kern="1200">
           <a:solidFill>
             <a:schemeClr val="tx1"/>
           </a:solidFill>
@@ -3249,8 +2901,8 @@
           <a:cs typeface="+mn-cs"/>
         </a:defRPr>
       </a:lvl4pPr>
-      <a:lvl5pPr marL="1828800" algn="l" defTabSz="914400" rtl="0" eaLnBrk="1" latinLnBrk="0" hangingPunct="1">
-        <a:defRPr sz="1800" kern="1200">
+      <a:lvl5pPr marL="1645920" algn="l" defTabSz="822960" rtl="0" eaLnBrk="1" latinLnBrk="0" hangingPunct="1">
+        <a:defRPr sz="1620" kern="1200">
           <a:solidFill>
             <a:schemeClr val="tx1"/>
           </a:solidFill>
@@ -3259,8 +2911,8 @@
           <a:cs typeface="+mn-cs"/>
         </a:defRPr>
       </a:lvl5pPr>
-      <a:lvl6pPr marL="2286000" algn="l" defTabSz="914400" rtl="0" eaLnBrk="1" latinLnBrk="0" hangingPunct="1">
-        <a:defRPr sz="1800" kern="1200">
+      <a:lvl6pPr marL="2057400" algn="l" defTabSz="822960" rtl="0" eaLnBrk="1" latinLnBrk="0" hangingPunct="1">
+        <a:defRPr sz="1620" kern="1200">
           <a:solidFill>
             <a:schemeClr val="tx1"/>
           </a:solidFill>
@@ -3269,8 +2921,8 @@
           <a:cs typeface="+mn-cs"/>
         </a:defRPr>
       </a:lvl6pPr>
-      <a:lvl7pPr marL="2743200" algn="l" defTabSz="914400" rtl="0" eaLnBrk="1" latinLnBrk="0" hangingPunct="1">
-        <a:defRPr sz="1800" kern="1200">
+      <a:lvl7pPr marL="2468880" algn="l" defTabSz="822960" rtl="0" eaLnBrk="1" latinLnBrk="0" hangingPunct="1">
+        <a:defRPr sz="1620" kern="1200">
           <a:solidFill>
             <a:schemeClr val="tx1"/>
           </a:solidFill>
@@ -3279,8 +2931,8 @@
           <a:cs typeface="+mn-cs"/>
         </a:defRPr>
       </a:lvl7pPr>
-      <a:lvl8pPr marL="3200400" algn="l" defTabSz="914400" rtl="0" eaLnBrk="1" latinLnBrk="0" hangingPunct="1">
-        <a:defRPr sz="1800" kern="1200">
+      <a:lvl8pPr marL="2880360" algn="l" defTabSz="822960" rtl="0" eaLnBrk="1" latinLnBrk="0" hangingPunct="1">
+        <a:defRPr sz="1620" kern="1200">
           <a:solidFill>
             <a:schemeClr val="tx1"/>
           </a:solidFill>
@@ -3289,8 +2941,8 @@
           <a:cs typeface="+mn-cs"/>
         </a:defRPr>
       </a:lvl8pPr>
-      <a:lvl9pPr marL="3657600" algn="l" defTabSz="914400" rtl="0" eaLnBrk="1" latinLnBrk="0" hangingPunct="1">
-        <a:defRPr sz="1800" kern="1200">
+      <a:lvl9pPr marL="3291840" algn="l" defTabSz="822960" rtl="0" eaLnBrk="1" latinLnBrk="0" hangingPunct="1">
+        <a:defRPr sz="1620" kern="1200">
           <a:solidFill>
             <a:schemeClr val="tx1"/>
           </a:solidFill>
@@ -3323,10 +2975,10 @@
       </p:grpSpPr>
       <p:pic>
         <p:nvPicPr>
-          <p:cNvPr id="9" name="Picture 8">
+          <p:cNvPr id="34" name="Picture 33">
             <a:extLst>
               <a:ext uri="{FF2B5EF4-FFF2-40B4-BE49-F238E27FC236}">
-                <a16:creationId xmlns:a16="http://schemas.microsoft.com/office/drawing/2014/main" id="{F0B40A9C-19BC-8444-84E9-B207271B97A0}"/>
+                <a16:creationId xmlns:a16="http://schemas.microsoft.com/office/drawing/2014/main" id="{0C4F499B-3F67-3E43-B0F3-8857D08136B4}"/>
               </a:ext>
             </a:extLst>
           </p:cNvPr>
@@ -3343,7 +2995,7 @@
         </p:blipFill>
         <p:spPr>
           <a:xfrm>
-            <a:off x="472611" y="0"/>
+            <a:off x="184920" y="20549"/>
             <a:ext cx="10644027" cy="6912833"/>
           </a:xfrm>
           <a:prstGeom prst="rect">
@@ -3353,10 +3005,10 @@
       </p:pic>
       <p:pic>
         <p:nvPicPr>
-          <p:cNvPr id="5" name="Picture 4">
+          <p:cNvPr id="35" name="Picture 34">
             <a:extLst>
               <a:ext uri="{FF2B5EF4-FFF2-40B4-BE49-F238E27FC236}">
-                <a16:creationId xmlns:a16="http://schemas.microsoft.com/office/drawing/2014/main" id="{F15F9C1F-A53E-D247-92AF-1FBB56FD3C03}"/>
+                <a16:creationId xmlns:a16="http://schemas.microsoft.com/office/drawing/2014/main" id="{E3E878F5-E89B-494C-BCBD-2F6202889905}"/>
               </a:ext>
             </a:extLst>
           </p:cNvPr>
@@ -3371,50 +3023,21 @@
           <a:stretch/>
         </p:blipFill>
         <p:spPr>
-          <a:xfrm>
-            <a:off x="7667036" y="83838"/>
-            <a:ext cx="2706130" cy="2813097"/>
+          <a:xfrm rot="5400000">
+            <a:off x="7053212" y="146557"/>
+            <a:ext cx="2981590" cy="3099445"/>
           </a:xfrm>
           <a:prstGeom prst="rect">
             <a:avLst/>
           </a:prstGeom>
         </p:spPr>
       </p:pic>
-      <p:pic>
-        <p:nvPicPr>
-          <p:cNvPr id="7" name="Picture 6">
+      <p:sp>
+        <p:nvSpPr>
+          <p:cNvPr id="36" name="Right Arrow 35">
             <a:extLst>
               <a:ext uri="{FF2B5EF4-FFF2-40B4-BE49-F238E27FC236}">
-                <a16:creationId xmlns:a16="http://schemas.microsoft.com/office/drawing/2014/main" id="{FDAE2CB0-006E-3E42-844A-097E4F6F63A1}"/>
-              </a:ext>
-            </a:extLst>
-          </p:cNvPr>
-          <p:cNvPicPr>
-            <a:picLocks noChangeAspect="1"/>
-          </p:cNvPicPr>
-          <p:nvPr/>
-        </p:nvPicPr>
-        <p:blipFill rotWithShape="1">
-          <a:blip r:embed="rId4"/>
-          <a:srcRect l="2044" t="48759" r="68268" b="10514"/>
-          <a:stretch/>
-        </p:blipFill>
-        <p:spPr>
-          <a:xfrm>
-            <a:off x="3262183" y="225393"/>
-            <a:ext cx="2713693" cy="2671542"/>
-          </a:xfrm>
-          <a:prstGeom prst="rect">
-            <a:avLst/>
-          </a:prstGeom>
-        </p:spPr>
-      </p:pic>
-      <p:sp>
-        <p:nvSpPr>
-          <p:cNvPr id="10" name="Right Arrow 9">
-            <a:extLst>
-              <a:ext uri="{FF2B5EF4-FFF2-40B4-BE49-F238E27FC236}">
-                <a16:creationId xmlns:a16="http://schemas.microsoft.com/office/drawing/2014/main" id="{B191E8E1-292C-8D45-AA7C-51A6D42D40F0}"/>
+                <a16:creationId xmlns:a16="http://schemas.microsoft.com/office/drawing/2014/main" id="{D1B700D3-15A3-A147-8F5C-1A4C238FF659}"/>
               </a:ext>
             </a:extLst>
           </p:cNvPr>
@@ -3423,8 +3046,8 @@
         </p:nvSpPr>
         <p:spPr>
           <a:xfrm>
-            <a:off x="6120376" y="1141034"/>
-            <a:ext cx="1392532" cy="724836"/>
+            <a:off x="5394938" y="1334268"/>
+            <a:ext cx="1483698" cy="798618"/>
           </a:xfrm>
           <a:prstGeom prst="rightArrow">
             <a:avLst/>
@@ -3461,522 +3084,368 @@
           </a:p>
         </p:txBody>
       </p:sp>
-      <p:sp>
-        <p:nvSpPr>
-          <p:cNvPr id="11" name="Oval 10">
+      <p:grpSp>
+        <p:nvGrpSpPr>
+          <p:cNvPr id="37" name="Group 36">
             <a:extLst>
               <a:ext uri="{FF2B5EF4-FFF2-40B4-BE49-F238E27FC236}">
-                <a16:creationId xmlns:a16="http://schemas.microsoft.com/office/drawing/2014/main" id="{0E044546-10E3-FD41-92D1-B1F13CF7A1BE}"/>
+                <a16:creationId xmlns:a16="http://schemas.microsoft.com/office/drawing/2014/main" id="{1B9E7EC1-C0DB-EB44-AE07-01DB60AB78F4}"/>
               </a:ext>
             </a:extLst>
           </p:cNvPr>
-          <p:cNvSpPr/>
+          <p:cNvGrpSpPr/>
           <p:nvPr/>
-        </p:nvSpPr>
-        <p:spPr>
-          <a:xfrm>
-            <a:off x="4763709" y="211695"/>
-            <a:ext cx="250506" cy="244844"/>
+        </p:nvGrpSpPr>
+        <p:grpSpPr>
+          <a:xfrm rot="5400000">
+            <a:off x="2495141" y="261877"/>
+            <a:ext cx="2989924" cy="2860470"/>
+            <a:chOff x="2824436" y="397048"/>
+            <a:chExt cx="2713693" cy="2684708"/>
           </a:xfrm>
-          <a:prstGeom prst="ellipse">
-            <a:avLst/>
-          </a:prstGeom>
-          <a:noFill/>
-          <a:ln>
-            <a:solidFill>
-              <a:srgbClr val="00B050"/>
-            </a:solidFill>
-          </a:ln>
-        </p:spPr>
-        <p:style>
-          <a:lnRef idx="2">
-            <a:schemeClr val="accent1">
-              <a:shade val="50000"/>
-            </a:schemeClr>
-          </a:lnRef>
-          <a:fillRef idx="1">
-            <a:schemeClr val="accent1"/>
-          </a:fillRef>
-          <a:effectRef idx="0">
-            <a:schemeClr val="accent1"/>
-          </a:effectRef>
-          <a:fontRef idx="minor">
-            <a:schemeClr val="lt1"/>
-          </a:fontRef>
-        </p:style>
-        <p:txBody>
-          <a:bodyPr rtlCol="0" anchor="ctr"/>
-          <a:lstStyle/>
-          <a:p>
-            <a:pPr algn="ctr"/>
-            <a:endParaRPr lang="en-US"/>
-          </a:p>
-        </p:txBody>
-      </p:sp>
-      <p:sp>
-        <p:nvSpPr>
-          <p:cNvPr id="12" name="Oval 11">
-            <a:extLst>
-              <a:ext uri="{FF2B5EF4-FFF2-40B4-BE49-F238E27FC236}">
-                <a16:creationId xmlns:a16="http://schemas.microsoft.com/office/drawing/2014/main" id="{683A32B6-BA1C-EF49-B8CD-198CD548BB75}"/>
-              </a:ext>
-            </a:extLst>
-          </p:cNvPr>
-          <p:cNvSpPr/>
-          <p:nvPr/>
-        </p:nvSpPr>
-        <p:spPr>
-          <a:xfrm>
-            <a:off x="4392265" y="2612281"/>
-            <a:ext cx="250506" cy="244844"/>
-          </a:xfrm>
-          <a:prstGeom prst="ellipse">
-            <a:avLst/>
-          </a:prstGeom>
-          <a:noFill/>
-          <a:ln>
-            <a:solidFill>
-              <a:srgbClr val="00B050"/>
-            </a:solidFill>
-          </a:ln>
-        </p:spPr>
-        <p:style>
-          <a:lnRef idx="2">
-            <a:schemeClr val="accent1">
-              <a:shade val="50000"/>
-            </a:schemeClr>
-          </a:lnRef>
-          <a:fillRef idx="1">
-            <a:schemeClr val="accent1"/>
-          </a:fillRef>
-          <a:effectRef idx="0">
-            <a:schemeClr val="accent1"/>
-          </a:effectRef>
-          <a:fontRef idx="minor">
-            <a:schemeClr val="lt1"/>
-          </a:fontRef>
-        </p:style>
-        <p:txBody>
-          <a:bodyPr rtlCol="0" anchor="ctr"/>
-          <a:lstStyle/>
-          <a:p>
-            <a:pPr algn="ctr"/>
-            <a:endParaRPr lang="en-US"/>
-          </a:p>
-        </p:txBody>
-      </p:sp>
-      <mc:AlternateContent xmlns:mc="http://schemas.openxmlformats.org/markup-compatibility/2006">
-        <mc:Choice xmlns:a14="http://schemas.microsoft.com/office/drawing/2010/main" Requires="a14">
-          <p:sp>
-            <p:nvSpPr>
-              <p:cNvPr id="13" name="TextBox 12">
-                <a:extLst>
-                  <a:ext uri="{FF2B5EF4-FFF2-40B4-BE49-F238E27FC236}">
-                    <a16:creationId xmlns:a16="http://schemas.microsoft.com/office/drawing/2014/main" id="{235C91BF-824E-CC4C-B19B-F276664FAAA1}"/>
-                  </a:ext>
-                </a:extLst>
-              </p:cNvPr>
-              <p:cNvSpPr txBox="1"/>
-              <p:nvPr/>
-            </p:nvSpPr>
-            <p:spPr>
-              <a:xfrm>
-                <a:off x="4853723" y="20446"/>
-                <a:ext cx="1006072" cy="369332"/>
-              </a:xfrm>
-              <a:prstGeom prst="rect">
-                <a:avLst/>
-              </a:prstGeom>
-              <a:noFill/>
-            </p:spPr>
-            <p:txBody>
-              <a:bodyPr wrap="square" rtlCol="0">
-                <a:spAutoFit/>
-              </a:bodyPr>
-              <a:lstStyle/>
-              <a:p>
-                <a14:m>
-                  <m:oMathPara xmlns:m="http://schemas.openxmlformats.org/officeDocument/2006/math">
-                    <m:oMathParaPr>
-                      <m:jc m:val="centerGroup"/>
-                    </m:oMathParaPr>
-                    <m:oMath xmlns:m="http://schemas.openxmlformats.org/officeDocument/2006/math">
-                      <m:r>
-                        <a:rPr lang="en-US" i="1" smtClean="0">
-                          <a:latin typeface="Cambria Math" panose="02040503050406030204" pitchFamily="18" charset="0"/>
-                          <a:ea typeface="Cambria Math" panose="02040503050406030204" pitchFamily="18" charset="0"/>
-                        </a:rPr>
-                        <m:t>𝛿</m:t>
-                      </m:r>
-                      <m:r>
-                        <a:rPr lang="en-US" b="0" i="1" smtClean="0">
-                          <a:latin typeface="Cambria Math" panose="02040503050406030204" pitchFamily="18" charset="0"/>
-                          <a:ea typeface="Cambria Math" panose="02040503050406030204" pitchFamily="18" charset="0"/>
-                        </a:rPr>
-                        <m:t>=0.1</m:t>
-                      </m:r>
-                    </m:oMath>
-                  </m:oMathPara>
-                </a14:m>
-                <a:endParaRPr lang="en-US" dirty="0"/>
-              </a:p>
-            </p:txBody>
-          </p:sp>
-        </mc:Choice>
-        <mc:Fallback>
-          <p:sp>
-            <p:nvSpPr>
-              <p:cNvPr id="13" name="TextBox 12">
-                <a:extLst>
-                  <a:ext uri="{FF2B5EF4-FFF2-40B4-BE49-F238E27FC236}">
-                    <a16:creationId xmlns:a16="http://schemas.microsoft.com/office/drawing/2014/main" id="{235C91BF-824E-CC4C-B19B-F276664FAAA1}"/>
-                  </a:ext>
-                </a:extLst>
-              </p:cNvPr>
-              <p:cNvSpPr txBox="1">
-                <a:spLocks noRot="1" noChangeAspect="1" noMove="1" noResize="1" noEditPoints="1" noAdjustHandles="1" noChangeArrowheads="1" noChangeShapeType="1" noTextEdit="1"/>
-              </p:cNvSpPr>
-              <p:nvPr/>
-            </p:nvSpPr>
-            <p:spPr>
-              <a:xfrm>
-                <a:off x="4853723" y="20446"/>
-                <a:ext cx="1006072" cy="369332"/>
-              </a:xfrm>
-              <a:prstGeom prst="rect">
-                <a:avLst/>
-              </a:prstGeom>
-              <a:blipFill>
-                <a:blip r:embed="rId5"/>
-                <a:stretch>
-                  <a:fillRect/>
-                </a:stretch>
-              </a:blipFill>
-            </p:spPr>
-            <p:txBody>
-              <a:bodyPr/>
-              <a:lstStyle/>
-              <a:p>
-                <a:r>
-                  <a:rPr lang="en-US">
-                    <a:noFill/>
-                  </a:rPr>
-                  <a:t> </a:t>
-                </a:r>
-              </a:p>
-            </p:txBody>
-          </p:sp>
-        </mc:Fallback>
-      </mc:AlternateContent>
-      <mc:AlternateContent xmlns:mc="http://schemas.openxmlformats.org/markup-compatibility/2006">
-        <mc:Choice xmlns:a14="http://schemas.microsoft.com/office/drawing/2010/main" Requires="a14">
-          <p:sp>
-            <p:nvSpPr>
-              <p:cNvPr id="14" name="TextBox 13">
-                <a:extLst>
-                  <a:ext uri="{FF2B5EF4-FFF2-40B4-BE49-F238E27FC236}">
-                    <a16:creationId xmlns:a16="http://schemas.microsoft.com/office/drawing/2014/main" id="{622B2012-9004-7B42-9377-B964E3F0E2C4}"/>
-                  </a:ext>
-                </a:extLst>
-              </p:cNvPr>
-              <p:cNvSpPr txBox="1"/>
-              <p:nvPr/>
-            </p:nvSpPr>
-            <p:spPr>
-              <a:xfrm>
-                <a:off x="4110734" y="2735578"/>
-                <a:ext cx="1006072" cy="369332"/>
-              </a:xfrm>
-              <a:prstGeom prst="rect">
-                <a:avLst/>
-              </a:prstGeom>
-              <a:noFill/>
-            </p:spPr>
-            <p:txBody>
-              <a:bodyPr wrap="square" rtlCol="0">
-                <a:spAutoFit/>
-              </a:bodyPr>
-              <a:lstStyle/>
-              <a:p>
-                <a14:m>
-                  <m:oMathPara xmlns:m="http://schemas.openxmlformats.org/officeDocument/2006/math">
-                    <m:oMathParaPr>
-                      <m:jc m:val="centerGroup"/>
-                    </m:oMathParaPr>
-                    <m:oMath xmlns:m="http://schemas.openxmlformats.org/officeDocument/2006/math">
-                      <m:r>
-                        <a:rPr lang="en-US" i="1" smtClean="0">
-                          <a:latin typeface="Cambria Math" panose="02040503050406030204" pitchFamily="18" charset="0"/>
-                          <a:ea typeface="Cambria Math" panose="02040503050406030204" pitchFamily="18" charset="0"/>
-                        </a:rPr>
-                        <m:t>𝛿</m:t>
-                      </m:r>
-                      <m:r>
-                        <a:rPr lang="en-US" b="0" i="1" smtClean="0">
-                          <a:latin typeface="Cambria Math" panose="02040503050406030204" pitchFamily="18" charset="0"/>
-                          <a:ea typeface="Cambria Math" panose="02040503050406030204" pitchFamily="18" charset="0"/>
-                        </a:rPr>
-                        <m:t>=0.1</m:t>
-                      </m:r>
-                    </m:oMath>
-                  </m:oMathPara>
-                </a14:m>
-                <a:endParaRPr lang="en-US" dirty="0"/>
-              </a:p>
-            </p:txBody>
-          </p:sp>
-        </mc:Choice>
-        <mc:Fallback>
-          <p:sp>
-            <p:nvSpPr>
-              <p:cNvPr id="14" name="TextBox 13">
-                <a:extLst>
-                  <a:ext uri="{FF2B5EF4-FFF2-40B4-BE49-F238E27FC236}">
-                    <a16:creationId xmlns:a16="http://schemas.microsoft.com/office/drawing/2014/main" id="{622B2012-9004-7B42-9377-B964E3F0E2C4}"/>
-                  </a:ext>
-                </a:extLst>
-              </p:cNvPr>
-              <p:cNvSpPr txBox="1">
-                <a:spLocks noRot="1" noChangeAspect="1" noMove="1" noResize="1" noEditPoints="1" noAdjustHandles="1" noChangeArrowheads="1" noChangeShapeType="1" noTextEdit="1"/>
-              </p:cNvSpPr>
-              <p:nvPr/>
-            </p:nvSpPr>
-            <p:spPr>
-              <a:xfrm>
-                <a:off x="4110734" y="2735578"/>
-                <a:ext cx="1006072" cy="369332"/>
-              </a:xfrm>
-              <a:prstGeom prst="rect">
-                <a:avLst/>
-              </a:prstGeom>
-              <a:blipFill>
-                <a:blip r:embed="rId6"/>
-                <a:stretch>
-                  <a:fillRect/>
-                </a:stretch>
-              </a:blipFill>
-            </p:spPr>
-            <p:txBody>
-              <a:bodyPr/>
-              <a:lstStyle/>
-              <a:p>
-                <a:r>
-                  <a:rPr lang="en-US">
-                    <a:noFill/>
-                  </a:rPr>
-                  <a:t> </a:t>
-                </a:r>
-              </a:p>
-            </p:txBody>
-          </p:sp>
-        </mc:Fallback>
-      </mc:AlternateContent>
-      <mc:AlternateContent xmlns:mc="http://schemas.openxmlformats.org/markup-compatibility/2006">
-        <mc:Choice xmlns:a14="http://schemas.microsoft.com/office/drawing/2010/main" Requires="a14">
-          <p:sp>
-            <p:nvSpPr>
-              <p:cNvPr id="15" name="TextBox 14">
-                <a:extLst>
-                  <a:ext uri="{FF2B5EF4-FFF2-40B4-BE49-F238E27FC236}">
-                    <a16:creationId xmlns:a16="http://schemas.microsoft.com/office/drawing/2014/main" id="{23F01CB9-9E00-8E49-9B23-A9113F3FC8B4}"/>
-                  </a:ext>
-                </a:extLst>
-              </p:cNvPr>
-              <p:cNvSpPr txBox="1"/>
-              <p:nvPr/>
-            </p:nvSpPr>
-            <p:spPr>
-              <a:xfrm>
-                <a:off x="8420847" y="2734703"/>
-                <a:ext cx="1193152" cy="369332"/>
-              </a:xfrm>
-              <a:prstGeom prst="rect">
-                <a:avLst/>
-              </a:prstGeom>
-              <a:noFill/>
-            </p:spPr>
-            <p:txBody>
-              <a:bodyPr wrap="square" rtlCol="0">
-                <a:spAutoFit/>
-              </a:bodyPr>
-              <a:lstStyle/>
-              <a:p>
-                <a14:m>
-                  <m:oMathPara xmlns:m="http://schemas.openxmlformats.org/officeDocument/2006/math">
-                    <m:oMathParaPr>
-                      <m:jc m:val="centerGroup"/>
-                    </m:oMathParaPr>
-                    <m:oMath xmlns:m="http://schemas.openxmlformats.org/officeDocument/2006/math">
-                      <m:r>
-                        <a:rPr lang="en-US" i="1" smtClean="0">
-                          <a:latin typeface="Cambria Math" panose="02040503050406030204" pitchFamily="18" charset="0"/>
-                          <a:ea typeface="Cambria Math" panose="02040503050406030204" pitchFamily="18" charset="0"/>
-                        </a:rPr>
-                        <m:t>𝛿</m:t>
-                      </m:r>
-                      <m:r>
-                        <a:rPr lang="en-US" b="0" i="1" smtClean="0">
-                          <a:latin typeface="Cambria Math" panose="02040503050406030204" pitchFamily="18" charset="0"/>
-                          <a:ea typeface="Cambria Math" panose="02040503050406030204" pitchFamily="18" charset="0"/>
-                        </a:rPr>
-                        <m:t>=0.001</m:t>
-                      </m:r>
-                    </m:oMath>
-                  </m:oMathPara>
-                </a14:m>
-                <a:endParaRPr lang="en-US" dirty="0"/>
-              </a:p>
-            </p:txBody>
-          </p:sp>
-        </mc:Choice>
-        <mc:Fallback>
-          <p:sp>
-            <p:nvSpPr>
-              <p:cNvPr id="15" name="TextBox 14">
-                <a:extLst>
-                  <a:ext uri="{FF2B5EF4-FFF2-40B4-BE49-F238E27FC236}">
-                    <a16:creationId xmlns:a16="http://schemas.microsoft.com/office/drawing/2014/main" id="{23F01CB9-9E00-8E49-9B23-A9113F3FC8B4}"/>
-                  </a:ext>
-                </a:extLst>
-              </p:cNvPr>
-              <p:cNvSpPr txBox="1">
-                <a:spLocks noRot="1" noChangeAspect="1" noMove="1" noResize="1" noEditPoints="1" noAdjustHandles="1" noChangeArrowheads="1" noChangeShapeType="1" noTextEdit="1"/>
-              </p:cNvSpPr>
-              <p:nvPr/>
-            </p:nvSpPr>
-            <p:spPr>
-              <a:xfrm>
-                <a:off x="8420847" y="2734703"/>
-                <a:ext cx="1193152" cy="369332"/>
-              </a:xfrm>
-              <a:prstGeom prst="rect">
-                <a:avLst/>
-              </a:prstGeom>
-              <a:blipFill>
-                <a:blip r:embed="rId7"/>
-                <a:stretch>
-                  <a:fillRect/>
-                </a:stretch>
-              </a:blipFill>
-            </p:spPr>
-            <p:txBody>
-              <a:bodyPr/>
-              <a:lstStyle/>
-              <a:p>
-                <a:r>
-                  <a:rPr lang="en-US">
-                    <a:noFill/>
-                  </a:rPr>
-                  <a:t> </a:t>
-                </a:r>
-              </a:p>
-            </p:txBody>
-          </p:sp>
-        </mc:Fallback>
-      </mc:AlternateContent>
-      <mc:AlternateContent xmlns:mc="http://schemas.openxmlformats.org/markup-compatibility/2006">
-        <mc:Choice xmlns:a14="http://schemas.microsoft.com/office/drawing/2010/main" Requires="a14">
-          <p:sp>
-            <p:nvSpPr>
-              <p:cNvPr id="16" name="TextBox 15">
-                <a:extLst>
-                  <a:ext uri="{FF2B5EF4-FFF2-40B4-BE49-F238E27FC236}">
-                    <a16:creationId xmlns:a16="http://schemas.microsoft.com/office/drawing/2014/main" id="{DCB8CA62-3FA4-D643-9EA3-90049AFBFB4D}"/>
-                  </a:ext>
-                </a:extLst>
-              </p:cNvPr>
-              <p:cNvSpPr txBox="1"/>
-              <p:nvPr/>
-            </p:nvSpPr>
-            <p:spPr>
-              <a:xfrm>
-                <a:off x="9481825" y="20446"/>
-                <a:ext cx="1219127" cy="369332"/>
-              </a:xfrm>
-              <a:prstGeom prst="rect">
-                <a:avLst/>
-              </a:prstGeom>
-              <a:noFill/>
-            </p:spPr>
-            <p:txBody>
-              <a:bodyPr wrap="square" rtlCol="0">
-                <a:spAutoFit/>
-              </a:bodyPr>
-              <a:lstStyle/>
-              <a:p>
-                <a14:m>
-                  <m:oMathPara xmlns:m="http://schemas.openxmlformats.org/officeDocument/2006/math">
-                    <m:oMathParaPr>
-                      <m:jc m:val="centerGroup"/>
-                    </m:oMathParaPr>
-                    <m:oMath xmlns:m="http://schemas.openxmlformats.org/officeDocument/2006/math">
-                      <m:r>
-                        <a:rPr lang="en-US" i="1" smtClean="0">
-                          <a:latin typeface="Cambria Math" panose="02040503050406030204" pitchFamily="18" charset="0"/>
-                          <a:ea typeface="Cambria Math" panose="02040503050406030204" pitchFamily="18" charset="0"/>
-                        </a:rPr>
-                        <m:t>𝛿</m:t>
-                      </m:r>
-                      <m:r>
-                        <a:rPr lang="en-US" b="0" i="1" smtClean="0">
-                          <a:latin typeface="Cambria Math" panose="02040503050406030204" pitchFamily="18" charset="0"/>
-                          <a:ea typeface="Cambria Math" panose="02040503050406030204" pitchFamily="18" charset="0"/>
-                        </a:rPr>
-                        <m:t>=0.001</m:t>
-                      </m:r>
-                    </m:oMath>
-                  </m:oMathPara>
-                </a14:m>
-                <a:endParaRPr lang="en-US" dirty="0"/>
-              </a:p>
-            </p:txBody>
-          </p:sp>
-        </mc:Choice>
-        <mc:Fallback>
-          <p:sp>
-            <p:nvSpPr>
-              <p:cNvPr id="16" name="TextBox 15">
-                <a:extLst>
-                  <a:ext uri="{FF2B5EF4-FFF2-40B4-BE49-F238E27FC236}">
-                    <a16:creationId xmlns:a16="http://schemas.microsoft.com/office/drawing/2014/main" id="{DCB8CA62-3FA4-D643-9EA3-90049AFBFB4D}"/>
-                  </a:ext>
-                </a:extLst>
-              </p:cNvPr>
-              <p:cNvSpPr txBox="1">
-                <a:spLocks noRot="1" noChangeAspect="1" noMove="1" noResize="1" noEditPoints="1" noAdjustHandles="1" noChangeArrowheads="1" noChangeShapeType="1" noTextEdit="1"/>
-              </p:cNvSpPr>
-              <p:nvPr/>
-            </p:nvSpPr>
-            <p:spPr>
-              <a:xfrm>
-                <a:off x="9481825" y="20446"/>
-                <a:ext cx="1219127" cy="369332"/>
-              </a:xfrm>
-              <a:prstGeom prst="rect">
-                <a:avLst/>
-              </a:prstGeom>
-              <a:blipFill>
-                <a:blip r:embed="rId8"/>
-                <a:stretch>
-                  <a:fillRect/>
-                </a:stretch>
-              </a:blipFill>
-            </p:spPr>
-            <p:txBody>
-              <a:bodyPr/>
-              <a:lstStyle/>
-              <a:p>
-                <a:r>
-                  <a:rPr lang="en-US">
-                    <a:noFill/>
-                  </a:rPr>
-                  <a:t> </a:t>
-                </a:r>
-              </a:p>
-            </p:txBody>
-          </p:sp>
-        </mc:Fallback>
-      </mc:AlternateContent>
+        </p:grpSpPr>
+        <p:pic>
+          <p:nvPicPr>
+            <p:cNvPr id="38" name="Picture 37">
+              <a:extLst>
+                <a:ext uri="{FF2B5EF4-FFF2-40B4-BE49-F238E27FC236}">
+                  <a16:creationId xmlns:a16="http://schemas.microsoft.com/office/drawing/2014/main" id="{19AB7335-AD67-CA4C-9339-8212ED5ADA37}"/>
+                </a:ext>
+              </a:extLst>
+            </p:cNvPr>
+            <p:cNvPicPr>
+              <a:picLocks noChangeAspect="1"/>
+            </p:cNvPicPr>
+            <p:nvPr/>
+          </p:nvPicPr>
+          <p:blipFill rotWithShape="1">
+            <a:blip r:embed="rId4"/>
+            <a:srcRect l="2044" t="48759" r="68268" b="10514"/>
+            <a:stretch/>
+          </p:blipFill>
+          <p:spPr>
+            <a:xfrm>
+              <a:off x="2824436" y="410214"/>
+              <a:ext cx="2713693" cy="2671542"/>
+            </a:xfrm>
+            <a:prstGeom prst="rect">
+              <a:avLst/>
+            </a:prstGeom>
+          </p:spPr>
+        </p:pic>
+        <p:sp>
+          <p:nvSpPr>
+            <p:cNvPr id="39" name="Oval 38">
+              <a:extLst>
+                <a:ext uri="{FF2B5EF4-FFF2-40B4-BE49-F238E27FC236}">
+                  <a16:creationId xmlns:a16="http://schemas.microsoft.com/office/drawing/2014/main" id="{948067CD-4FF7-044F-A20F-FFE8B544C4C9}"/>
+                </a:ext>
+              </a:extLst>
+            </p:cNvPr>
+            <p:cNvSpPr/>
+            <p:nvPr/>
+          </p:nvSpPr>
+          <p:spPr>
+            <a:xfrm>
+              <a:off x="4331221" y="397048"/>
+              <a:ext cx="250506" cy="244844"/>
+            </a:xfrm>
+            <a:prstGeom prst="ellipse">
+              <a:avLst/>
+            </a:prstGeom>
+            <a:noFill/>
+            <a:ln>
+              <a:solidFill>
+                <a:srgbClr val="00B050"/>
+              </a:solidFill>
+            </a:ln>
+          </p:spPr>
+          <p:style>
+            <a:lnRef idx="2">
+              <a:schemeClr val="accent1">
+                <a:shade val="50000"/>
+              </a:schemeClr>
+            </a:lnRef>
+            <a:fillRef idx="1">
+              <a:schemeClr val="accent1"/>
+            </a:fillRef>
+            <a:effectRef idx="0">
+              <a:schemeClr val="accent1"/>
+            </a:effectRef>
+            <a:fontRef idx="minor">
+              <a:schemeClr val="lt1"/>
+            </a:fontRef>
+          </p:style>
+          <p:txBody>
+            <a:bodyPr rtlCol="0" anchor="ctr"/>
+            <a:lstStyle/>
+            <a:p>
+              <a:pPr algn="ctr"/>
+              <a:endParaRPr lang="en-US"/>
+            </a:p>
+          </p:txBody>
+        </p:sp>
+        <p:sp>
+          <p:nvSpPr>
+            <p:cNvPr id="40" name="Oval 39">
+              <a:extLst>
+                <a:ext uri="{FF2B5EF4-FFF2-40B4-BE49-F238E27FC236}">
+                  <a16:creationId xmlns:a16="http://schemas.microsoft.com/office/drawing/2014/main" id="{C5A8BA84-920F-3944-B135-6A1D6A68DC69}"/>
+                </a:ext>
+              </a:extLst>
+            </p:cNvPr>
+            <p:cNvSpPr/>
+            <p:nvPr/>
+          </p:nvSpPr>
+          <p:spPr>
+            <a:xfrm>
+              <a:off x="3959777" y="2797634"/>
+              <a:ext cx="250506" cy="244844"/>
+            </a:xfrm>
+            <a:prstGeom prst="ellipse">
+              <a:avLst/>
+            </a:prstGeom>
+            <a:noFill/>
+            <a:ln>
+              <a:solidFill>
+                <a:srgbClr val="00B050"/>
+              </a:solidFill>
+            </a:ln>
+          </p:spPr>
+          <p:style>
+            <a:lnRef idx="2">
+              <a:schemeClr val="accent1">
+                <a:shade val="50000"/>
+              </a:schemeClr>
+            </a:lnRef>
+            <a:fillRef idx="1">
+              <a:schemeClr val="accent1"/>
+            </a:fillRef>
+            <a:effectRef idx="0">
+              <a:schemeClr val="accent1"/>
+            </a:effectRef>
+            <a:fontRef idx="minor">
+              <a:schemeClr val="lt1"/>
+            </a:fontRef>
+          </p:style>
+          <p:txBody>
+            <a:bodyPr rtlCol="0" anchor="ctr"/>
+            <a:lstStyle/>
+            <a:p>
+              <a:pPr algn="ctr"/>
+              <a:endParaRPr lang="en-US"/>
+            </a:p>
+          </p:txBody>
+        </p:sp>
+        <mc:AlternateContent xmlns:mc="http://schemas.openxmlformats.org/markup-compatibility/2006">
+          <mc:Choice xmlns:a14="http://schemas.microsoft.com/office/drawing/2010/main" Requires="a14">
+            <p:sp>
+              <p:nvSpPr>
+                <p:cNvPr id="41" name="TextBox 40">
+                  <a:extLst>
+                    <a:ext uri="{FF2B5EF4-FFF2-40B4-BE49-F238E27FC236}">
+                      <a16:creationId xmlns:a16="http://schemas.microsoft.com/office/drawing/2014/main" id="{DADE6AA2-3F6E-9041-87A4-61711C5B1667}"/>
+                    </a:ext>
+                  </a:extLst>
+                </p:cNvPr>
+                <p:cNvSpPr txBox="1"/>
+                <p:nvPr/>
+              </p:nvSpPr>
+              <p:spPr>
+                <a:xfrm rot="16200000">
+                  <a:off x="4138104" y="772246"/>
+                  <a:ext cx="1006072" cy="369332"/>
+                </a:xfrm>
+                <a:prstGeom prst="rect">
+                  <a:avLst/>
+                </a:prstGeom>
+                <a:noFill/>
+              </p:spPr>
+              <p:txBody>
+                <a:bodyPr wrap="square" rtlCol="0">
+                  <a:spAutoFit/>
+                </a:bodyPr>
+                <a:lstStyle/>
+                <a:p>
+                  <a:pPr/>
+                  <a14:m>
+                    <m:oMathPara xmlns:m="http://schemas.openxmlformats.org/officeDocument/2006/math">
+                      <m:oMathParaPr>
+                        <m:jc m:val="centerGroup"/>
+                      </m:oMathParaPr>
+                      <m:oMath xmlns:m="http://schemas.openxmlformats.org/officeDocument/2006/math">
+                        <m:r>
+                          <a:rPr lang="en-US" i="1" smtClean="0">
+                            <a:latin typeface="Cambria Math" panose="02040503050406030204" pitchFamily="18" charset="0"/>
+                            <a:ea typeface="Cambria Math" panose="02040503050406030204" pitchFamily="18" charset="0"/>
+                          </a:rPr>
+                          <m:t>𝛿</m:t>
+                        </m:r>
+                        <m:r>
+                          <a:rPr lang="en-US" b="0" i="1" smtClean="0">
+                            <a:latin typeface="Cambria Math" panose="02040503050406030204" pitchFamily="18" charset="0"/>
+                            <a:ea typeface="Cambria Math" panose="02040503050406030204" pitchFamily="18" charset="0"/>
+                          </a:rPr>
+                          <m:t>=0.1</m:t>
+                        </m:r>
+                      </m:oMath>
+                    </m:oMathPara>
+                  </a14:m>
+                  <a:endParaRPr lang="en-US" dirty="0"/>
+                </a:p>
+              </p:txBody>
+            </p:sp>
+          </mc:Choice>
+          <mc:Fallback>
+            <p:sp>
+              <p:nvSpPr>
+                <p:cNvPr id="41" name="TextBox 40">
+                  <a:extLst>
+                    <a:ext uri="{FF2B5EF4-FFF2-40B4-BE49-F238E27FC236}">
+                      <a16:creationId xmlns:a16="http://schemas.microsoft.com/office/drawing/2014/main" id="{DADE6AA2-3F6E-9041-87A4-61711C5B1667}"/>
+                    </a:ext>
+                  </a:extLst>
+                </p:cNvPr>
+                <p:cNvSpPr txBox="1">
+                  <a:spLocks noRot="1" noChangeAspect="1" noMove="1" noResize="1" noEditPoints="1" noAdjustHandles="1" noChangeArrowheads="1" noChangeShapeType="1" noTextEdit="1"/>
+                </p:cNvSpPr>
+                <p:nvPr/>
+              </p:nvSpPr>
+              <p:spPr>
+                <a:xfrm rot="16200000">
+                  <a:off x="4138104" y="772246"/>
+                  <a:ext cx="1006072" cy="369332"/>
+                </a:xfrm>
+                <a:prstGeom prst="rect">
+                  <a:avLst/>
+                </a:prstGeom>
+                <a:blipFill>
+                  <a:blip r:embed="rId5"/>
+                  <a:stretch>
+                    <a:fillRect/>
+                  </a:stretch>
+                </a:blipFill>
+              </p:spPr>
+              <p:txBody>
+                <a:bodyPr/>
+                <a:lstStyle/>
+                <a:p>
+                  <a:r>
+                    <a:rPr lang="en-US">
+                      <a:noFill/>
+                    </a:rPr>
+                    <a:t> </a:t>
+                  </a:r>
+                </a:p>
+              </p:txBody>
+            </p:sp>
+          </mc:Fallback>
+        </mc:AlternateContent>
+        <mc:AlternateContent xmlns:mc="http://schemas.openxmlformats.org/markup-compatibility/2006">
+          <mc:Choice xmlns:a14="http://schemas.microsoft.com/office/drawing/2010/main" Requires="a14">
+            <p:sp>
+              <p:nvSpPr>
+                <p:cNvPr id="42" name="TextBox 41">
+                  <a:extLst>
+                    <a:ext uri="{FF2B5EF4-FFF2-40B4-BE49-F238E27FC236}">
+                      <a16:creationId xmlns:a16="http://schemas.microsoft.com/office/drawing/2014/main" id="{A23D8AA9-6060-864A-8D43-6F5747D0F69A}"/>
+                    </a:ext>
+                  </a:extLst>
+                </p:cNvPr>
+                <p:cNvSpPr txBox="1"/>
+                <p:nvPr/>
+              </p:nvSpPr>
+              <p:spPr>
+                <a:xfrm rot="16200000">
+                  <a:off x="3377157" y="2302300"/>
+                  <a:ext cx="1006072" cy="369332"/>
+                </a:xfrm>
+                <a:prstGeom prst="rect">
+                  <a:avLst/>
+                </a:prstGeom>
+                <a:noFill/>
+              </p:spPr>
+              <p:txBody>
+                <a:bodyPr wrap="square" rtlCol="0">
+                  <a:spAutoFit/>
+                </a:bodyPr>
+                <a:lstStyle/>
+                <a:p>
+                  <a:pPr/>
+                  <a14:m>
+                    <m:oMathPara xmlns:m="http://schemas.openxmlformats.org/officeDocument/2006/math">
+                      <m:oMathParaPr>
+                        <m:jc m:val="centerGroup"/>
+                      </m:oMathParaPr>
+                      <m:oMath xmlns:m="http://schemas.openxmlformats.org/officeDocument/2006/math">
+                        <m:r>
+                          <a:rPr lang="en-US" i="1" smtClean="0">
+                            <a:latin typeface="Cambria Math" panose="02040503050406030204" pitchFamily="18" charset="0"/>
+                            <a:ea typeface="Cambria Math" panose="02040503050406030204" pitchFamily="18" charset="0"/>
+                          </a:rPr>
+                          <m:t>𝛿</m:t>
+                        </m:r>
+                        <m:r>
+                          <a:rPr lang="en-US" b="0" i="1" smtClean="0">
+                            <a:latin typeface="Cambria Math" panose="02040503050406030204" pitchFamily="18" charset="0"/>
+                            <a:ea typeface="Cambria Math" panose="02040503050406030204" pitchFamily="18" charset="0"/>
+                          </a:rPr>
+                          <m:t>=0.1</m:t>
+                        </m:r>
+                      </m:oMath>
+                    </m:oMathPara>
+                  </a14:m>
+                  <a:endParaRPr lang="en-US" dirty="0"/>
+                </a:p>
+              </p:txBody>
+            </p:sp>
+          </mc:Choice>
+          <mc:Fallback>
+            <p:sp>
+              <p:nvSpPr>
+                <p:cNvPr id="42" name="TextBox 41">
+                  <a:extLst>
+                    <a:ext uri="{FF2B5EF4-FFF2-40B4-BE49-F238E27FC236}">
+                      <a16:creationId xmlns:a16="http://schemas.microsoft.com/office/drawing/2014/main" id="{A23D8AA9-6060-864A-8D43-6F5747D0F69A}"/>
+                    </a:ext>
+                  </a:extLst>
+                </p:cNvPr>
+                <p:cNvSpPr txBox="1">
+                  <a:spLocks noRot="1" noChangeAspect="1" noMove="1" noResize="1" noEditPoints="1" noAdjustHandles="1" noChangeArrowheads="1" noChangeShapeType="1" noTextEdit="1"/>
+                </p:cNvSpPr>
+                <p:nvPr/>
+              </p:nvSpPr>
+              <p:spPr>
+                <a:xfrm rot="16200000">
+                  <a:off x="3377157" y="2302300"/>
+                  <a:ext cx="1006072" cy="369332"/>
+                </a:xfrm>
+                <a:prstGeom prst="rect">
+                  <a:avLst/>
+                </a:prstGeom>
+                <a:blipFill>
+                  <a:blip r:embed="rId6"/>
+                  <a:stretch>
+                    <a:fillRect/>
+                  </a:stretch>
+                </a:blipFill>
+              </p:spPr>
+              <p:txBody>
+                <a:bodyPr/>
+                <a:lstStyle/>
+                <a:p>
+                  <a:r>
+                    <a:rPr lang="en-US">
+                      <a:noFill/>
+                    </a:rPr>
+                    <a:t> </a:t>
+                  </a:r>
+                </a:p>
+              </p:txBody>
+            </p:sp>
+          </mc:Fallback>
+        </mc:AlternateContent>
+      </p:grpSp>
     </p:spTree>
     <p:extLst>
       <p:ext uri="{BB962C8B-B14F-4D97-AF65-F5344CB8AC3E}">
@@ -3993,7 +3462,7 @@
 <file path=ppt/theme/theme1.xml><?xml version="1.0" encoding="utf-8"?>
 <a:theme xmlns:a="http://schemas.openxmlformats.org/drawingml/2006/main" name="Office Theme">
   <a:themeElements>
-    <a:clrScheme name="Office">
+    <a:clrScheme name="Office Theme">
       <a:dk1>
         <a:sysClr val="windowText" lastClr="000000"/>
       </a:dk1>
@@ -4031,7 +3500,7 @@
         <a:srgbClr val="954F72"/>
       </a:folHlink>
     </a:clrScheme>
-    <a:fontScheme name="Office">
+    <a:fontScheme name="Office Theme">
       <a:majorFont>
         <a:latin typeface="Calibri Light" panose="020F0302020204030204"/>
         <a:ea typeface=""/>
@@ -4066,23 +3535,6 @@
         <a:font script="Viet" typeface="Times New Roman"/>
         <a:font script="Uigh" typeface="Microsoft Uighur"/>
         <a:font script="Geor" typeface="Sylfaen"/>
-        <a:font script="Armn" typeface="Arial"/>
-        <a:font script="Bugi" typeface="Leelawadee UI"/>
-        <a:font script="Bopo" typeface="Microsoft JhengHei"/>
-        <a:font script="Java" typeface="Javanese Text"/>
-        <a:font script="Lisu" typeface="Segoe UI"/>
-        <a:font script="Mymr" typeface="Myanmar Text"/>
-        <a:font script="Nkoo" typeface="Ebrima"/>
-        <a:font script="Olck" typeface="Nirmala UI"/>
-        <a:font script="Osma" typeface="Ebrima"/>
-        <a:font script="Phag" typeface="Phagspa"/>
-        <a:font script="Syrn" typeface="Estrangelo Edessa"/>
-        <a:font script="Syrj" typeface="Estrangelo Edessa"/>
-        <a:font script="Syre" typeface="Estrangelo Edessa"/>
-        <a:font script="Sora" typeface="Nirmala UI"/>
-        <a:font script="Tale" typeface="Microsoft Tai Le"/>
-        <a:font script="Talu" typeface="Microsoft New Tai Lue"/>
-        <a:font script="Tfng" typeface="Ebrima"/>
       </a:majorFont>
       <a:minorFont>
         <a:latin typeface="Calibri" panose="020F0502020204030204"/>
@@ -4118,26 +3570,9 @@
         <a:font script="Viet" typeface="Arial"/>
         <a:font script="Uigh" typeface="Microsoft Uighur"/>
         <a:font script="Geor" typeface="Sylfaen"/>
-        <a:font script="Armn" typeface="Arial"/>
-        <a:font script="Bugi" typeface="Leelawadee UI"/>
-        <a:font script="Bopo" typeface="Microsoft JhengHei"/>
-        <a:font script="Java" typeface="Javanese Text"/>
-        <a:font script="Lisu" typeface="Segoe UI"/>
-        <a:font script="Mymr" typeface="Myanmar Text"/>
-        <a:font script="Nkoo" typeface="Ebrima"/>
-        <a:font script="Olck" typeface="Nirmala UI"/>
-        <a:font script="Osma" typeface="Ebrima"/>
-        <a:font script="Phag" typeface="Phagspa"/>
-        <a:font script="Syrn" typeface="Estrangelo Edessa"/>
-        <a:font script="Syrj" typeface="Estrangelo Edessa"/>
-        <a:font script="Syre" typeface="Estrangelo Edessa"/>
-        <a:font script="Sora" typeface="Nirmala UI"/>
-        <a:font script="Tale" typeface="Microsoft Tai Le"/>
-        <a:font script="Talu" typeface="Microsoft New Tai Lue"/>
-        <a:font script="Tfng" typeface="Ebrima"/>
       </a:minorFont>
     </a:fontScheme>
-    <a:fmtScheme name="Office">
+    <a:fmtScheme name="Office Theme">
       <a:fillStyleLst>
         <a:solidFill>
           <a:schemeClr val="phClr"/>

--- a/journalWallFriction/pictures/pdf/deltadist.pptx
+++ b/journalWallFriction/pictures/pdf/deltadist.pptx
@@ -243,7 +243,7 @@
           <a:p>
             <a:fld id="{407377E9-B467-4349-A636-4ADCC9286FD9}" type="datetimeFigureOut">
               <a:rPr lang="en-US" smtClean="0"/>
-              <a:t>5/13/18</a:t>
+              <a:t>5/22/18</a:t>
             </a:fld>
             <a:endParaRPr lang="en-US"/>
           </a:p>
@@ -413,7 +413,7 @@
           <a:p>
             <a:fld id="{407377E9-B467-4349-A636-4ADCC9286FD9}" type="datetimeFigureOut">
               <a:rPr lang="en-US" smtClean="0"/>
-              <a:t>5/13/18</a:t>
+              <a:t>5/22/18</a:t>
             </a:fld>
             <a:endParaRPr lang="en-US"/>
           </a:p>
@@ -593,7 +593,7 @@
           <a:p>
             <a:fld id="{407377E9-B467-4349-A636-4ADCC9286FD9}" type="datetimeFigureOut">
               <a:rPr lang="en-US" smtClean="0"/>
-              <a:t>5/13/18</a:t>
+              <a:t>5/22/18</a:t>
             </a:fld>
             <a:endParaRPr lang="en-US"/>
           </a:p>
@@ -763,7 +763,7 @@
           <a:p>
             <a:fld id="{407377E9-B467-4349-A636-4ADCC9286FD9}" type="datetimeFigureOut">
               <a:rPr lang="en-US" smtClean="0"/>
-              <a:t>5/13/18</a:t>
+              <a:t>5/22/18</a:t>
             </a:fld>
             <a:endParaRPr lang="en-US"/>
           </a:p>
@@ -1009,7 +1009,7 @@
           <a:p>
             <a:fld id="{407377E9-B467-4349-A636-4ADCC9286FD9}" type="datetimeFigureOut">
               <a:rPr lang="en-US" smtClean="0"/>
-              <a:t>5/13/18</a:t>
+              <a:t>5/22/18</a:t>
             </a:fld>
             <a:endParaRPr lang="en-US"/>
           </a:p>
@@ -1241,7 +1241,7 @@
           <a:p>
             <a:fld id="{407377E9-B467-4349-A636-4ADCC9286FD9}" type="datetimeFigureOut">
               <a:rPr lang="en-US" smtClean="0"/>
-              <a:t>5/13/18</a:t>
+              <a:t>5/22/18</a:t>
             </a:fld>
             <a:endParaRPr lang="en-US"/>
           </a:p>
@@ -1608,7 +1608,7 @@
           <a:p>
             <a:fld id="{407377E9-B467-4349-A636-4ADCC9286FD9}" type="datetimeFigureOut">
               <a:rPr lang="en-US" smtClean="0"/>
-              <a:t>5/13/18</a:t>
+              <a:t>5/22/18</a:t>
             </a:fld>
             <a:endParaRPr lang="en-US"/>
           </a:p>
@@ -1726,7 +1726,7 @@
           <a:p>
             <a:fld id="{407377E9-B467-4349-A636-4ADCC9286FD9}" type="datetimeFigureOut">
               <a:rPr lang="en-US" smtClean="0"/>
-              <a:t>5/13/18</a:t>
+              <a:t>5/22/18</a:t>
             </a:fld>
             <a:endParaRPr lang="en-US"/>
           </a:p>
@@ -1821,7 +1821,7 @@
           <a:p>
             <a:fld id="{407377E9-B467-4349-A636-4ADCC9286FD9}" type="datetimeFigureOut">
               <a:rPr lang="en-US" smtClean="0"/>
-              <a:t>5/13/18</a:t>
+              <a:t>5/22/18</a:t>
             </a:fld>
             <a:endParaRPr lang="en-US"/>
           </a:p>
@@ -2098,7 +2098,7 @@
           <a:p>
             <a:fld id="{407377E9-B467-4349-A636-4ADCC9286FD9}" type="datetimeFigureOut">
               <a:rPr lang="en-US" smtClean="0"/>
-              <a:t>5/13/18</a:t>
+              <a:t>5/22/18</a:t>
             </a:fld>
             <a:endParaRPr lang="en-US"/>
           </a:p>
@@ -2355,7 +2355,7 @@
           <a:p>
             <a:fld id="{407377E9-B467-4349-A636-4ADCC9286FD9}" type="datetimeFigureOut">
               <a:rPr lang="en-US" smtClean="0"/>
-              <a:t>5/13/18</a:t>
+              <a:t>5/22/18</a:t>
             </a:fld>
             <a:endParaRPr lang="en-US"/>
           </a:p>
@@ -2568,7 +2568,7 @@
           <a:p>
             <a:fld id="{407377E9-B467-4349-A636-4ADCC9286FD9}" type="datetimeFigureOut">
               <a:rPr lang="en-US" smtClean="0"/>
-              <a:t>5/13/18</a:t>
+              <a:t>5/22/18</a:t>
             </a:fld>
             <a:endParaRPr lang="en-US"/>
           </a:p>
@@ -2975,6 +2975,35 @@
       </p:grpSpPr>
       <p:pic>
         <p:nvPicPr>
+          <p:cNvPr id="3" name="Picture 2">
+            <a:extLst>
+              <a:ext uri="{FF2B5EF4-FFF2-40B4-BE49-F238E27FC236}">
+                <a16:creationId xmlns:a16="http://schemas.microsoft.com/office/drawing/2014/main" id="{E6AD829B-819B-524C-A58D-90F58AD8C1F2}"/>
+              </a:ext>
+            </a:extLst>
+          </p:cNvPr>
+          <p:cNvPicPr>
+            <a:picLocks noChangeAspect="1"/>
+          </p:cNvPicPr>
+          <p:nvPr/>
+        </p:nvPicPr>
+        <p:blipFill rotWithShape="1">
+          <a:blip r:embed="rId2"/>
+          <a:srcRect l="2901" t="48853" r="68501" b="10344"/>
+          <a:stretch/>
+        </p:blipFill>
+        <p:spPr>
+          <a:xfrm>
+            <a:off x="1746607" y="209538"/>
+            <a:ext cx="3598327" cy="3684368"/>
+          </a:xfrm>
+          <a:prstGeom prst="rect">
+            <a:avLst/>
+          </a:prstGeom>
+        </p:spPr>
+      </p:pic>
+      <p:pic>
+        <p:nvPicPr>
           <p:cNvPr id="34" name="Picture 33">
             <a:extLst>
               <a:ext uri="{FF2B5EF4-FFF2-40B4-BE49-F238E27FC236}">
@@ -2988,7 +3017,7 @@
           <p:nvPr/>
         </p:nvPicPr>
         <p:blipFill>
-          <a:blip r:embed="rId2"/>
+          <a:blip r:embed="rId3"/>
           <a:stretch>
             <a:fillRect/>
           </a:stretch>
@@ -3003,35 +3032,6 @@
           </a:prstGeom>
         </p:spPr>
       </p:pic>
-      <p:pic>
-        <p:nvPicPr>
-          <p:cNvPr id="35" name="Picture 34">
-            <a:extLst>
-              <a:ext uri="{FF2B5EF4-FFF2-40B4-BE49-F238E27FC236}">
-                <a16:creationId xmlns:a16="http://schemas.microsoft.com/office/drawing/2014/main" id="{E3E878F5-E89B-494C-BCBD-2F6202889905}"/>
-              </a:ext>
-            </a:extLst>
-          </p:cNvPr>
-          <p:cNvPicPr>
-            <a:picLocks noChangeAspect="1"/>
-          </p:cNvPicPr>
-          <p:nvPr/>
-        </p:nvPicPr>
-        <p:blipFill rotWithShape="1">
-          <a:blip r:embed="rId3"/>
-          <a:srcRect l="2689" t="47789" r="68099" b="9895"/>
-          <a:stretch/>
-        </p:blipFill>
-        <p:spPr>
-          <a:xfrm rot="5400000">
-            <a:off x="7053212" y="146557"/>
-            <a:ext cx="2981590" cy="3099445"/>
-          </a:xfrm>
-          <a:prstGeom prst="rect">
-            <a:avLst/>
-          </a:prstGeom>
-        </p:spPr>
-      </p:pic>
       <p:sp>
         <p:nvSpPr>
           <p:cNvPr id="36" name="Right Arrow 35">
@@ -3046,8 +3046,8 @@
         </p:nvSpPr>
         <p:spPr>
           <a:xfrm>
-            <a:off x="5394938" y="1334268"/>
-            <a:ext cx="1483698" cy="798618"/>
+            <a:off x="5530467" y="1654274"/>
+            <a:ext cx="1298166" cy="798618"/>
           </a:xfrm>
           <a:prstGeom prst="rightArrow">
             <a:avLst/>
@@ -3084,368 +3084,347 @@
           </a:p>
         </p:txBody>
       </p:sp>
-      <p:grpSp>
-        <p:nvGrpSpPr>
-          <p:cNvPr id="37" name="Group 36">
+      <p:sp>
+        <p:nvSpPr>
+          <p:cNvPr id="40" name="Oval 39">
             <a:extLst>
               <a:ext uri="{FF2B5EF4-FFF2-40B4-BE49-F238E27FC236}">
-                <a16:creationId xmlns:a16="http://schemas.microsoft.com/office/drawing/2014/main" id="{1B9E7EC1-C0DB-EB44-AE07-01DB60AB78F4}"/>
+                <a16:creationId xmlns:a16="http://schemas.microsoft.com/office/drawing/2014/main" id="{C5A8BA84-920F-3944-B135-6A1D6A68DC69}"/>
               </a:ext>
             </a:extLst>
           </p:cNvPr>
-          <p:cNvGrpSpPr/>
+          <p:cNvSpPr/>
           <p:nvPr/>
-        </p:nvGrpSpPr>
-        <p:grpSpPr>
+        </p:nvSpPr>
+        <p:spPr>
           <a:xfrm rot="5400000">
-            <a:off x="2495141" y="261877"/>
-            <a:ext cx="2989924" cy="2860470"/>
-            <a:chOff x="2824436" y="397048"/>
-            <a:chExt cx="2713693" cy="2684708"/>
+            <a:off x="1698831" y="1908152"/>
+            <a:ext cx="392560" cy="396192"/>
           </a:xfrm>
-        </p:grpSpPr>
-        <p:pic>
-          <p:nvPicPr>
-            <p:cNvPr id="38" name="Picture 37">
-              <a:extLst>
-                <a:ext uri="{FF2B5EF4-FFF2-40B4-BE49-F238E27FC236}">
-                  <a16:creationId xmlns:a16="http://schemas.microsoft.com/office/drawing/2014/main" id="{19AB7335-AD67-CA4C-9339-8212ED5ADA37}"/>
-                </a:ext>
-              </a:extLst>
-            </p:cNvPr>
-            <p:cNvPicPr>
-              <a:picLocks noChangeAspect="1"/>
-            </p:cNvPicPr>
-            <p:nvPr/>
-          </p:nvPicPr>
-          <p:blipFill rotWithShape="1">
-            <a:blip r:embed="rId4"/>
-            <a:srcRect l="2044" t="48759" r="68268" b="10514"/>
-            <a:stretch/>
-          </p:blipFill>
-          <p:spPr>
-            <a:xfrm>
-              <a:off x="2824436" y="410214"/>
-              <a:ext cx="2713693" cy="2671542"/>
-            </a:xfrm>
-            <a:prstGeom prst="rect">
-              <a:avLst/>
-            </a:prstGeom>
-          </p:spPr>
-        </p:pic>
-        <p:sp>
-          <p:nvSpPr>
-            <p:cNvPr id="39" name="Oval 38">
-              <a:extLst>
-                <a:ext uri="{FF2B5EF4-FFF2-40B4-BE49-F238E27FC236}">
-                  <a16:creationId xmlns:a16="http://schemas.microsoft.com/office/drawing/2014/main" id="{948067CD-4FF7-044F-A20F-FFE8B544C4C9}"/>
-                </a:ext>
-              </a:extLst>
-            </p:cNvPr>
-            <p:cNvSpPr/>
-            <p:nvPr/>
-          </p:nvSpPr>
-          <p:spPr>
-            <a:xfrm>
-              <a:off x="4331221" y="397048"/>
-              <a:ext cx="250506" cy="244844"/>
-            </a:xfrm>
-            <a:prstGeom prst="ellipse">
-              <a:avLst/>
-            </a:prstGeom>
-            <a:noFill/>
-            <a:ln>
-              <a:solidFill>
-                <a:srgbClr val="00B050"/>
-              </a:solidFill>
-            </a:ln>
-          </p:spPr>
-          <p:style>
-            <a:lnRef idx="2">
-              <a:schemeClr val="accent1">
-                <a:shade val="50000"/>
-              </a:schemeClr>
-            </a:lnRef>
-            <a:fillRef idx="1">
-              <a:schemeClr val="accent1"/>
-            </a:fillRef>
-            <a:effectRef idx="0">
-              <a:schemeClr val="accent1"/>
-            </a:effectRef>
-            <a:fontRef idx="minor">
-              <a:schemeClr val="lt1"/>
-            </a:fontRef>
-          </p:style>
-          <p:txBody>
-            <a:bodyPr rtlCol="0" anchor="ctr"/>
-            <a:lstStyle/>
-            <a:p>
-              <a:pPr algn="ctr"/>
-              <a:endParaRPr lang="en-US"/>
-            </a:p>
-          </p:txBody>
-        </p:sp>
-        <p:sp>
-          <p:nvSpPr>
-            <p:cNvPr id="40" name="Oval 39">
-              <a:extLst>
-                <a:ext uri="{FF2B5EF4-FFF2-40B4-BE49-F238E27FC236}">
-                  <a16:creationId xmlns:a16="http://schemas.microsoft.com/office/drawing/2014/main" id="{C5A8BA84-920F-3944-B135-6A1D6A68DC69}"/>
-                </a:ext>
-              </a:extLst>
-            </p:cNvPr>
-            <p:cNvSpPr/>
-            <p:nvPr/>
-          </p:nvSpPr>
-          <p:spPr>
-            <a:xfrm>
-              <a:off x="3959777" y="2797634"/>
-              <a:ext cx="250506" cy="244844"/>
-            </a:xfrm>
-            <a:prstGeom prst="ellipse">
-              <a:avLst/>
-            </a:prstGeom>
-            <a:noFill/>
-            <a:ln>
-              <a:solidFill>
-                <a:srgbClr val="00B050"/>
-              </a:solidFill>
-            </a:ln>
-          </p:spPr>
-          <p:style>
-            <a:lnRef idx="2">
-              <a:schemeClr val="accent1">
-                <a:shade val="50000"/>
-              </a:schemeClr>
-            </a:lnRef>
-            <a:fillRef idx="1">
-              <a:schemeClr val="accent1"/>
-            </a:fillRef>
-            <a:effectRef idx="0">
-              <a:schemeClr val="accent1"/>
-            </a:effectRef>
-            <a:fontRef idx="minor">
-              <a:schemeClr val="lt1"/>
-            </a:fontRef>
-          </p:style>
-          <p:txBody>
-            <a:bodyPr rtlCol="0" anchor="ctr"/>
-            <a:lstStyle/>
-            <a:p>
-              <a:pPr algn="ctr"/>
-              <a:endParaRPr lang="en-US"/>
-            </a:p>
-          </p:txBody>
-        </p:sp>
-        <mc:AlternateContent xmlns:mc="http://schemas.openxmlformats.org/markup-compatibility/2006">
-          <mc:Choice xmlns:a14="http://schemas.microsoft.com/office/drawing/2010/main" Requires="a14">
-            <p:sp>
-              <p:nvSpPr>
-                <p:cNvPr id="41" name="TextBox 40">
-                  <a:extLst>
-                    <a:ext uri="{FF2B5EF4-FFF2-40B4-BE49-F238E27FC236}">
-                      <a16:creationId xmlns:a16="http://schemas.microsoft.com/office/drawing/2014/main" id="{DADE6AA2-3F6E-9041-87A4-61711C5B1667}"/>
-                    </a:ext>
-                  </a:extLst>
-                </p:cNvPr>
-                <p:cNvSpPr txBox="1"/>
-                <p:nvPr/>
-              </p:nvSpPr>
-              <p:spPr>
-                <a:xfrm rot="16200000">
-                  <a:off x="4138104" y="772246"/>
-                  <a:ext cx="1006072" cy="369332"/>
-                </a:xfrm>
-                <a:prstGeom prst="rect">
-                  <a:avLst/>
-                </a:prstGeom>
-                <a:noFill/>
-              </p:spPr>
-              <p:txBody>
-                <a:bodyPr wrap="square" rtlCol="0">
-                  <a:spAutoFit/>
-                </a:bodyPr>
-                <a:lstStyle/>
-                <a:p>
-                  <a:pPr/>
-                  <a14:m>
-                    <m:oMathPara xmlns:m="http://schemas.openxmlformats.org/officeDocument/2006/math">
-                      <m:oMathParaPr>
-                        <m:jc m:val="centerGroup"/>
-                      </m:oMathParaPr>
-                      <m:oMath xmlns:m="http://schemas.openxmlformats.org/officeDocument/2006/math">
-                        <m:r>
-                          <a:rPr lang="en-US" i="1" smtClean="0">
-                            <a:latin typeface="Cambria Math" panose="02040503050406030204" pitchFamily="18" charset="0"/>
-                            <a:ea typeface="Cambria Math" panose="02040503050406030204" pitchFamily="18" charset="0"/>
-                          </a:rPr>
-                          <m:t>𝛿</m:t>
-                        </m:r>
-                        <m:r>
-                          <a:rPr lang="en-US" b="0" i="1" smtClean="0">
-                            <a:latin typeface="Cambria Math" panose="02040503050406030204" pitchFamily="18" charset="0"/>
-                            <a:ea typeface="Cambria Math" panose="02040503050406030204" pitchFamily="18" charset="0"/>
-                          </a:rPr>
-                          <m:t>=0.1</m:t>
-                        </m:r>
-                      </m:oMath>
-                    </m:oMathPara>
-                  </a14:m>
-                  <a:endParaRPr lang="en-US" dirty="0"/>
-                </a:p>
-              </p:txBody>
-            </p:sp>
-          </mc:Choice>
-          <mc:Fallback>
-            <p:sp>
-              <p:nvSpPr>
-                <p:cNvPr id="41" name="TextBox 40">
-                  <a:extLst>
-                    <a:ext uri="{FF2B5EF4-FFF2-40B4-BE49-F238E27FC236}">
-                      <a16:creationId xmlns:a16="http://schemas.microsoft.com/office/drawing/2014/main" id="{DADE6AA2-3F6E-9041-87A4-61711C5B1667}"/>
-                    </a:ext>
-                  </a:extLst>
-                </p:cNvPr>
-                <p:cNvSpPr txBox="1">
-                  <a:spLocks noRot="1" noChangeAspect="1" noMove="1" noResize="1" noEditPoints="1" noAdjustHandles="1" noChangeArrowheads="1" noChangeShapeType="1" noTextEdit="1"/>
-                </p:cNvSpPr>
-                <p:nvPr/>
-              </p:nvSpPr>
-              <p:spPr>
-                <a:xfrm rot="16200000">
-                  <a:off x="4138104" y="772246"/>
-                  <a:ext cx="1006072" cy="369332"/>
-                </a:xfrm>
-                <a:prstGeom prst="rect">
-                  <a:avLst/>
-                </a:prstGeom>
-                <a:blipFill>
-                  <a:blip r:embed="rId5"/>
-                  <a:stretch>
-                    <a:fillRect/>
-                  </a:stretch>
-                </a:blipFill>
-              </p:spPr>
-              <p:txBody>
-                <a:bodyPr/>
-                <a:lstStyle/>
-                <a:p>
-                  <a:r>
-                    <a:rPr lang="en-US">
-                      <a:noFill/>
-                    </a:rPr>
-                    <a:t> </a:t>
-                  </a:r>
-                </a:p>
-              </p:txBody>
-            </p:sp>
-          </mc:Fallback>
-        </mc:AlternateContent>
-        <mc:AlternateContent xmlns:mc="http://schemas.openxmlformats.org/markup-compatibility/2006">
-          <mc:Choice xmlns:a14="http://schemas.microsoft.com/office/drawing/2010/main" Requires="a14">
-            <p:sp>
-              <p:nvSpPr>
-                <p:cNvPr id="42" name="TextBox 41">
-                  <a:extLst>
-                    <a:ext uri="{FF2B5EF4-FFF2-40B4-BE49-F238E27FC236}">
-                      <a16:creationId xmlns:a16="http://schemas.microsoft.com/office/drawing/2014/main" id="{A23D8AA9-6060-864A-8D43-6F5747D0F69A}"/>
-                    </a:ext>
-                  </a:extLst>
-                </p:cNvPr>
-                <p:cNvSpPr txBox="1"/>
-                <p:nvPr/>
-              </p:nvSpPr>
-              <p:spPr>
-                <a:xfrm rot="16200000">
-                  <a:off x="3377157" y="2302300"/>
-                  <a:ext cx="1006072" cy="369332"/>
-                </a:xfrm>
-                <a:prstGeom prst="rect">
-                  <a:avLst/>
-                </a:prstGeom>
-                <a:noFill/>
-              </p:spPr>
-              <p:txBody>
-                <a:bodyPr wrap="square" rtlCol="0">
-                  <a:spAutoFit/>
-                </a:bodyPr>
-                <a:lstStyle/>
-                <a:p>
-                  <a:pPr/>
-                  <a14:m>
-                    <m:oMathPara xmlns:m="http://schemas.openxmlformats.org/officeDocument/2006/math">
-                      <m:oMathParaPr>
-                        <m:jc m:val="centerGroup"/>
-                      </m:oMathParaPr>
-                      <m:oMath xmlns:m="http://schemas.openxmlformats.org/officeDocument/2006/math">
-                        <m:r>
-                          <a:rPr lang="en-US" i="1" smtClean="0">
-                            <a:latin typeface="Cambria Math" panose="02040503050406030204" pitchFamily="18" charset="0"/>
-                            <a:ea typeface="Cambria Math" panose="02040503050406030204" pitchFamily="18" charset="0"/>
-                          </a:rPr>
-                          <m:t>𝛿</m:t>
-                        </m:r>
-                        <m:r>
-                          <a:rPr lang="en-US" b="0" i="1" smtClean="0">
-                            <a:latin typeface="Cambria Math" panose="02040503050406030204" pitchFamily="18" charset="0"/>
-                            <a:ea typeface="Cambria Math" panose="02040503050406030204" pitchFamily="18" charset="0"/>
-                          </a:rPr>
-                          <m:t>=0.1</m:t>
-                        </m:r>
-                      </m:oMath>
-                    </m:oMathPara>
-                  </a14:m>
-                  <a:endParaRPr lang="en-US" dirty="0"/>
-                </a:p>
-              </p:txBody>
-            </p:sp>
-          </mc:Choice>
-          <mc:Fallback>
-            <p:sp>
-              <p:nvSpPr>
-                <p:cNvPr id="42" name="TextBox 41">
-                  <a:extLst>
-                    <a:ext uri="{FF2B5EF4-FFF2-40B4-BE49-F238E27FC236}">
-                      <a16:creationId xmlns:a16="http://schemas.microsoft.com/office/drawing/2014/main" id="{A23D8AA9-6060-864A-8D43-6F5747D0F69A}"/>
-                    </a:ext>
-                  </a:extLst>
-                </p:cNvPr>
-                <p:cNvSpPr txBox="1">
-                  <a:spLocks noRot="1" noChangeAspect="1" noMove="1" noResize="1" noEditPoints="1" noAdjustHandles="1" noChangeArrowheads="1" noChangeShapeType="1" noTextEdit="1"/>
-                </p:cNvSpPr>
-                <p:nvPr/>
-              </p:nvSpPr>
-              <p:spPr>
-                <a:xfrm rot="16200000">
-                  <a:off x="3377157" y="2302300"/>
-                  <a:ext cx="1006072" cy="369332"/>
-                </a:xfrm>
-                <a:prstGeom prst="rect">
-                  <a:avLst/>
-                </a:prstGeom>
-                <a:blipFill>
-                  <a:blip r:embed="rId6"/>
-                  <a:stretch>
-                    <a:fillRect/>
-                  </a:stretch>
-                </a:blipFill>
-              </p:spPr>
-              <p:txBody>
-                <a:bodyPr/>
-                <a:lstStyle/>
-                <a:p>
-                  <a:r>
-                    <a:rPr lang="en-US">
-                      <a:noFill/>
-                    </a:rPr>
-                    <a:t> </a:t>
-                  </a:r>
-                </a:p>
-              </p:txBody>
-            </p:sp>
-          </mc:Fallback>
-        </mc:AlternateContent>
-      </p:grpSp>
+          <a:prstGeom prst="ellipse">
+            <a:avLst/>
+          </a:prstGeom>
+          <a:noFill/>
+          <a:ln>
+            <a:solidFill>
+              <a:srgbClr val="00B050"/>
+            </a:solidFill>
+          </a:ln>
+        </p:spPr>
+        <p:style>
+          <a:lnRef idx="2">
+            <a:schemeClr val="accent1">
+              <a:shade val="50000"/>
+            </a:schemeClr>
+          </a:lnRef>
+          <a:fillRef idx="1">
+            <a:schemeClr val="accent1"/>
+          </a:fillRef>
+          <a:effectRef idx="0">
+            <a:schemeClr val="accent1"/>
+          </a:effectRef>
+          <a:fontRef idx="minor">
+            <a:schemeClr val="lt1"/>
+          </a:fontRef>
+        </p:style>
+        <p:txBody>
+          <a:bodyPr rtlCol="0" anchor="ctr"/>
+          <a:lstStyle/>
+          <a:p>
+            <a:pPr algn="ctr"/>
+            <a:endParaRPr lang="en-US"/>
+          </a:p>
+        </p:txBody>
+      </p:sp>
+      <mc:AlternateContent xmlns:mc="http://schemas.openxmlformats.org/markup-compatibility/2006">
+        <mc:Choice xmlns:a14="http://schemas.microsoft.com/office/drawing/2010/main" Requires="a14">
+          <p:sp>
+            <p:nvSpPr>
+              <p:cNvPr id="41" name="TextBox 40">
+                <a:extLst>
+                  <a:ext uri="{FF2B5EF4-FFF2-40B4-BE49-F238E27FC236}">
+                    <a16:creationId xmlns:a16="http://schemas.microsoft.com/office/drawing/2014/main" id="{DADE6AA2-3F6E-9041-87A4-61711C5B1667}"/>
+                  </a:ext>
+                </a:extLst>
+              </p:cNvPr>
+              <p:cNvSpPr txBox="1"/>
+              <p:nvPr/>
+            </p:nvSpPr>
+            <p:spPr>
+              <a:xfrm>
+                <a:off x="4230085" y="2039705"/>
+                <a:ext cx="1071938" cy="406927"/>
+              </a:xfrm>
+              <a:prstGeom prst="rect">
+                <a:avLst/>
+              </a:prstGeom>
+              <a:noFill/>
+            </p:spPr>
+            <p:txBody>
+              <a:bodyPr wrap="square" rtlCol="0">
+                <a:spAutoFit/>
+              </a:bodyPr>
+              <a:lstStyle/>
+              <a:p>
+                <a:pPr/>
+                <a14:m>
+                  <m:oMathPara xmlns:m="http://schemas.openxmlformats.org/officeDocument/2006/math">
+                    <m:oMathParaPr>
+                      <m:jc m:val="centerGroup"/>
+                    </m:oMathParaPr>
+                    <m:oMath xmlns:m="http://schemas.openxmlformats.org/officeDocument/2006/math">
+                      <m:r>
+                        <a:rPr lang="en-US" i="1" smtClean="0">
+                          <a:latin typeface="Cambria Math" panose="02040503050406030204" pitchFamily="18" charset="0"/>
+                          <a:ea typeface="Cambria Math" panose="02040503050406030204" pitchFamily="18" charset="0"/>
+                        </a:rPr>
+                        <m:t>𝛿</m:t>
+                      </m:r>
+                      <m:r>
+                        <a:rPr lang="en-US" b="0" i="1" smtClean="0">
+                          <a:latin typeface="Cambria Math" panose="02040503050406030204" pitchFamily="18" charset="0"/>
+                          <a:ea typeface="Cambria Math" panose="02040503050406030204" pitchFamily="18" charset="0"/>
+                        </a:rPr>
+                        <m:t>=0.1</m:t>
+                      </m:r>
+                    </m:oMath>
+                  </m:oMathPara>
+                </a14:m>
+                <a:endParaRPr lang="en-US" dirty="0"/>
+              </a:p>
+            </p:txBody>
+          </p:sp>
+        </mc:Choice>
+        <mc:Fallback>
+          <p:sp>
+            <p:nvSpPr>
+              <p:cNvPr id="41" name="TextBox 40">
+                <a:extLst>
+                  <a:ext uri="{FF2B5EF4-FFF2-40B4-BE49-F238E27FC236}">
+                    <a16:creationId xmlns:a16="http://schemas.microsoft.com/office/drawing/2014/main" id="{DADE6AA2-3F6E-9041-87A4-61711C5B1667}"/>
+                  </a:ext>
+                </a:extLst>
+              </p:cNvPr>
+              <p:cNvSpPr txBox="1">
+                <a:spLocks noRot="1" noChangeAspect="1" noMove="1" noResize="1" noEditPoints="1" noAdjustHandles="1" noChangeArrowheads="1" noChangeShapeType="1" noTextEdit="1"/>
+              </p:cNvSpPr>
+              <p:nvPr/>
+            </p:nvSpPr>
+            <p:spPr>
+              <a:xfrm>
+                <a:off x="4230085" y="2039705"/>
+                <a:ext cx="1071938" cy="406927"/>
+              </a:xfrm>
+              <a:prstGeom prst="rect">
+                <a:avLst/>
+              </a:prstGeom>
+              <a:blipFill>
+                <a:blip r:embed="rId4"/>
+                <a:stretch>
+                  <a:fillRect/>
+                </a:stretch>
+              </a:blipFill>
+            </p:spPr>
+            <p:txBody>
+              <a:bodyPr/>
+              <a:lstStyle/>
+              <a:p>
+                <a:r>
+                  <a:rPr lang="en-US">
+                    <a:noFill/>
+                  </a:rPr>
+                  <a:t> </a:t>
+                </a:r>
+              </a:p>
+            </p:txBody>
+          </p:sp>
+        </mc:Fallback>
+      </mc:AlternateContent>
+      <mc:AlternateContent xmlns:mc="http://schemas.openxmlformats.org/markup-compatibility/2006">
+        <mc:Choice xmlns:a14="http://schemas.microsoft.com/office/drawing/2010/main" Requires="a14">
+          <p:sp>
+            <p:nvSpPr>
+              <p:cNvPr id="42" name="TextBox 41">
+                <a:extLst>
+                  <a:ext uri="{FF2B5EF4-FFF2-40B4-BE49-F238E27FC236}">
+                    <a16:creationId xmlns:a16="http://schemas.microsoft.com/office/drawing/2014/main" id="{A23D8AA9-6060-864A-8D43-6F5747D0F69A}"/>
+                  </a:ext>
+                </a:extLst>
+              </p:cNvPr>
+              <p:cNvSpPr txBox="1"/>
+              <p:nvPr/>
+            </p:nvSpPr>
+            <p:spPr>
+              <a:xfrm>
+                <a:off x="1819029" y="1673903"/>
+                <a:ext cx="1071938" cy="406927"/>
+              </a:xfrm>
+              <a:prstGeom prst="rect">
+                <a:avLst/>
+              </a:prstGeom>
+              <a:noFill/>
+            </p:spPr>
+            <p:txBody>
+              <a:bodyPr wrap="square" rtlCol="0">
+                <a:spAutoFit/>
+              </a:bodyPr>
+              <a:lstStyle/>
+              <a:p>
+                <a:pPr/>
+                <a14:m>
+                  <m:oMathPara xmlns:m="http://schemas.openxmlformats.org/officeDocument/2006/math">
+                    <m:oMathParaPr>
+                      <m:jc m:val="centerGroup"/>
+                    </m:oMathParaPr>
+                    <m:oMath xmlns:m="http://schemas.openxmlformats.org/officeDocument/2006/math">
+                      <m:r>
+                        <a:rPr lang="en-US" i="1" smtClean="0">
+                          <a:latin typeface="Cambria Math" panose="02040503050406030204" pitchFamily="18" charset="0"/>
+                          <a:ea typeface="Cambria Math" panose="02040503050406030204" pitchFamily="18" charset="0"/>
+                        </a:rPr>
+                        <m:t>𝛿</m:t>
+                      </m:r>
+                      <m:r>
+                        <a:rPr lang="en-US" b="0" i="1" smtClean="0">
+                          <a:latin typeface="Cambria Math" panose="02040503050406030204" pitchFamily="18" charset="0"/>
+                          <a:ea typeface="Cambria Math" panose="02040503050406030204" pitchFamily="18" charset="0"/>
+                        </a:rPr>
+                        <m:t>=0.1</m:t>
+                      </m:r>
+                    </m:oMath>
+                  </m:oMathPara>
+                </a14:m>
+                <a:endParaRPr lang="en-US" dirty="0"/>
+              </a:p>
+            </p:txBody>
+          </p:sp>
+        </mc:Choice>
+        <mc:Fallback>
+          <p:sp>
+            <p:nvSpPr>
+              <p:cNvPr id="42" name="TextBox 41">
+                <a:extLst>
+                  <a:ext uri="{FF2B5EF4-FFF2-40B4-BE49-F238E27FC236}">
+                    <a16:creationId xmlns:a16="http://schemas.microsoft.com/office/drawing/2014/main" id="{A23D8AA9-6060-864A-8D43-6F5747D0F69A}"/>
+                  </a:ext>
+                </a:extLst>
+              </p:cNvPr>
+              <p:cNvSpPr txBox="1">
+                <a:spLocks noRot="1" noChangeAspect="1" noMove="1" noResize="1" noEditPoints="1" noAdjustHandles="1" noChangeArrowheads="1" noChangeShapeType="1" noTextEdit="1"/>
+              </p:cNvSpPr>
+              <p:nvPr/>
+            </p:nvSpPr>
+            <p:spPr>
+              <a:xfrm>
+                <a:off x="1819029" y="1673903"/>
+                <a:ext cx="1071938" cy="406927"/>
+              </a:xfrm>
+              <a:prstGeom prst="rect">
+                <a:avLst/>
+              </a:prstGeom>
+              <a:blipFill>
+                <a:blip r:embed="rId5"/>
+                <a:stretch>
+                  <a:fillRect/>
+                </a:stretch>
+              </a:blipFill>
+            </p:spPr>
+            <p:txBody>
+              <a:bodyPr/>
+              <a:lstStyle/>
+              <a:p>
+                <a:r>
+                  <a:rPr lang="en-US">
+                    <a:noFill/>
+                  </a:rPr>
+                  <a:t> </a:t>
+                </a:r>
+              </a:p>
+            </p:txBody>
+          </p:sp>
+        </mc:Fallback>
+      </mc:AlternateContent>
+      <p:pic>
+        <p:nvPicPr>
+          <p:cNvPr id="5" name="Picture 4">
+            <a:extLst>
+              <a:ext uri="{FF2B5EF4-FFF2-40B4-BE49-F238E27FC236}">
+                <a16:creationId xmlns:a16="http://schemas.microsoft.com/office/drawing/2014/main" id="{EF4C0675-44CD-5D4A-9CB2-37F7A3F8E249}"/>
+              </a:ext>
+            </a:extLst>
+          </p:cNvPr>
+          <p:cNvPicPr>
+            <a:picLocks noChangeAspect="1"/>
+          </p:cNvPicPr>
+          <p:nvPr/>
+        </p:nvPicPr>
+        <p:blipFill rotWithShape="1">
+          <a:blip r:embed="rId6"/>
+          <a:srcRect l="3019" t="48484" r="68384" b="10712"/>
+          <a:stretch/>
+        </p:blipFill>
+        <p:spPr>
+          <a:xfrm>
+            <a:off x="6871325" y="98536"/>
+            <a:ext cx="3526121" cy="3610435"/>
+          </a:xfrm>
+          <a:prstGeom prst="rect">
+            <a:avLst/>
+          </a:prstGeom>
+        </p:spPr>
+      </p:pic>
+      <p:sp>
+        <p:nvSpPr>
+          <p:cNvPr id="15" name="Oval 14">
+            <a:extLst>
+              <a:ext uri="{FF2B5EF4-FFF2-40B4-BE49-F238E27FC236}">
+                <a16:creationId xmlns:a16="http://schemas.microsoft.com/office/drawing/2014/main" id="{C03FD175-894D-714F-972E-31C61694FA73}"/>
+              </a:ext>
+            </a:extLst>
+          </p:cNvPr>
+          <p:cNvSpPr/>
+          <p:nvPr/>
+        </p:nvSpPr>
+        <p:spPr>
+          <a:xfrm rot="5400000">
+            <a:off x="5040627" y="1830240"/>
+            <a:ext cx="392560" cy="396192"/>
+          </a:xfrm>
+          <a:prstGeom prst="ellipse">
+            <a:avLst/>
+          </a:prstGeom>
+          <a:noFill/>
+          <a:ln>
+            <a:solidFill>
+              <a:srgbClr val="00B050"/>
+            </a:solidFill>
+          </a:ln>
+        </p:spPr>
+        <p:style>
+          <a:lnRef idx="2">
+            <a:schemeClr val="accent1">
+              <a:shade val="50000"/>
+            </a:schemeClr>
+          </a:lnRef>
+          <a:fillRef idx="1">
+            <a:schemeClr val="accent1"/>
+          </a:fillRef>
+          <a:effectRef idx="0">
+            <a:schemeClr val="accent1"/>
+          </a:effectRef>
+          <a:fontRef idx="minor">
+            <a:schemeClr val="lt1"/>
+          </a:fontRef>
+        </p:style>
+        <p:txBody>
+          <a:bodyPr rtlCol="0" anchor="ctr"/>
+          <a:lstStyle/>
+          <a:p>
+            <a:pPr algn="ctr"/>
+            <a:endParaRPr lang="en-US"/>
+          </a:p>
+        </p:txBody>
+      </p:sp>
     </p:spTree>
     <p:extLst>
       <p:ext uri="{BB962C8B-B14F-4D97-AF65-F5344CB8AC3E}">

--- a/journalWallFriction/pictures/pdf/deltadist.pptx
+++ b/journalWallFriction/pictures/pdf/deltadist.pptx
@@ -243,7 +243,7 @@
           <a:p>
             <a:fld id="{407377E9-B467-4349-A636-4ADCC9286FD9}" type="datetimeFigureOut">
               <a:rPr lang="en-US" smtClean="0"/>
-              <a:t>5/22/18</a:t>
+              <a:t>5/30/18</a:t>
             </a:fld>
             <a:endParaRPr lang="en-US"/>
           </a:p>
@@ -413,7 +413,7 @@
           <a:p>
             <a:fld id="{407377E9-B467-4349-A636-4ADCC9286FD9}" type="datetimeFigureOut">
               <a:rPr lang="en-US" smtClean="0"/>
-              <a:t>5/22/18</a:t>
+              <a:t>5/30/18</a:t>
             </a:fld>
             <a:endParaRPr lang="en-US"/>
           </a:p>
@@ -593,7 +593,7 @@
           <a:p>
             <a:fld id="{407377E9-B467-4349-A636-4ADCC9286FD9}" type="datetimeFigureOut">
               <a:rPr lang="en-US" smtClean="0"/>
-              <a:t>5/22/18</a:t>
+              <a:t>5/30/18</a:t>
             </a:fld>
             <a:endParaRPr lang="en-US"/>
           </a:p>
@@ -763,7 +763,7 @@
           <a:p>
             <a:fld id="{407377E9-B467-4349-A636-4ADCC9286FD9}" type="datetimeFigureOut">
               <a:rPr lang="en-US" smtClean="0"/>
-              <a:t>5/22/18</a:t>
+              <a:t>5/30/18</a:t>
             </a:fld>
             <a:endParaRPr lang="en-US"/>
           </a:p>
@@ -1009,7 +1009,7 @@
           <a:p>
             <a:fld id="{407377E9-B467-4349-A636-4ADCC9286FD9}" type="datetimeFigureOut">
               <a:rPr lang="en-US" smtClean="0"/>
-              <a:t>5/22/18</a:t>
+              <a:t>5/30/18</a:t>
             </a:fld>
             <a:endParaRPr lang="en-US"/>
           </a:p>
@@ -1241,7 +1241,7 @@
           <a:p>
             <a:fld id="{407377E9-B467-4349-A636-4ADCC9286FD9}" type="datetimeFigureOut">
               <a:rPr lang="en-US" smtClean="0"/>
-              <a:t>5/22/18</a:t>
+              <a:t>5/30/18</a:t>
             </a:fld>
             <a:endParaRPr lang="en-US"/>
           </a:p>
@@ -1608,7 +1608,7 @@
           <a:p>
             <a:fld id="{407377E9-B467-4349-A636-4ADCC9286FD9}" type="datetimeFigureOut">
               <a:rPr lang="en-US" smtClean="0"/>
-              <a:t>5/22/18</a:t>
+              <a:t>5/30/18</a:t>
             </a:fld>
             <a:endParaRPr lang="en-US"/>
           </a:p>
@@ -1726,7 +1726,7 @@
           <a:p>
             <a:fld id="{407377E9-B467-4349-A636-4ADCC9286FD9}" type="datetimeFigureOut">
               <a:rPr lang="en-US" smtClean="0"/>
-              <a:t>5/22/18</a:t>
+              <a:t>5/30/18</a:t>
             </a:fld>
             <a:endParaRPr lang="en-US"/>
           </a:p>
@@ -1821,7 +1821,7 @@
           <a:p>
             <a:fld id="{407377E9-B467-4349-A636-4ADCC9286FD9}" type="datetimeFigureOut">
               <a:rPr lang="en-US" smtClean="0"/>
-              <a:t>5/22/18</a:t>
+              <a:t>5/30/18</a:t>
             </a:fld>
             <a:endParaRPr lang="en-US"/>
           </a:p>
@@ -2098,7 +2098,7 @@
           <a:p>
             <a:fld id="{407377E9-B467-4349-A636-4ADCC9286FD9}" type="datetimeFigureOut">
               <a:rPr lang="en-US" smtClean="0"/>
-              <a:t>5/22/18</a:t>
+              <a:t>5/30/18</a:t>
             </a:fld>
             <a:endParaRPr lang="en-US"/>
           </a:p>
@@ -2355,7 +2355,7 @@
           <a:p>
             <a:fld id="{407377E9-B467-4349-A636-4ADCC9286FD9}" type="datetimeFigureOut">
               <a:rPr lang="en-US" smtClean="0"/>
-              <a:t>5/22/18</a:t>
+              <a:t>5/30/18</a:t>
             </a:fld>
             <a:endParaRPr lang="en-US"/>
           </a:p>
@@ -2568,7 +2568,7 @@
           <a:p>
             <a:fld id="{407377E9-B467-4349-A636-4ADCC9286FD9}" type="datetimeFigureOut">
               <a:rPr lang="en-US" smtClean="0"/>
-              <a:t>5/22/18</a:t>
+              <a:t>5/30/18</a:t>
             </a:fld>
             <a:endParaRPr lang="en-US"/>
           </a:p>
@@ -2973,35 +2973,58 @@
           <a:chExt cx="0" cy="0"/>
         </a:xfrm>
       </p:grpSpPr>
-      <p:pic>
-        <p:nvPicPr>
-          <p:cNvPr id="3" name="Picture 2">
+      <p:sp>
+        <p:nvSpPr>
+          <p:cNvPr id="30" name="Oval 29">
             <a:extLst>
               <a:ext uri="{FF2B5EF4-FFF2-40B4-BE49-F238E27FC236}">
-                <a16:creationId xmlns:a16="http://schemas.microsoft.com/office/drawing/2014/main" id="{E6AD829B-819B-524C-A58D-90F58AD8C1F2}"/>
+                <a16:creationId xmlns:a16="http://schemas.microsoft.com/office/drawing/2014/main" id="{8F4D371F-17A6-9045-BFB7-334812377D8E}"/>
               </a:ext>
             </a:extLst>
           </p:cNvPr>
-          <p:cNvPicPr>
-            <a:picLocks noChangeAspect="1"/>
-          </p:cNvPicPr>
+          <p:cNvSpPr/>
           <p:nvPr/>
-        </p:nvPicPr>
-        <p:blipFill rotWithShape="1">
-          <a:blip r:embed="rId2"/>
-          <a:srcRect l="2901" t="48853" r="68501" b="10344"/>
-          <a:stretch/>
-        </p:blipFill>
+        </p:nvSpPr>
         <p:spPr>
           <a:xfrm>
-            <a:off x="1746607" y="209538"/>
-            <a:ext cx="3598327" cy="3684368"/>
+            <a:off x="4444423" y="4150760"/>
+            <a:ext cx="117303" cy="123290"/>
           </a:xfrm>
-          <a:prstGeom prst="rect">
+          <a:prstGeom prst="ellipse">
             <a:avLst/>
           </a:prstGeom>
+          <a:solidFill>
+            <a:srgbClr val="92D050"/>
+          </a:solidFill>
+          <a:ln>
+            <a:noFill/>
+          </a:ln>
         </p:spPr>
-      </p:pic>
+        <p:style>
+          <a:lnRef idx="2">
+            <a:schemeClr val="accent1">
+              <a:shade val="50000"/>
+            </a:schemeClr>
+          </a:lnRef>
+          <a:fillRef idx="1">
+            <a:schemeClr val="accent1"/>
+          </a:fillRef>
+          <a:effectRef idx="0">
+            <a:schemeClr val="accent1"/>
+          </a:effectRef>
+          <a:fontRef idx="minor">
+            <a:schemeClr val="lt1"/>
+          </a:fontRef>
+        </p:style>
+        <p:txBody>
+          <a:bodyPr rtlCol="0" anchor="ctr"/>
+          <a:lstStyle/>
+          <a:p>
+            <a:pPr algn="ctr"/>
+            <a:endParaRPr lang="en-US"/>
+          </a:p>
+        </p:txBody>
+      </p:sp>
       <p:pic>
         <p:nvPicPr>
           <p:cNvPr id="34" name="Picture 33">
@@ -3017,14 +3040,14 @@
           <p:nvPr/>
         </p:nvPicPr>
         <p:blipFill>
-          <a:blip r:embed="rId3"/>
+          <a:blip r:embed="rId2"/>
           <a:stretch>
             <a:fillRect/>
           </a:stretch>
         </p:blipFill>
         <p:spPr>
           <a:xfrm>
-            <a:off x="184920" y="20549"/>
+            <a:off x="112989" y="290832"/>
             <a:ext cx="10644027" cy="6912833"/>
           </a:xfrm>
           <a:prstGeom prst="rect">
@@ -3046,7 +3069,7 @@
         </p:nvSpPr>
         <p:spPr>
           <a:xfrm>
-            <a:off x="5530467" y="1654274"/>
+            <a:off x="5530249" y="1144317"/>
             <a:ext cx="1298166" cy="798618"/>
           </a:xfrm>
           <a:prstGeom prst="rightArrow">
@@ -3084,66 +3107,963 @@
           </a:p>
         </p:txBody>
       </p:sp>
-      <p:sp>
-        <p:nvSpPr>
-          <p:cNvPr id="40" name="Oval 39">
+      <p:pic>
+        <p:nvPicPr>
+          <p:cNvPr id="5" name="Picture 4">
             <a:extLst>
               <a:ext uri="{FF2B5EF4-FFF2-40B4-BE49-F238E27FC236}">
-                <a16:creationId xmlns:a16="http://schemas.microsoft.com/office/drawing/2014/main" id="{C5A8BA84-920F-3944-B135-6A1D6A68DC69}"/>
+                <a16:creationId xmlns:a16="http://schemas.microsoft.com/office/drawing/2014/main" id="{EF4C0675-44CD-5D4A-9CB2-37F7A3F8E249}"/>
               </a:ext>
             </a:extLst>
           </p:cNvPr>
-          <p:cNvSpPr/>
+          <p:cNvPicPr>
+            <a:picLocks noChangeAspect="1"/>
+          </p:cNvPicPr>
           <p:nvPr/>
-        </p:nvSpPr>
+        </p:nvPicPr>
+        <p:blipFill rotWithShape="1">
+          <a:blip r:embed="rId3"/>
+          <a:srcRect l="3019" t="48484" r="68384" b="10712"/>
+          <a:stretch/>
+        </p:blipFill>
         <p:spPr>
-          <a:xfrm rot="5400000">
-            <a:off x="1698831" y="1908152"/>
-            <a:ext cx="392560" cy="396192"/>
+          <a:xfrm>
+            <a:off x="6871326" y="98537"/>
+            <a:ext cx="3006014" cy="3077892"/>
           </a:xfrm>
-          <a:prstGeom prst="ellipse">
+          <a:prstGeom prst="rect">
             <a:avLst/>
           </a:prstGeom>
-          <a:noFill/>
-          <a:ln>
+        </p:spPr>
+      </p:pic>
+      <p:grpSp>
+        <p:nvGrpSpPr>
+          <p:cNvPr id="13" name="Group 12">
+            <a:extLst>
+              <a:ext uri="{FF2B5EF4-FFF2-40B4-BE49-F238E27FC236}">
+                <a16:creationId xmlns:a16="http://schemas.microsoft.com/office/drawing/2014/main" id="{A6B7ACA8-41DE-514D-B234-84665B558061}"/>
+              </a:ext>
+            </a:extLst>
+          </p:cNvPr>
+          <p:cNvGrpSpPr/>
+          <p:nvPr/>
+        </p:nvGrpSpPr>
+        <p:grpSpPr>
+          <a:xfrm>
+            <a:off x="2425699" y="209538"/>
+            <a:ext cx="3009303" cy="2966891"/>
+            <a:chOff x="1697015" y="209538"/>
+            <a:chExt cx="3737988" cy="3684368"/>
+          </a:xfrm>
+        </p:grpSpPr>
+        <p:pic>
+          <p:nvPicPr>
+            <p:cNvPr id="3" name="Picture 2">
+              <a:extLst>
+                <a:ext uri="{FF2B5EF4-FFF2-40B4-BE49-F238E27FC236}">
+                  <a16:creationId xmlns:a16="http://schemas.microsoft.com/office/drawing/2014/main" id="{E6AD829B-819B-524C-A58D-90F58AD8C1F2}"/>
+                </a:ext>
+              </a:extLst>
+            </p:cNvPr>
+            <p:cNvPicPr>
+              <a:picLocks noChangeAspect="1"/>
+            </p:cNvPicPr>
+            <p:nvPr/>
+          </p:nvPicPr>
+          <p:blipFill rotWithShape="1">
+            <a:blip r:embed="rId4"/>
+            <a:srcRect l="2901" t="48853" r="68501" b="10344"/>
+            <a:stretch/>
+          </p:blipFill>
+          <p:spPr>
+            <a:xfrm>
+              <a:off x="1746607" y="209538"/>
+              <a:ext cx="3598327" cy="3684368"/>
+            </a:xfrm>
+            <a:prstGeom prst="rect">
+              <a:avLst/>
+            </a:prstGeom>
+          </p:spPr>
+        </p:pic>
+        <p:sp>
+          <p:nvSpPr>
+            <p:cNvPr id="40" name="Oval 39">
+              <a:extLst>
+                <a:ext uri="{FF2B5EF4-FFF2-40B4-BE49-F238E27FC236}">
+                  <a16:creationId xmlns:a16="http://schemas.microsoft.com/office/drawing/2014/main" id="{C5A8BA84-920F-3944-B135-6A1D6A68DC69}"/>
+                </a:ext>
+              </a:extLst>
+            </p:cNvPr>
+            <p:cNvSpPr/>
+            <p:nvPr/>
+          </p:nvSpPr>
+          <p:spPr>
+            <a:xfrm rot="5400000">
+              <a:off x="1698831" y="1908152"/>
+              <a:ext cx="392560" cy="396192"/>
+            </a:xfrm>
+            <a:prstGeom prst="ellipse">
+              <a:avLst/>
+            </a:prstGeom>
+            <a:noFill/>
+            <a:ln>
+              <a:solidFill>
+                <a:srgbClr val="00B050"/>
+              </a:solidFill>
+            </a:ln>
+          </p:spPr>
+          <p:style>
+            <a:lnRef idx="2">
+              <a:schemeClr val="accent1">
+                <a:shade val="50000"/>
+              </a:schemeClr>
+            </a:lnRef>
+            <a:fillRef idx="1">
+              <a:schemeClr val="accent1"/>
+            </a:fillRef>
+            <a:effectRef idx="0">
+              <a:schemeClr val="accent1"/>
+            </a:effectRef>
+            <a:fontRef idx="minor">
+              <a:schemeClr val="lt1"/>
+            </a:fontRef>
+          </p:style>
+          <p:txBody>
+            <a:bodyPr rtlCol="0" anchor="ctr"/>
+            <a:lstStyle/>
+            <a:p>
+              <a:pPr algn="ctr"/>
+              <a:endParaRPr lang="en-US"/>
+            </a:p>
+          </p:txBody>
+        </p:sp>
+        <mc:AlternateContent xmlns:mc="http://schemas.openxmlformats.org/markup-compatibility/2006">
+          <mc:Choice xmlns:a14="http://schemas.microsoft.com/office/drawing/2010/main" Requires="a14">
+            <p:sp>
+              <p:nvSpPr>
+                <p:cNvPr id="41" name="TextBox 40">
+                  <a:extLst>
+                    <a:ext uri="{FF2B5EF4-FFF2-40B4-BE49-F238E27FC236}">
+                      <a16:creationId xmlns:a16="http://schemas.microsoft.com/office/drawing/2014/main" id="{DADE6AA2-3F6E-9041-87A4-61711C5B1667}"/>
+                    </a:ext>
+                  </a:extLst>
+                </p:cNvPr>
+                <p:cNvSpPr txBox="1"/>
+                <p:nvPr/>
+              </p:nvSpPr>
+              <p:spPr>
+                <a:xfrm>
+                  <a:off x="4230085" y="2039705"/>
+                  <a:ext cx="1071938" cy="406927"/>
+                </a:xfrm>
+                <a:prstGeom prst="rect">
+                  <a:avLst/>
+                </a:prstGeom>
+                <a:noFill/>
+              </p:spPr>
+              <p:txBody>
+                <a:bodyPr wrap="square" rtlCol="0">
+                  <a:spAutoFit/>
+                </a:bodyPr>
+                <a:lstStyle/>
+                <a:p>
+                  <a:pPr/>
+                  <a14:m>
+                    <m:oMathPara xmlns:m="http://schemas.openxmlformats.org/officeDocument/2006/math">
+                      <m:oMathParaPr>
+                        <m:jc m:val="centerGroup"/>
+                      </m:oMathParaPr>
+                      <m:oMath xmlns:m="http://schemas.openxmlformats.org/officeDocument/2006/math">
+                        <m:r>
+                          <a:rPr lang="en-US" i="1" smtClean="0">
+                            <a:latin typeface="Cambria Math" panose="02040503050406030204" pitchFamily="18" charset="0"/>
+                            <a:ea typeface="Cambria Math" panose="02040503050406030204" pitchFamily="18" charset="0"/>
+                          </a:rPr>
+                          <m:t>𝛿</m:t>
+                        </m:r>
+                        <m:r>
+                          <a:rPr lang="en-US" b="0" i="1" smtClean="0">
+                            <a:latin typeface="Cambria Math" panose="02040503050406030204" pitchFamily="18" charset="0"/>
+                            <a:ea typeface="Cambria Math" panose="02040503050406030204" pitchFamily="18" charset="0"/>
+                          </a:rPr>
+                          <m:t>=0.1</m:t>
+                        </m:r>
+                      </m:oMath>
+                    </m:oMathPara>
+                  </a14:m>
+                  <a:endParaRPr lang="en-US" dirty="0"/>
+                </a:p>
+              </p:txBody>
+            </p:sp>
+          </mc:Choice>
+          <mc:Fallback>
+            <p:sp>
+              <p:nvSpPr>
+                <p:cNvPr id="41" name="TextBox 40">
+                  <a:extLst>
+                    <a:ext uri="{FF2B5EF4-FFF2-40B4-BE49-F238E27FC236}">
+                      <a16:creationId xmlns:a16="http://schemas.microsoft.com/office/drawing/2014/main" id="{DADE6AA2-3F6E-9041-87A4-61711C5B1667}"/>
+                    </a:ext>
+                  </a:extLst>
+                </p:cNvPr>
+                <p:cNvSpPr txBox="1">
+                  <a:spLocks noRot="1" noChangeAspect="1" noMove="1" noResize="1" noEditPoints="1" noAdjustHandles="1" noChangeArrowheads="1" noChangeShapeType="1" noTextEdit="1"/>
+                </p:cNvSpPr>
+                <p:nvPr/>
+              </p:nvSpPr>
+              <p:spPr>
+                <a:xfrm>
+                  <a:off x="4230085" y="2039705"/>
+                  <a:ext cx="1071938" cy="406927"/>
+                </a:xfrm>
+                <a:prstGeom prst="rect">
+                  <a:avLst/>
+                </a:prstGeom>
+                <a:blipFill>
+                  <a:blip r:embed="rId5"/>
+                  <a:stretch>
+                    <a:fillRect b="-84615"/>
+                  </a:stretch>
+                </a:blipFill>
+              </p:spPr>
+              <p:txBody>
+                <a:bodyPr/>
+                <a:lstStyle/>
+                <a:p>
+                  <a:r>
+                    <a:rPr lang="en-US">
+                      <a:noFill/>
+                    </a:rPr>
+                    <a:t> </a:t>
+                  </a:r>
+                </a:p>
+              </p:txBody>
+            </p:sp>
+          </mc:Fallback>
+        </mc:AlternateContent>
+        <mc:AlternateContent xmlns:mc="http://schemas.openxmlformats.org/markup-compatibility/2006">
+          <mc:Choice xmlns:a14="http://schemas.microsoft.com/office/drawing/2010/main" Requires="a14">
+            <p:sp>
+              <p:nvSpPr>
+                <p:cNvPr id="42" name="TextBox 41">
+                  <a:extLst>
+                    <a:ext uri="{FF2B5EF4-FFF2-40B4-BE49-F238E27FC236}">
+                      <a16:creationId xmlns:a16="http://schemas.microsoft.com/office/drawing/2014/main" id="{A23D8AA9-6060-864A-8D43-6F5747D0F69A}"/>
+                    </a:ext>
+                  </a:extLst>
+                </p:cNvPr>
+                <p:cNvSpPr txBox="1"/>
+                <p:nvPr/>
+              </p:nvSpPr>
+              <p:spPr>
+                <a:xfrm>
+                  <a:off x="1819029" y="1673903"/>
+                  <a:ext cx="1071938" cy="406927"/>
+                </a:xfrm>
+                <a:prstGeom prst="rect">
+                  <a:avLst/>
+                </a:prstGeom>
+                <a:noFill/>
+              </p:spPr>
+              <p:txBody>
+                <a:bodyPr wrap="square" rtlCol="0">
+                  <a:spAutoFit/>
+                </a:bodyPr>
+                <a:lstStyle/>
+                <a:p>
+                  <a:pPr/>
+                  <a14:m>
+                    <m:oMathPara xmlns:m="http://schemas.openxmlformats.org/officeDocument/2006/math">
+                      <m:oMathParaPr>
+                        <m:jc m:val="centerGroup"/>
+                      </m:oMathParaPr>
+                      <m:oMath xmlns:m="http://schemas.openxmlformats.org/officeDocument/2006/math">
+                        <m:r>
+                          <a:rPr lang="en-US" i="1" smtClean="0">
+                            <a:latin typeface="Cambria Math" panose="02040503050406030204" pitchFamily="18" charset="0"/>
+                            <a:ea typeface="Cambria Math" panose="02040503050406030204" pitchFamily="18" charset="0"/>
+                          </a:rPr>
+                          <m:t>𝛿</m:t>
+                        </m:r>
+                        <m:r>
+                          <a:rPr lang="en-US" b="0" i="1" smtClean="0">
+                            <a:latin typeface="Cambria Math" panose="02040503050406030204" pitchFamily="18" charset="0"/>
+                            <a:ea typeface="Cambria Math" panose="02040503050406030204" pitchFamily="18" charset="0"/>
+                          </a:rPr>
+                          <m:t>=0.1</m:t>
+                        </m:r>
+                      </m:oMath>
+                    </m:oMathPara>
+                  </a14:m>
+                  <a:endParaRPr lang="en-US" dirty="0"/>
+                </a:p>
+              </p:txBody>
+            </p:sp>
+          </mc:Choice>
+          <mc:Fallback>
+            <p:sp>
+              <p:nvSpPr>
+                <p:cNvPr id="42" name="TextBox 41">
+                  <a:extLst>
+                    <a:ext uri="{FF2B5EF4-FFF2-40B4-BE49-F238E27FC236}">
+                      <a16:creationId xmlns:a16="http://schemas.microsoft.com/office/drawing/2014/main" id="{A23D8AA9-6060-864A-8D43-6F5747D0F69A}"/>
+                    </a:ext>
+                  </a:extLst>
+                </p:cNvPr>
+                <p:cNvSpPr txBox="1">
+                  <a:spLocks noRot="1" noChangeAspect="1" noMove="1" noResize="1" noEditPoints="1" noAdjustHandles="1" noChangeArrowheads="1" noChangeShapeType="1" noTextEdit="1"/>
+                </p:cNvSpPr>
+                <p:nvPr/>
+              </p:nvSpPr>
+              <p:spPr>
+                <a:xfrm>
+                  <a:off x="1819029" y="1673903"/>
+                  <a:ext cx="1071938" cy="406927"/>
+                </a:xfrm>
+                <a:prstGeom prst="rect">
+                  <a:avLst/>
+                </a:prstGeom>
+                <a:blipFill>
+                  <a:blip r:embed="rId6"/>
+                  <a:stretch>
+                    <a:fillRect b="-77778"/>
+                  </a:stretch>
+                </a:blipFill>
+              </p:spPr>
+              <p:txBody>
+                <a:bodyPr/>
+                <a:lstStyle/>
+                <a:p>
+                  <a:r>
+                    <a:rPr lang="en-US">
+                      <a:noFill/>
+                    </a:rPr>
+                    <a:t> </a:t>
+                  </a:r>
+                </a:p>
+              </p:txBody>
+            </p:sp>
+          </mc:Fallback>
+        </mc:AlternateContent>
+        <p:sp>
+          <p:nvSpPr>
+            <p:cNvPr id="15" name="Oval 14">
+              <a:extLst>
+                <a:ext uri="{FF2B5EF4-FFF2-40B4-BE49-F238E27FC236}">
+                  <a16:creationId xmlns:a16="http://schemas.microsoft.com/office/drawing/2014/main" id="{C03FD175-894D-714F-972E-31C61694FA73}"/>
+                </a:ext>
+              </a:extLst>
+            </p:cNvPr>
+            <p:cNvSpPr/>
+            <p:nvPr/>
+          </p:nvSpPr>
+          <p:spPr>
+            <a:xfrm rot="5400000">
+              <a:off x="5040627" y="1830240"/>
+              <a:ext cx="392560" cy="396192"/>
+            </a:xfrm>
+            <a:prstGeom prst="ellipse">
+              <a:avLst/>
+            </a:prstGeom>
+            <a:noFill/>
+            <a:ln>
+              <a:solidFill>
+                <a:srgbClr val="00B050"/>
+              </a:solidFill>
+            </a:ln>
+          </p:spPr>
+          <p:style>
+            <a:lnRef idx="2">
+              <a:schemeClr val="accent1">
+                <a:shade val="50000"/>
+              </a:schemeClr>
+            </a:lnRef>
+            <a:fillRef idx="1">
+              <a:schemeClr val="accent1"/>
+            </a:fillRef>
+            <a:effectRef idx="0">
+              <a:schemeClr val="accent1"/>
+            </a:effectRef>
+            <a:fontRef idx="minor">
+              <a:schemeClr val="lt1"/>
+            </a:fontRef>
+          </p:style>
+          <p:txBody>
+            <a:bodyPr rtlCol="0" anchor="ctr"/>
+            <a:lstStyle/>
+            <a:p>
+              <a:pPr algn="ctr"/>
+              <a:endParaRPr lang="en-US"/>
+            </a:p>
+          </p:txBody>
+        </p:sp>
+      </p:grpSp>
+      <p:grpSp>
+        <p:nvGrpSpPr>
+          <p:cNvPr id="28" name="Group 27">
+            <a:extLst>
+              <a:ext uri="{FF2B5EF4-FFF2-40B4-BE49-F238E27FC236}">
+                <a16:creationId xmlns:a16="http://schemas.microsoft.com/office/drawing/2014/main" id="{B7AD66B5-5F48-0B4F-93C2-20F1114AC627}"/>
+              </a:ext>
+            </a:extLst>
+          </p:cNvPr>
+          <p:cNvGrpSpPr/>
+          <p:nvPr/>
+        </p:nvGrpSpPr>
+        <p:grpSpPr>
+          <a:xfrm>
+            <a:off x="4472299" y="2960675"/>
+            <a:ext cx="2627135" cy="2634376"/>
+            <a:chOff x="6845638" y="2959337"/>
+            <a:chExt cx="2885880" cy="2851468"/>
+          </a:xfrm>
+        </p:grpSpPr>
+        <p:sp>
+          <p:nvSpPr>
+            <p:cNvPr id="12" name="Oval 11">
+              <a:extLst>
+                <a:ext uri="{FF2B5EF4-FFF2-40B4-BE49-F238E27FC236}">
+                  <a16:creationId xmlns:a16="http://schemas.microsoft.com/office/drawing/2014/main" id="{2273E44C-B909-2945-B51B-8E048EC22BDD}"/>
+                </a:ext>
+              </a:extLst>
+            </p:cNvPr>
+            <p:cNvSpPr/>
+            <p:nvPr/>
+          </p:nvSpPr>
+          <p:spPr>
+            <a:xfrm>
+              <a:off x="6871325" y="2959337"/>
+              <a:ext cx="2860193" cy="2851468"/>
+            </a:xfrm>
+            <a:prstGeom prst="ellipse">
+              <a:avLst/>
+            </a:prstGeom>
+            <a:noFill/>
+            <a:ln>
+              <a:solidFill>
+                <a:schemeClr val="tx1"/>
+              </a:solidFill>
+            </a:ln>
+          </p:spPr>
+          <p:style>
+            <a:lnRef idx="2">
+              <a:schemeClr val="accent1">
+                <a:shade val="50000"/>
+              </a:schemeClr>
+            </a:lnRef>
+            <a:fillRef idx="1">
+              <a:schemeClr val="accent1"/>
+            </a:fillRef>
+            <a:effectRef idx="0">
+              <a:schemeClr val="accent1"/>
+            </a:effectRef>
+            <a:fontRef idx="minor">
+              <a:schemeClr val="lt1"/>
+            </a:fontRef>
+          </p:style>
+          <p:txBody>
+            <a:bodyPr rtlCol="0" anchor="ctr"/>
+            <a:lstStyle/>
+            <a:p>
+              <a:pPr algn="ctr"/>
+              <a:endParaRPr lang="en-US"/>
+            </a:p>
+          </p:txBody>
+        </p:sp>
+        <p:sp>
+          <p:nvSpPr>
+            <p:cNvPr id="14" name="Rectangle 13">
+              <a:extLst>
+                <a:ext uri="{FF2B5EF4-FFF2-40B4-BE49-F238E27FC236}">
+                  <a16:creationId xmlns:a16="http://schemas.microsoft.com/office/drawing/2014/main" id="{9D901AD2-015E-6943-928B-25992E66B358}"/>
+                </a:ext>
+              </a:extLst>
+            </p:cNvPr>
+            <p:cNvSpPr/>
+            <p:nvPr/>
+          </p:nvSpPr>
+          <p:spPr>
+            <a:xfrm>
+              <a:off x="8556272" y="3747249"/>
+              <a:ext cx="73598" cy="73152"/>
+            </a:xfrm>
+            <a:prstGeom prst="rect">
+              <a:avLst/>
+            </a:prstGeom>
             <a:solidFill>
               <a:srgbClr val="00B050"/>
             </a:solidFill>
-          </a:ln>
-        </p:spPr>
-        <p:style>
-          <a:lnRef idx="2">
-            <a:schemeClr val="accent1">
-              <a:shade val="50000"/>
-            </a:schemeClr>
-          </a:lnRef>
-          <a:fillRef idx="1">
-            <a:schemeClr val="accent1"/>
-          </a:fillRef>
-          <a:effectRef idx="0">
-            <a:schemeClr val="accent1"/>
-          </a:effectRef>
-          <a:fontRef idx="minor">
-            <a:schemeClr val="lt1"/>
-          </a:fontRef>
-        </p:style>
-        <p:txBody>
-          <a:bodyPr rtlCol="0" anchor="ctr"/>
-          <a:lstStyle/>
-          <a:p>
-            <a:pPr algn="ctr"/>
-            <a:endParaRPr lang="en-US"/>
-          </a:p>
-        </p:txBody>
-      </p:sp>
+            <a:ln>
+              <a:noFill/>
+            </a:ln>
+          </p:spPr>
+          <p:style>
+            <a:lnRef idx="2">
+              <a:schemeClr val="accent1">
+                <a:shade val="50000"/>
+              </a:schemeClr>
+            </a:lnRef>
+            <a:fillRef idx="1">
+              <a:schemeClr val="accent1"/>
+            </a:fillRef>
+            <a:effectRef idx="0">
+              <a:schemeClr val="accent1"/>
+            </a:effectRef>
+            <a:fontRef idx="minor">
+              <a:schemeClr val="lt1"/>
+            </a:fontRef>
+          </p:style>
+          <p:txBody>
+            <a:bodyPr rtlCol="0" anchor="ctr"/>
+            <a:lstStyle/>
+            <a:p>
+              <a:pPr algn="ctr"/>
+              <a:endParaRPr lang="en-US"/>
+            </a:p>
+          </p:txBody>
+        </p:sp>
+        <p:sp>
+          <p:nvSpPr>
+            <p:cNvPr id="21" name="Rectangle 20">
+              <a:extLst>
+                <a:ext uri="{FF2B5EF4-FFF2-40B4-BE49-F238E27FC236}">
+                  <a16:creationId xmlns:a16="http://schemas.microsoft.com/office/drawing/2014/main" id="{CCD4ADBD-314A-B14F-A4C7-099CA54DD0AB}"/>
+                </a:ext>
+              </a:extLst>
+            </p:cNvPr>
+            <p:cNvSpPr/>
+            <p:nvPr/>
+          </p:nvSpPr>
+          <p:spPr>
+            <a:xfrm>
+              <a:off x="7486051" y="4166773"/>
+              <a:ext cx="73598" cy="73152"/>
+            </a:xfrm>
+            <a:prstGeom prst="rect">
+              <a:avLst/>
+            </a:prstGeom>
+            <a:solidFill>
+              <a:srgbClr val="00B050"/>
+            </a:solidFill>
+            <a:ln>
+              <a:noFill/>
+            </a:ln>
+          </p:spPr>
+          <p:style>
+            <a:lnRef idx="2">
+              <a:schemeClr val="accent1">
+                <a:shade val="50000"/>
+              </a:schemeClr>
+            </a:lnRef>
+            <a:fillRef idx="1">
+              <a:schemeClr val="accent1"/>
+            </a:fillRef>
+            <a:effectRef idx="0">
+              <a:schemeClr val="accent1"/>
+            </a:effectRef>
+            <a:fontRef idx="minor">
+              <a:schemeClr val="lt1"/>
+            </a:fontRef>
+          </p:style>
+          <p:txBody>
+            <a:bodyPr rtlCol="0" anchor="ctr"/>
+            <a:lstStyle/>
+            <a:p>
+              <a:pPr algn="ctr"/>
+              <a:endParaRPr lang="en-US"/>
+            </a:p>
+          </p:txBody>
+        </p:sp>
+        <p:sp>
+          <p:nvSpPr>
+            <p:cNvPr id="22" name="Rectangle 21">
+              <a:extLst>
+                <a:ext uri="{FF2B5EF4-FFF2-40B4-BE49-F238E27FC236}">
+                  <a16:creationId xmlns:a16="http://schemas.microsoft.com/office/drawing/2014/main" id="{CB7D7BC6-2C44-CC41-96EB-E90CE4311B93}"/>
+                </a:ext>
+              </a:extLst>
+            </p:cNvPr>
+            <p:cNvSpPr/>
+            <p:nvPr/>
+          </p:nvSpPr>
+          <p:spPr>
+            <a:xfrm>
+              <a:off x="7260022" y="4423628"/>
+              <a:ext cx="73598" cy="73152"/>
+            </a:xfrm>
+            <a:prstGeom prst="rect">
+              <a:avLst/>
+            </a:prstGeom>
+            <a:solidFill>
+              <a:srgbClr val="00B050"/>
+            </a:solidFill>
+            <a:ln>
+              <a:noFill/>
+            </a:ln>
+          </p:spPr>
+          <p:style>
+            <a:lnRef idx="2">
+              <a:schemeClr val="accent1">
+                <a:shade val="50000"/>
+              </a:schemeClr>
+            </a:lnRef>
+            <a:fillRef idx="1">
+              <a:schemeClr val="accent1"/>
+            </a:fillRef>
+            <a:effectRef idx="0">
+              <a:schemeClr val="accent1"/>
+            </a:effectRef>
+            <a:fontRef idx="minor">
+              <a:schemeClr val="lt1"/>
+            </a:fontRef>
+          </p:style>
+          <p:txBody>
+            <a:bodyPr rtlCol="0" anchor="ctr"/>
+            <a:lstStyle/>
+            <a:p>
+              <a:pPr algn="ctr"/>
+              <a:endParaRPr lang="en-US"/>
+            </a:p>
+          </p:txBody>
+        </p:sp>
+        <p:sp>
+          <p:nvSpPr>
+            <p:cNvPr id="23" name="Rectangle 22">
+              <a:extLst>
+                <a:ext uri="{FF2B5EF4-FFF2-40B4-BE49-F238E27FC236}">
+                  <a16:creationId xmlns:a16="http://schemas.microsoft.com/office/drawing/2014/main" id="{48339405-717D-4A44-AEB2-6D9BB11CE038}"/>
+                </a:ext>
+              </a:extLst>
+            </p:cNvPr>
+            <p:cNvSpPr/>
+            <p:nvPr/>
+          </p:nvSpPr>
+          <p:spPr>
+            <a:xfrm>
+              <a:off x="7105911" y="4207870"/>
+              <a:ext cx="73598" cy="73152"/>
+            </a:xfrm>
+            <a:prstGeom prst="rect">
+              <a:avLst/>
+            </a:prstGeom>
+            <a:solidFill>
+              <a:srgbClr val="00B050"/>
+            </a:solidFill>
+            <a:ln>
+              <a:noFill/>
+            </a:ln>
+          </p:spPr>
+          <p:style>
+            <a:lnRef idx="2">
+              <a:schemeClr val="accent1">
+                <a:shade val="50000"/>
+              </a:schemeClr>
+            </a:lnRef>
+            <a:fillRef idx="1">
+              <a:schemeClr val="accent1"/>
+            </a:fillRef>
+            <a:effectRef idx="0">
+              <a:schemeClr val="accent1"/>
+            </a:effectRef>
+            <a:fontRef idx="minor">
+              <a:schemeClr val="lt1"/>
+            </a:fontRef>
+          </p:style>
+          <p:txBody>
+            <a:bodyPr rtlCol="0" anchor="ctr"/>
+            <a:lstStyle/>
+            <a:p>
+              <a:pPr algn="ctr"/>
+              <a:endParaRPr lang="en-US"/>
+            </a:p>
+          </p:txBody>
+        </p:sp>
+        <p:sp>
+          <p:nvSpPr>
+            <p:cNvPr id="24" name="Rectangle 23">
+              <a:extLst>
+                <a:ext uri="{FF2B5EF4-FFF2-40B4-BE49-F238E27FC236}">
+                  <a16:creationId xmlns:a16="http://schemas.microsoft.com/office/drawing/2014/main" id="{6D902213-AD03-3F4A-BA55-198F42A63F11}"/>
+                </a:ext>
+              </a:extLst>
+            </p:cNvPr>
+            <p:cNvSpPr/>
+            <p:nvPr/>
+          </p:nvSpPr>
+          <p:spPr>
+            <a:xfrm>
+              <a:off x="7011735" y="4360270"/>
+              <a:ext cx="73598" cy="73152"/>
+            </a:xfrm>
+            <a:prstGeom prst="rect">
+              <a:avLst/>
+            </a:prstGeom>
+            <a:solidFill>
+              <a:srgbClr val="00B050"/>
+            </a:solidFill>
+            <a:ln>
+              <a:noFill/>
+            </a:ln>
+          </p:spPr>
+          <p:style>
+            <a:lnRef idx="2">
+              <a:schemeClr val="accent1">
+                <a:shade val="50000"/>
+              </a:schemeClr>
+            </a:lnRef>
+            <a:fillRef idx="1">
+              <a:schemeClr val="accent1"/>
+            </a:fillRef>
+            <a:effectRef idx="0">
+              <a:schemeClr val="accent1"/>
+            </a:effectRef>
+            <a:fontRef idx="minor">
+              <a:schemeClr val="lt1"/>
+            </a:fontRef>
+          </p:style>
+          <p:txBody>
+            <a:bodyPr rtlCol="0" anchor="ctr"/>
+            <a:lstStyle/>
+            <a:p>
+              <a:pPr algn="ctr"/>
+              <a:endParaRPr lang="en-US"/>
+            </a:p>
+          </p:txBody>
+        </p:sp>
+        <p:sp>
+          <p:nvSpPr>
+            <p:cNvPr id="25" name="Rectangle 24">
+              <a:extLst>
+                <a:ext uri="{FF2B5EF4-FFF2-40B4-BE49-F238E27FC236}">
+                  <a16:creationId xmlns:a16="http://schemas.microsoft.com/office/drawing/2014/main" id="{D75FFBBD-A78B-F649-AAF7-4E28FCAD396E}"/>
+                </a:ext>
+              </a:extLst>
+            </p:cNvPr>
+            <p:cNvSpPr/>
+            <p:nvPr/>
+          </p:nvSpPr>
+          <p:spPr>
+            <a:xfrm>
+              <a:off x="6938107" y="4245546"/>
+              <a:ext cx="73598" cy="73152"/>
+            </a:xfrm>
+            <a:prstGeom prst="rect">
+              <a:avLst/>
+            </a:prstGeom>
+            <a:solidFill>
+              <a:srgbClr val="00B050"/>
+            </a:solidFill>
+            <a:ln>
+              <a:noFill/>
+            </a:ln>
+          </p:spPr>
+          <p:style>
+            <a:lnRef idx="2">
+              <a:schemeClr val="accent1">
+                <a:shade val="50000"/>
+              </a:schemeClr>
+            </a:lnRef>
+            <a:fillRef idx="1">
+              <a:schemeClr val="accent1"/>
+            </a:fillRef>
+            <a:effectRef idx="0">
+              <a:schemeClr val="accent1"/>
+            </a:effectRef>
+            <a:fontRef idx="minor">
+              <a:schemeClr val="lt1"/>
+            </a:fontRef>
+          </p:style>
+          <p:txBody>
+            <a:bodyPr rtlCol="0" anchor="ctr"/>
+            <a:lstStyle/>
+            <a:p>
+              <a:pPr algn="ctr"/>
+              <a:endParaRPr lang="en-US"/>
+            </a:p>
+          </p:txBody>
+        </p:sp>
+        <p:sp>
+          <p:nvSpPr>
+            <p:cNvPr id="26" name="Rectangle 25">
+              <a:extLst>
+                <a:ext uri="{FF2B5EF4-FFF2-40B4-BE49-F238E27FC236}">
+                  <a16:creationId xmlns:a16="http://schemas.microsoft.com/office/drawing/2014/main" id="{09AD6306-3022-664F-86C7-C61EDDB47755}"/>
+                </a:ext>
+              </a:extLst>
+            </p:cNvPr>
+            <p:cNvSpPr/>
+            <p:nvPr/>
+          </p:nvSpPr>
+          <p:spPr>
+            <a:xfrm>
+              <a:off x="6845638" y="4286641"/>
+              <a:ext cx="73598" cy="73152"/>
+            </a:xfrm>
+            <a:prstGeom prst="rect">
+              <a:avLst/>
+            </a:prstGeom>
+            <a:solidFill>
+              <a:srgbClr val="00B050"/>
+            </a:solidFill>
+            <a:ln>
+              <a:noFill/>
+            </a:ln>
+          </p:spPr>
+          <p:style>
+            <a:lnRef idx="2">
+              <a:schemeClr val="accent1">
+                <a:shade val="50000"/>
+              </a:schemeClr>
+            </a:lnRef>
+            <a:fillRef idx="1">
+              <a:schemeClr val="accent1"/>
+            </a:fillRef>
+            <a:effectRef idx="0">
+              <a:schemeClr val="accent1"/>
+            </a:effectRef>
+            <a:fontRef idx="minor">
+              <a:schemeClr val="lt1"/>
+            </a:fontRef>
+          </p:style>
+          <p:txBody>
+            <a:bodyPr rtlCol="0" anchor="ctr"/>
+            <a:lstStyle/>
+            <a:p>
+              <a:pPr algn="ctr"/>
+              <a:endParaRPr lang="en-US"/>
+            </a:p>
+          </p:txBody>
+        </p:sp>
+        <p:sp>
+          <p:nvSpPr>
+            <p:cNvPr id="27" name="Freeform 26">
+              <a:extLst>
+                <a:ext uri="{FF2B5EF4-FFF2-40B4-BE49-F238E27FC236}">
+                  <a16:creationId xmlns:a16="http://schemas.microsoft.com/office/drawing/2014/main" id="{934394AE-5921-ED44-8E95-D45001780183}"/>
+                </a:ext>
+              </a:extLst>
+            </p:cNvPr>
+            <p:cNvSpPr/>
+            <p:nvPr/>
+          </p:nvSpPr>
+          <p:spPr>
+            <a:xfrm>
+              <a:off x="6893960" y="3791164"/>
+              <a:ext cx="1705510" cy="667820"/>
+            </a:xfrm>
+            <a:custGeom>
+              <a:avLst/>
+              <a:gdLst>
+                <a:gd name="connsiteX0" fmla="*/ 1705510 w 1705510"/>
+                <a:gd name="connsiteY0" fmla="*/ 0 h 667820"/>
+                <a:gd name="connsiteX1" fmla="*/ 1705510 w 1705510"/>
+                <a:gd name="connsiteY1" fmla="*/ 0 h 667820"/>
+                <a:gd name="connsiteX2" fmla="*/ 626723 w 1705510"/>
+                <a:gd name="connsiteY2" fmla="*/ 431515 h 667820"/>
+                <a:gd name="connsiteX3" fmla="*/ 431514 w 1705510"/>
+                <a:gd name="connsiteY3" fmla="*/ 667820 h 667820"/>
+                <a:gd name="connsiteX4" fmla="*/ 287676 w 1705510"/>
+                <a:gd name="connsiteY4" fmla="*/ 462337 h 667820"/>
+                <a:gd name="connsiteX5" fmla="*/ 164386 w 1705510"/>
+                <a:gd name="connsiteY5" fmla="*/ 626724 h 667820"/>
+                <a:gd name="connsiteX6" fmla="*/ 92467 w 1705510"/>
+                <a:gd name="connsiteY6" fmla="*/ 503434 h 667820"/>
+                <a:gd name="connsiteX7" fmla="*/ 0 w 1705510"/>
+                <a:gd name="connsiteY7" fmla="*/ 534256 h 667820"/>
+              </a:gdLst>
+              <a:ahLst/>
+              <a:cxnLst>
+                <a:cxn ang="0">
+                  <a:pos x="connsiteX0" y="connsiteY0"/>
+                </a:cxn>
+                <a:cxn ang="0">
+                  <a:pos x="connsiteX1" y="connsiteY1"/>
+                </a:cxn>
+                <a:cxn ang="0">
+                  <a:pos x="connsiteX2" y="connsiteY2"/>
+                </a:cxn>
+                <a:cxn ang="0">
+                  <a:pos x="connsiteX3" y="connsiteY3"/>
+                </a:cxn>
+                <a:cxn ang="0">
+                  <a:pos x="connsiteX4" y="connsiteY4"/>
+                </a:cxn>
+                <a:cxn ang="0">
+                  <a:pos x="connsiteX5" y="connsiteY5"/>
+                </a:cxn>
+                <a:cxn ang="0">
+                  <a:pos x="connsiteX6" y="connsiteY6"/>
+                </a:cxn>
+                <a:cxn ang="0">
+                  <a:pos x="connsiteX7" y="connsiteY7"/>
+                </a:cxn>
+              </a:cxnLst>
+              <a:rect l="l" t="t" r="r" b="b"/>
+              <a:pathLst>
+                <a:path w="1705510" h="667820">
+                  <a:moveTo>
+                    <a:pt x="1705510" y="0"/>
+                  </a:moveTo>
+                  <a:lnTo>
+                    <a:pt x="1705510" y="0"/>
+                  </a:lnTo>
+                  <a:lnTo>
+                    <a:pt x="626723" y="431515"/>
+                  </a:lnTo>
+                  <a:lnTo>
+                    <a:pt x="431514" y="667820"/>
+                  </a:lnTo>
+                  <a:lnTo>
+                    <a:pt x="287676" y="462337"/>
+                  </a:lnTo>
+                  <a:lnTo>
+                    <a:pt x="164386" y="626724"/>
+                  </a:lnTo>
+                  <a:lnTo>
+                    <a:pt x="92467" y="503434"/>
+                  </a:lnTo>
+                  <a:lnTo>
+                    <a:pt x="0" y="534256"/>
+                  </a:lnTo>
+                </a:path>
+              </a:pathLst>
+            </a:custGeom>
+            <a:noFill/>
+          </p:spPr>
+          <p:style>
+            <a:lnRef idx="2">
+              <a:schemeClr val="accent1">
+                <a:shade val="50000"/>
+              </a:schemeClr>
+            </a:lnRef>
+            <a:fillRef idx="1">
+              <a:schemeClr val="accent1"/>
+            </a:fillRef>
+            <a:effectRef idx="0">
+              <a:schemeClr val="accent1"/>
+            </a:effectRef>
+            <a:fontRef idx="minor">
+              <a:schemeClr val="lt1"/>
+            </a:fontRef>
+          </p:style>
+          <p:txBody>
+            <a:bodyPr rtlCol="0" anchor="ctr"/>
+            <a:lstStyle/>
+            <a:p>
+              <a:pPr algn="ctr"/>
+              <a:endParaRPr lang="en-US"/>
+            </a:p>
+          </p:txBody>
+        </p:sp>
+      </p:grpSp>
       <mc:AlternateContent xmlns:mc="http://schemas.openxmlformats.org/markup-compatibility/2006">
         <mc:Choice xmlns:a14="http://schemas.microsoft.com/office/drawing/2010/main" Requires="a14">
           <p:sp>
             <p:nvSpPr>
-              <p:cNvPr id="41" name="TextBox 40">
+              <p:cNvPr id="31" name="TextBox 30">
                 <a:extLst>
                   <a:ext uri="{FF2B5EF4-FFF2-40B4-BE49-F238E27FC236}">
-                    <a16:creationId xmlns:a16="http://schemas.microsoft.com/office/drawing/2014/main" id="{DADE6AA2-3F6E-9041-87A4-61711C5B1667}"/>
+                    <a16:creationId xmlns:a16="http://schemas.microsoft.com/office/drawing/2014/main" id="{5F6EFBF2-46FE-8147-AAB7-0BFABBF0FC18}"/>
                   </a:ext>
                 </a:extLst>
               </p:cNvPr>
@@ -3152,8 +4072,8 @@
             </p:nvSpPr>
             <p:spPr>
               <a:xfrm>
-                <a:off x="4230085" y="2039705"/>
-                <a:ext cx="1071938" cy="406927"/>
+                <a:off x="4058290" y="4055637"/>
+                <a:ext cx="503434" cy="369332"/>
               </a:xfrm>
               <a:prstGeom prst="rect">
                 <a:avLst/>
@@ -3166,7 +4086,6 @@
               </a:bodyPr>
               <a:lstStyle/>
               <a:p>
-                <a:pPr/>
                 <a14:m>
                   <m:oMathPara xmlns:m="http://schemas.openxmlformats.org/officeDocument/2006/math">
                     <m:oMathParaPr>
@@ -3178,19 +4097,19 @@
                           <a:latin typeface="Cambria Math" panose="02040503050406030204" pitchFamily="18" charset="0"/>
                           <a:ea typeface="Cambria Math" panose="02040503050406030204" pitchFamily="18" charset="0"/>
                         </a:rPr>
-                        <m:t>𝛿</m:t>
+                        <m:t>∆</m:t>
                       </m:r>
                       <m:r>
                         <a:rPr lang="en-US" b="0" i="1" smtClean="0">
                           <a:latin typeface="Cambria Math" panose="02040503050406030204" pitchFamily="18" charset="0"/>
                           <a:ea typeface="Cambria Math" panose="02040503050406030204" pitchFamily="18" charset="0"/>
                         </a:rPr>
-                        <m:t>=0.1</m:t>
+                        <m:t>𝑔</m:t>
                       </m:r>
                     </m:oMath>
                   </m:oMathPara>
                 </a14:m>
-                <a:endParaRPr lang="en-US" dirty="0"/>
+                <a:endParaRPr lang="en-US" i="1" dirty="0"/>
               </a:p>
             </p:txBody>
           </p:sp>
@@ -3198,10 +4117,10 @@
         <mc:Fallback>
           <p:sp>
             <p:nvSpPr>
-              <p:cNvPr id="41" name="TextBox 40">
+              <p:cNvPr id="31" name="TextBox 30">
                 <a:extLst>
                   <a:ext uri="{FF2B5EF4-FFF2-40B4-BE49-F238E27FC236}">
-                    <a16:creationId xmlns:a16="http://schemas.microsoft.com/office/drawing/2014/main" id="{DADE6AA2-3F6E-9041-87A4-61711C5B1667}"/>
+                    <a16:creationId xmlns:a16="http://schemas.microsoft.com/office/drawing/2014/main" id="{5F6EFBF2-46FE-8147-AAB7-0BFABBF0FC18}"/>
                   </a:ext>
                 </a:extLst>
               </p:cNvPr>
@@ -3212,14 +4131,117 @@
             </p:nvSpPr>
             <p:spPr>
               <a:xfrm>
-                <a:off x="4230085" y="2039705"/>
-                <a:ext cx="1071938" cy="406927"/>
+                <a:off x="4058290" y="4055637"/>
+                <a:ext cx="503434" cy="369332"/>
               </a:xfrm>
               <a:prstGeom prst="rect">
                 <a:avLst/>
               </a:prstGeom>
               <a:blipFill>
-                <a:blip r:embed="rId4"/>
+                <a:blip r:embed="rId7"/>
+                <a:stretch>
+                  <a:fillRect b="-6667"/>
+                </a:stretch>
+              </a:blipFill>
+            </p:spPr>
+            <p:txBody>
+              <a:bodyPr/>
+              <a:lstStyle/>
+              <a:p>
+                <a:r>
+                  <a:rPr lang="en-US">
+                    <a:noFill/>
+                  </a:rPr>
+                  <a:t> </a:t>
+                </a:r>
+              </a:p>
+            </p:txBody>
+          </p:sp>
+        </mc:Fallback>
+      </mc:AlternateContent>
+      <mc:AlternateContent xmlns:mc="http://schemas.openxmlformats.org/markup-compatibility/2006">
+        <mc:Choice xmlns:a14="http://schemas.microsoft.com/office/drawing/2010/main" Requires="a14">
+          <p:sp>
+            <p:nvSpPr>
+              <p:cNvPr id="37" name="TextBox 36">
+                <a:extLst>
+                  <a:ext uri="{FF2B5EF4-FFF2-40B4-BE49-F238E27FC236}">
+                    <a16:creationId xmlns:a16="http://schemas.microsoft.com/office/drawing/2014/main" id="{6AAB9CD4-1AAA-3F4D-AD02-BAEFAF922D86}"/>
+                  </a:ext>
+                </a:extLst>
+              </p:cNvPr>
+              <p:cNvSpPr txBox="1"/>
+              <p:nvPr/>
+            </p:nvSpPr>
+            <p:spPr>
+              <a:xfrm>
+                <a:off x="5844841" y="3324260"/>
+                <a:ext cx="503434" cy="369332"/>
+              </a:xfrm>
+              <a:prstGeom prst="rect">
+                <a:avLst/>
+              </a:prstGeom>
+              <a:noFill/>
+            </p:spPr>
+            <p:txBody>
+              <a:bodyPr wrap="square" rtlCol="0">
+                <a:spAutoFit/>
+              </a:bodyPr>
+              <a:lstStyle/>
+              <a:p>
+                <a14:m>
+                  <m:oMathPara xmlns:m="http://schemas.openxmlformats.org/officeDocument/2006/math">
+                    <m:oMathParaPr>
+                      <m:jc m:val="centerGroup"/>
+                    </m:oMathParaPr>
+                    <m:oMath xmlns:m="http://schemas.openxmlformats.org/officeDocument/2006/math">
+                      <m:r>
+                        <a:rPr lang="en-US" i="1" smtClean="0">
+                          <a:latin typeface="Cambria Math" panose="02040503050406030204" pitchFamily="18" charset="0"/>
+                          <a:ea typeface="Cambria Math" panose="02040503050406030204" pitchFamily="18" charset="0"/>
+                        </a:rPr>
+                        <m:t>∆</m:t>
+                      </m:r>
+                      <m:r>
+                        <a:rPr lang="en-US" b="0" i="1" smtClean="0">
+                          <a:latin typeface="Cambria Math" panose="02040503050406030204" pitchFamily="18" charset="0"/>
+                          <a:ea typeface="Cambria Math" panose="02040503050406030204" pitchFamily="18" charset="0"/>
+                        </a:rPr>
+                        <m:t>𝑠</m:t>
+                      </m:r>
+                    </m:oMath>
+                  </m:oMathPara>
+                </a14:m>
+                <a:endParaRPr lang="en-US" i="1" dirty="0"/>
+              </a:p>
+            </p:txBody>
+          </p:sp>
+        </mc:Choice>
+        <mc:Fallback>
+          <p:sp>
+            <p:nvSpPr>
+              <p:cNvPr id="37" name="TextBox 36">
+                <a:extLst>
+                  <a:ext uri="{FF2B5EF4-FFF2-40B4-BE49-F238E27FC236}">
+                    <a16:creationId xmlns:a16="http://schemas.microsoft.com/office/drawing/2014/main" id="{6AAB9CD4-1AAA-3F4D-AD02-BAEFAF922D86}"/>
+                  </a:ext>
+                </a:extLst>
+              </p:cNvPr>
+              <p:cNvSpPr txBox="1">
+                <a:spLocks noRot="1" noChangeAspect="1" noMove="1" noResize="1" noEditPoints="1" noAdjustHandles="1" noChangeArrowheads="1" noChangeShapeType="1" noTextEdit="1"/>
+              </p:cNvSpPr>
+              <p:nvPr/>
+            </p:nvSpPr>
+            <p:spPr>
+              <a:xfrm>
+                <a:off x="5844841" y="3324260"/>
+                <a:ext cx="503434" cy="369332"/>
+              </a:xfrm>
+              <a:prstGeom prst="rect">
+                <a:avLst/>
+              </a:prstGeom>
+              <a:blipFill>
+                <a:blip r:embed="rId8"/>
                 <a:stretch>
                   <a:fillRect/>
                 </a:stretch>
@@ -3244,10 +4266,10 @@
         <mc:Choice xmlns:a14="http://schemas.microsoft.com/office/drawing/2010/main" Requires="a14">
           <p:sp>
             <p:nvSpPr>
-              <p:cNvPr id="42" name="TextBox 41">
+              <p:cNvPr id="38" name="TextBox 37">
                 <a:extLst>
                   <a:ext uri="{FF2B5EF4-FFF2-40B4-BE49-F238E27FC236}">
-                    <a16:creationId xmlns:a16="http://schemas.microsoft.com/office/drawing/2014/main" id="{A23D8AA9-6060-864A-8D43-6F5747D0F69A}"/>
+                    <a16:creationId xmlns:a16="http://schemas.microsoft.com/office/drawing/2014/main" id="{1FCC904F-E152-8E4B-89D9-7B70FB16668F}"/>
                   </a:ext>
                 </a:extLst>
               </p:cNvPr>
@@ -3256,8 +4278,8 @@
             </p:nvSpPr>
             <p:spPr>
               <a:xfrm>
-                <a:off x="1819029" y="1673903"/>
-                <a:ext cx="1071938" cy="406927"/>
+                <a:off x="4709236" y="4745314"/>
+                <a:ext cx="2420783" cy="369332"/>
               </a:xfrm>
               <a:prstGeom prst="rect">
                 <a:avLst/>
@@ -3270,31 +4292,30 @@
               </a:bodyPr>
               <a:lstStyle/>
               <a:p>
-                <a:pPr/>
                 <a14:m>
-                  <m:oMathPara xmlns:m="http://schemas.openxmlformats.org/officeDocument/2006/math">
-                    <m:oMathParaPr>
-                      <m:jc m:val="centerGroup"/>
-                    </m:oMathParaPr>
-                    <m:oMath xmlns:m="http://schemas.openxmlformats.org/officeDocument/2006/math">
-                      <m:r>
-                        <a:rPr lang="en-US" i="1" smtClean="0">
-                          <a:latin typeface="Cambria Math" panose="02040503050406030204" pitchFamily="18" charset="0"/>
-                          <a:ea typeface="Cambria Math" panose="02040503050406030204" pitchFamily="18" charset="0"/>
-                        </a:rPr>
-                        <m:t>𝛿</m:t>
-                      </m:r>
-                      <m:r>
-                        <a:rPr lang="en-US" b="0" i="1" smtClean="0">
-                          <a:latin typeface="Cambria Math" panose="02040503050406030204" pitchFamily="18" charset="0"/>
-                          <a:ea typeface="Cambria Math" panose="02040503050406030204" pitchFamily="18" charset="0"/>
-                        </a:rPr>
-                        <m:t>=0.1</m:t>
-                      </m:r>
-                    </m:oMath>
-                  </m:oMathPara>
+                  <m:oMath xmlns:m="http://schemas.openxmlformats.org/officeDocument/2006/math">
+                    <m:r>
+                      <a:rPr lang="en-US" i="0" smtClean="0">
+                        <a:latin typeface="Cambria Math" panose="02040503050406030204" pitchFamily="18" charset="0"/>
+                        <a:ea typeface="Cambria Math" panose="02040503050406030204" pitchFamily="18" charset="0"/>
+                      </a:rPr>
+                      <m:t>∆</m:t>
+                    </m:r>
+                    <m:r>
+                      <a:rPr lang="en-US" b="0" i="0" smtClean="0">
+                        <a:latin typeface="Cambria Math" panose="02040503050406030204" pitchFamily="18" charset="0"/>
+                        <a:ea typeface="Cambria Math" panose="02040503050406030204" pitchFamily="18" charset="0"/>
+                      </a:rPr>
+                      <m:t> </m:t>
+                    </m:r>
+                  </m:oMath>
                 </a14:m>
-                <a:endParaRPr lang="en-US" dirty="0"/>
+                <a:r>
+                  <a:rPr lang="en-US" dirty="0">
+                    <a:latin typeface="Times" pitchFamily="2" charset="0"/>
+                  </a:rPr>
+                  <a:t>configuration space</a:t>
+                </a:r>
               </a:p>
             </p:txBody>
           </p:sp>
@@ -3302,10 +4323,10 @@
         <mc:Fallback>
           <p:sp>
             <p:nvSpPr>
-              <p:cNvPr id="42" name="TextBox 41">
+              <p:cNvPr id="38" name="TextBox 37">
                 <a:extLst>
                   <a:ext uri="{FF2B5EF4-FFF2-40B4-BE49-F238E27FC236}">
-                    <a16:creationId xmlns:a16="http://schemas.microsoft.com/office/drawing/2014/main" id="{A23D8AA9-6060-864A-8D43-6F5747D0F69A}"/>
+                    <a16:creationId xmlns:a16="http://schemas.microsoft.com/office/drawing/2014/main" id="{1FCC904F-E152-8E4B-89D9-7B70FB16668F}"/>
                   </a:ext>
                 </a:extLst>
               </p:cNvPr>
@@ -3316,16 +4337,16 @@
             </p:nvSpPr>
             <p:spPr>
               <a:xfrm>
-                <a:off x="1819029" y="1673903"/>
-                <a:ext cx="1071938" cy="406927"/>
+                <a:off x="4709236" y="4745314"/>
+                <a:ext cx="2420783" cy="369332"/>
               </a:xfrm>
               <a:prstGeom prst="rect">
                 <a:avLst/>
               </a:prstGeom>
               <a:blipFill>
-                <a:blip r:embed="rId5"/>
+                <a:blip r:embed="rId9"/>
                 <a:stretch>
-                  <a:fillRect/>
+                  <a:fillRect t="-6667" b="-20000"/>
                 </a:stretch>
               </a:blipFill>
             </p:spPr>
@@ -3344,87 +4365,6 @@
           </p:sp>
         </mc:Fallback>
       </mc:AlternateContent>
-      <p:pic>
-        <p:nvPicPr>
-          <p:cNvPr id="5" name="Picture 4">
-            <a:extLst>
-              <a:ext uri="{FF2B5EF4-FFF2-40B4-BE49-F238E27FC236}">
-                <a16:creationId xmlns:a16="http://schemas.microsoft.com/office/drawing/2014/main" id="{EF4C0675-44CD-5D4A-9CB2-37F7A3F8E249}"/>
-              </a:ext>
-            </a:extLst>
-          </p:cNvPr>
-          <p:cNvPicPr>
-            <a:picLocks noChangeAspect="1"/>
-          </p:cNvPicPr>
-          <p:nvPr/>
-        </p:nvPicPr>
-        <p:blipFill rotWithShape="1">
-          <a:blip r:embed="rId6"/>
-          <a:srcRect l="3019" t="48484" r="68384" b="10712"/>
-          <a:stretch/>
-        </p:blipFill>
-        <p:spPr>
-          <a:xfrm>
-            <a:off x="6871325" y="98536"/>
-            <a:ext cx="3526121" cy="3610435"/>
-          </a:xfrm>
-          <a:prstGeom prst="rect">
-            <a:avLst/>
-          </a:prstGeom>
-        </p:spPr>
-      </p:pic>
-      <p:sp>
-        <p:nvSpPr>
-          <p:cNvPr id="15" name="Oval 14">
-            <a:extLst>
-              <a:ext uri="{FF2B5EF4-FFF2-40B4-BE49-F238E27FC236}">
-                <a16:creationId xmlns:a16="http://schemas.microsoft.com/office/drawing/2014/main" id="{C03FD175-894D-714F-972E-31C61694FA73}"/>
-              </a:ext>
-            </a:extLst>
-          </p:cNvPr>
-          <p:cNvSpPr/>
-          <p:nvPr/>
-        </p:nvSpPr>
-        <p:spPr>
-          <a:xfrm rot="5400000">
-            <a:off x="5040627" y="1830240"/>
-            <a:ext cx="392560" cy="396192"/>
-          </a:xfrm>
-          <a:prstGeom prst="ellipse">
-            <a:avLst/>
-          </a:prstGeom>
-          <a:noFill/>
-          <a:ln>
-            <a:solidFill>
-              <a:srgbClr val="00B050"/>
-            </a:solidFill>
-          </a:ln>
-        </p:spPr>
-        <p:style>
-          <a:lnRef idx="2">
-            <a:schemeClr val="accent1">
-              <a:shade val="50000"/>
-            </a:schemeClr>
-          </a:lnRef>
-          <a:fillRef idx="1">
-            <a:schemeClr val="accent1"/>
-          </a:fillRef>
-          <a:effectRef idx="0">
-            <a:schemeClr val="accent1"/>
-          </a:effectRef>
-          <a:fontRef idx="minor">
-            <a:schemeClr val="lt1"/>
-          </a:fontRef>
-        </p:style>
-        <p:txBody>
-          <a:bodyPr rtlCol="0" anchor="ctr"/>
-          <a:lstStyle/>
-          <a:p>
-            <a:pPr algn="ctr"/>
-            <a:endParaRPr lang="en-US"/>
-          </a:p>
-        </p:txBody>
-      </p:sp>
     </p:spTree>
     <p:extLst>
       <p:ext uri="{BB962C8B-B14F-4D97-AF65-F5344CB8AC3E}">

--- a/journalWallFriction/pictures/pdf/deltadist.pptx
+++ b/journalWallFriction/pictures/pdf/deltadist.pptx
@@ -2973,58 +2973,6 @@
           <a:chExt cx="0" cy="0"/>
         </a:xfrm>
       </p:grpSpPr>
-      <p:sp>
-        <p:nvSpPr>
-          <p:cNvPr id="30" name="Oval 29">
-            <a:extLst>
-              <a:ext uri="{FF2B5EF4-FFF2-40B4-BE49-F238E27FC236}">
-                <a16:creationId xmlns:a16="http://schemas.microsoft.com/office/drawing/2014/main" id="{8F4D371F-17A6-9045-BFB7-334812377D8E}"/>
-              </a:ext>
-            </a:extLst>
-          </p:cNvPr>
-          <p:cNvSpPr/>
-          <p:nvPr/>
-        </p:nvSpPr>
-        <p:spPr>
-          <a:xfrm>
-            <a:off x="4444423" y="4150760"/>
-            <a:ext cx="117303" cy="123290"/>
-          </a:xfrm>
-          <a:prstGeom prst="ellipse">
-            <a:avLst/>
-          </a:prstGeom>
-          <a:solidFill>
-            <a:srgbClr val="92D050"/>
-          </a:solidFill>
-          <a:ln>
-            <a:noFill/>
-          </a:ln>
-        </p:spPr>
-        <p:style>
-          <a:lnRef idx="2">
-            <a:schemeClr val="accent1">
-              <a:shade val="50000"/>
-            </a:schemeClr>
-          </a:lnRef>
-          <a:fillRef idx="1">
-            <a:schemeClr val="accent1"/>
-          </a:fillRef>
-          <a:effectRef idx="0">
-            <a:schemeClr val="accent1"/>
-          </a:effectRef>
-          <a:fontRef idx="minor">
-            <a:schemeClr val="lt1"/>
-          </a:fontRef>
-        </p:style>
-        <p:txBody>
-          <a:bodyPr rtlCol="0" anchor="ctr"/>
-          <a:lstStyle/>
-          <a:p>
-            <a:pPr algn="ctr"/>
-            <a:endParaRPr lang="en-US"/>
-          </a:p>
-        </p:txBody>
-      </p:sp>
       <p:pic>
         <p:nvPicPr>
           <p:cNvPr id="34" name="Picture 33">
@@ -3047,7 +2995,7 @@
         </p:blipFill>
         <p:spPr>
           <a:xfrm>
-            <a:off x="112989" y="290832"/>
+            <a:off x="124006" y="26424"/>
             <a:ext cx="10644027" cy="6912833"/>
           </a:xfrm>
           <a:prstGeom prst="rect">
@@ -3055,58 +3003,6 @@
           </a:prstGeom>
         </p:spPr>
       </p:pic>
-      <p:sp>
-        <p:nvSpPr>
-          <p:cNvPr id="36" name="Right Arrow 35">
-            <a:extLst>
-              <a:ext uri="{FF2B5EF4-FFF2-40B4-BE49-F238E27FC236}">
-                <a16:creationId xmlns:a16="http://schemas.microsoft.com/office/drawing/2014/main" id="{D1B700D3-15A3-A147-8F5C-1A4C238FF659}"/>
-              </a:ext>
-            </a:extLst>
-          </p:cNvPr>
-          <p:cNvSpPr/>
-          <p:nvPr/>
-        </p:nvSpPr>
-        <p:spPr>
-          <a:xfrm>
-            <a:off x="5530249" y="1144317"/>
-            <a:ext cx="1298166" cy="798618"/>
-          </a:xfrm>
-          <a:prstGeom prst="rightArrow">
-            <a:avLst/>
-          </a:prstGeom>
-          <a:solidFill>
-            <a:schemeClr val="accent1">
-              <a:lumMod val="60000"/>
-              <a:lumOff val="40000"/>
-            </a:schemeClr>
-          </a:solidFill>
-        </p:spPr>
-        <p:style>
-          <a:lnRef idx="2">
-            <a:schemeClr val="accent1">
-              <a:shade val="50000"/>
-            </a:schemeClr>
-          </a:lnRef>
-          <a:fillRef idx="1">
-            <a:schemeClr val="accent1"/>
-          </a:fillRef>
-          <a:effectRef idx="0">
-            <a:schemeClr val="accent1"/>
-          </a:effectRef>
-          <a:fontRef idx="minor">
-            <a:schemeClr val="lt1"/>
-          </a:fontRef>
-        </p:style>
-        <p:txBody>
-          <a:bodyPr rtlCol="0" anchor="ctr"/>
-          <a:lstStyle/>
-          <a:p>
-            <a:pPr algn="ctr"/>
-            <a:endParaRPr lang="en-US"/>
-          </a:p>
-        </p:txBody>
-      </p:sp>
       <p:pic>
         <p:nvPicPr>
           <p:cNvPr id="5" name="Picture 4">
@@ -3128,8 +3024,8 @@
         </p:blipFill>
         <p:spPr>
           <a:xfrm>
-            <a:off x="6871326" y="98537"/>
-            <a:ext cx="3006014" cy="3077892"/>
+            <a:off x="3621950" y="2984217"/>
+            <a:ext cx="2494802" cy="2554457"/>
           </a:xfrm>
           <a:prstGeom prst="rect">
             <a:avLst/>
@@ -3150,8 +3046,8 @@
         </p:nvGrpSpPr>
         <p:grpSpPr>
           <a:xfrm>
-            <a:off x="2425699" y="209538"/>
-            <a:ext cx="3009303" cy="2966891"/>
+            <a:off x="1704817" y="124416"/>
+            <a:ext cx="2497531" cy="2462332"/>
             <a:chOff x="1697015" y="209538"/>
             <a:chExt cx="3737988" cy="3684368"/>
           </a:xfrm>
@@ -3253,8 +3149,8 @@
               </p:nvSpPr>
               <p:spPr>
                 <a:xfrm>
-                  <a:off x="4230085" y="2039705"/>
-                  <a:ext cx="1071938" cy="406927"/>
+                  <a:off x="3894191" y="2039705"/>
+                  <a:ext cx="1407832" cy="552629"/>
                 </a:xfrm>
                 <a:prstGeom prst="rect">
                   <a:avLst/>
@@ -3313,8 +3209,8 @@
               </p:nvSpPr>
               <p:spPr>
                 <a:xfrm>
-                  <a:off x="4230085" y="2039705"/>
-                  <a:ext cx="1071938" cy="406927"/>
+                  <a:off x="3894191" y="2039705"/>
+                  <a:ext cx="1407832" cy="552629"/>
                 </a:xfrm>
                 <a:prstGeom prst="rect">
                   <a:avLst/>
@@ -3322,7 +3218,7 @@
                 <a:blipFill>
                   <a:blip r:embed="rId5"/>
                   <a:stretch>
-                    <a:fillRect b="-84615"/>
+                    <a:fillRect/>
                   </a:stretch>
                 </a:blipFill>
               </p:spPr>
@@ -3357,8 +3253,8 @@
               </p:nvSpPr>
               <p:spPr>
                 <a:xfrm>
-                  <a:off x="1819029" y="1673903"/>
-                  <a:ext cx="1071938" cy="406927"/>
+                  <a:off x="1882864" y="2156304"/>
+                  <a:ext cx="1418800" cy="552629"/>
                 </a:xfrm>
                 <a:prstGeom prst="rect">
                   <a:avLst/>
@@ -3417,8 +3313,8 @@
               </p:nvSpPr>
               <p:spPr>
                 <a:xfrm>
-                  <a:off x="1819029" y="1673903"/>
-                  <a:ext cx="1071938" cy="406927"/>
+                  <a:off x="1882864" y="2156304"/>
+                  <a:ext cx="1418800" cy="552629"/>
                 </a:xfrm>
                 <a:prstGeom prst="rect">
                   <a:avLst/>
@@ -3426,7 +3322,7 @@
                 <a:blipFill>
                   <a:blip r:embed="rId6"/>
                   <a:stretch>
-                    <a:fillRect b="-77778"/>
+                    <a:fillRect/>
                   </a:stretch>
                 </a:blipFill>
               </p:spPr>
@@ -3498,12 +3394,270 @@
           </p:txBody>
         </p:sp>
       </p:grpSp>
+      <p:sp>
+        <p:nvSpPr>
+          <p:cNvPr id="30" name="Oval 29">
+            <a:extLst>
+              <a:ext uri="{FF2B5EF4-FFF2-40B4-BE49-F238E27FC236}">
+                <a16:creationId xmlns:a16="http://schemas.microsoft.com/office/drawing/2014/main" id="{8F4D371F-17A6-9045-BFB7-334812377D8E}"/>
+              </a:ext>
+            </a:extLst>
+          </p:cNvPr>
+          <p:cNvSpPr/>
+          <p:nvPr/>
+        </p:nvSpPr>
+        <p:spPr>
+          <a:xfrm>
+            <a:off x="6019128" y="2465810"/>
+            <a:ext cx="144873" cy="140991"/>
+          </a:xfrm>
+          <a:prstGeom prst="ellipse">
+            <a:avLst/>
+          </a:prstGeom>
+          <a:solidFill>
+            <a:srgbClr val="92D050"/>
+          </a:solidFill>
+          <a:ln>
+            <a:noFill/>
+          </a:ln>
+        </p:spPr>
+        <p:style>
+          <a:lnRef idx="2">
+            <a:schemeClr val="accent1">
+              <a:shade val="50000"/>
+            </a:schemeClr>
+          </a:lnRef>
+          <a:fillRef idx="1">
+            <a:schemeClr val="accent1"/>
+          </a:fillRef>
+          <a:effectRef idx="0">
+            <a:schemeClr val="accent1"/>
+          </a:effectRef>
+          <a:fontRef idx="minor">
+            <a:schemeClr val="lt1"/>
+          </a:fontRef>
+        </p:style>
+        <p:txBody>
+          <a:bodyPr rtlCol="0" anchor="ctr"/>
+          <a:lstStyle/>
+          <a:p>
+            <a:pPr algn="ctr"/>
+            <a:endParaRPr lang="en-US"/>
+          </a:p>
+        </p:txBody>
+      </p:sp>
+      <mc:AlternateContent xmlns:mc="http://schemas.openxmlformats.org/markup-compatibility/2006">
+        <mc:Choice xmlns:a14="http://schemas.microsoft.com/office/drawing/2010/main" Requires="a14">
+          <p:sp>
+            <p:nvSpPr>
+              <p:cNvPr id="31" name="TextBox 30">
+                <a:extLst>
+                  <a:ext uri="{FF2B5EF4-FFF2-40B4-BE49-F238E27FC236}">
+                    <a16:creationId xmlns:a16="http://schemas.microsoft.com/office/drawing/2014/main" id="{5F6EFBF2-46FE-8147-AAB7-0BFABBF0FC18}"/>
+                  </a:ext>
+                </a:extLst>
+              </p:cNvPr>
+              <p:cNvSpPr txBox="1"/>
+              <p:nvPr/>
+            </p:nvSpPr>
+            <p:spPr>
+              <a:xfrm>
+                <a:off x="5565976" y="2021892"/>
+                <a:ext cx="417819" cy="553998"/>
+              </a:xfrm>
+              <a:prstGeom prst="rect">
+                <a:avLst/>
+              </a:prstGeom>
+              <a:noFill/>
+            </p:spPr>
+            <p:txBody>
+              <a:bodyPr wrap="square" rtlCol="0">
+                <a:spAutoFit/>
+              </a:bodyPr>
+              <a:lstStyle/>
+              <a:p>
+                <a14:m>
+                  <m:oMathPara xmlns:m="http://schemas.openxmlformats.org/officeDocument/2006/math">
+                    <m:oMathParaPr>
+                      <m:jc m:val="centerGroup"/>
+                    </m:oMathParaPr>
+                    <m:oMath xmlns:m="http://schemas.openxmlformats.org/officeDocument/2006/math">
+                      <m:r>
+                        <a:rPr lang="en-US" sz="3000" i="1" smtClean="0">
+                          <a:latin typeface="Cambria Math" panose="02040503050406030204" pitchFamily="18" charset="0"/>
+                          <a:ea typeface="Cambria Math" panose="02040503050406030204" pitchFamily="18" charset="0"/>
+                        </a:rPr>
+                        <m:t>∆</m:t>
+                      </m:r>
+                      <m:r>
+                        <a:rPr lang="en-US" sz="3000" b="0" i="1" smtClean="0">
+                          <a:latin typeface="Cambria Math" panose="02040503050406030204" pitchFamily="18" charset="0"/>
+                          <a:ea typeface="Cambria Math" panose="02040503050406030204" pitchFamily="18" charset="0"/>
+                        </a:rPr>
+                        <m:t>𝑔</m:t>
+                      </m:r>
+                    </m:oMath>
+                  </m:oMathPara>
+                </a14:m>
+                <a:endParaRPr lang="en-US" sz="3000" i="1" dirty="0"/>
+              </a:p>
+            </p:txBody>
+          </p:sp>
+        </mc:Choice>
+        <mc:Fallback>
+          <p:sp>
+            <p:nvSpPr>
+              <p:cNvPr id="31" name="TextBox 30">
+                <a:extLst>
+                  <a:ext uri="{FF2B5EF4-FFF2-40B4-BE49-F238E27FC236}">
+                    <a16:creationId xmlns:a16="http://schemas.microsoft.com/office/drawing/2014/main" id="{5F6EFBF2-46FE-8147-AAB7-0BFABBF0FC18}"/>
+                  </a:ext>
+                </a:extLst>
+              </p:cNvPr>
+              <p:cNvSpPr txBox="1">
+                <a:spLocks noRot="1" noChangeAspect="1" noMove="1" noResize="1" noEditPoints="1" noAdjustHandles="1" noChangeArrowheads="1" noChangeShapeType="1" noTextEdit="1"/>
+              </p:cNvSpPr>
+              <p:nvPr/>
+            </p:nvSpPr>
+            <p:spPr>
+              <a:xfrm>
+                <a:off x="5565976" y="2021892"/>
+                <a:ext cx="417819" cy="553998"/>
+              </a:xfrm>
+              <a:prstGeom prst="rect">
+                <a:avLst/>
+              </a:prstGeom>
+              <a:blipFill>
+                <a:blip r:embed="rId7"/>
+                <a:stretch>
+                  <a:fillRect l="-5882" r="-61765" b="-11111"/>
+                </a:stretch>
+              </a:blipFill>
+            </p:spPr>
+            <p:txBody>
+              <a:bodyPr/>
+              <a:lstStyle/>
+              <a:p>
+                <a:r>
+                  <a:rPr lang="en-US">
+                    <a:noFill/>
+                  </a:rPr>
+                  <a:t> </a:t>
+                </a:r>
+              </a:p>
+            </p:txBody>
+          </p:sp>
+        </mc:Fallback>
+      </mc:AlternateContent>
+      <mc:AlternateContent xmlns:mc="http://schemas.openxmlformats.org/markup-compatibility/2006">
+        <mc:Choice xmlns:a14="http://schemas.microsoft.com/office/drawing/2010/main" Requires="a14">
+          <p:sp>
+            <p:nvSpPr>
+              <p:cNvPr id="37" name="TextBox 36">
+                <a:extLst>
+                  <a:ext uri="{FF2B5EF4-FFF2-40B4-BE49-F238E27FC236}">
+                    <a16:creationId xmlns:a16="http://schemas.microsoft.com/office/drawing/2014/main" id="{6AAB9CD4-1AAA-3F4D-AD02-BAEFAF922D86}"/>
+                  </a:ext>
+                </a:extLst>
+              </p:cNvPr>
+              <p:cNvSpPr txBox="1"/>
+              <p:nvPr/>
+            </p:nvSpPr>
+            <p:spPr>
+              <a:xfrm>
+                <a:off x="8862850" y="1088600"/>
+                <a:ext cx="417819" cy="553998"/>
+              </a:xfrm>
+              <a:prstGeom prst="rect">
+                <a:avLst/>
+              </a:prstGeom>
+              <a:noFill/>
+            </p:spPr>
+            <p:txBody>
+              <a:bodyPr wrap="square" rtlCol="0">
+                <a:spAutoFit/>
+              </a:bodyPr>
+              <a:lstStyle/>
+              <a:p>
+                <a14:m>
+                  <m:oMathPara xmlns:m="http://schemas.openxmlformats.org/officeDocument/2006/math">
+                    <m:oMathParaPr>
+                      <m:jc m:val="centerGroup"/>
+                    </m:oMathParaPr>
+                    <m:oMath xmlns:m="http://schemas.openxmlformats.org/officeDocument/2006/math">
+                      <m:r>
+                        <a:rPr lang="en-US" sz="3000" i="1" smtClean="0">
+                          <a:latin typeface="Cambria Math" panose="02040503050406030204" pitchFamily="18" charset="0"/>
+                          <a:ea typeface="Cambria Math" panose="02040503050406030204" pitchFamily="18" charset="0"/>
+                        </a:rPr>
+                        <m:t>∆</m:t>
+                      </m:r>
+                      <m:r>
+                        <a:rPr lang="en-US" sz="3000" b="0" i="1" smtClean="0">
+                          <a:latin typeface="Cambria Math" panose="02040503050406030204" pitchFamily="18" charset="0"/>
+                          <a:ea typeface="Cambria Math" panose="02040503050406030204" pitchFamily="18" charset="0"/>
+                        </a:rPr>
+                        <m:t>𝑠</m:t>
+                      </m:r>
+                    </m:oMath>
+                  </m:oMathPara>
+                </a14:m>
+                <a:endParaRPr lang="en-US" sz="3000" i="1" dirty="0"/>
+              </a:p>
+            </p:txBody>
+          </p:sp>
+        </mc:Choice>
+        <mc:Fallback>
+          <p:sp>
+            <p:nvSpPr>
+              <p:cNvPr id="37" name="TextBox 36">
+                <a:extLst>
+                  <a:ext uri="{FF2B5EF4-FFF2-40B4-BE49-F238E27FC236}">
+                    <a16:creationId xmlns:a16="http://schemas.microsoft.com/office/drawing/2014/main" id="{6AAB9CD4-1AAA-3F4D-AD02-BAEFAF922D86}"/>
+                  </a:ext>
+                </a:extLst>
+              </p:cNvPr>
+              <p:cNvSpPr txBox="1">
+                <a:spLocks noRot="1" noChangeAspect="1" noMove="1" noResize="1" noEditPoints="1" noAdjustHandles="1" noChangeArrowheads="1" noChangeShapeType="1" noTextEdit="1"/>
+              </p:cNvSpPr>
+              <p:nvPr/>
+            </p:nvSpPr>
+            <p:spPr>
+              <a:xfrm>
+                <a:off x="8862850" y="1088600"/>
+                <a:ext cx="417819" cy="553998"/>
+              </a:xfrm>
+              <a:prstGeom prst="rect">
+                <a:avLst/>
+              </a:prstGeom>
+              <a:blipFill>
+                <a:blip r:embed="rId8"/>
+                <a:stretch>
+                  <a:fillRect l="-5882" r="-38235"/>
+                </a:stretch>
+              </a:blipFill>
+            </p:spPr>
+            <p:txBody>
+              <a:bodyPr/>
+              <a:lstStyle/>
+              <a:p>
+                <a:r>
+                  <a:rPr lang="en-US">
+                    <a:noFill/>
+                  </a:rPr>
+                  <a:t> </a:t>
+                </a:r>
+              </a:p>
+            </p:txBody>
+          </p:sp>
+        </mc:Fallback>
+      </mc:AlternateContent>
       <p:grpSp>
         <p:nvGrpSpPr>
-          <p:cNvPr id="28" name="Group 27">
+          <p:cNvPr id="32" name="Group 31">
             <a:extLst>
               <a:ext uri="{FF2B5EF4-FFF2-40B4-BE49-F238E27FC236}">
-                <a16:creationId xmlns:a16="http://schemas.microsoft.com/office/drawing/2014/main" id="{B7AD66B5-5F48-0B4F-93C2-20F1114AC627}"/>
+                <a16:creationId xmlns:a16="http://schemas.microsoft.com/office/drawing/2014/main" id="{9BEE1FAF-3852-4D4B-AEB3-5D6CF3280F7A}"/>
               </a:ext>
             </a:extLst>
           </p:cNvPr>
@@ -3512,10 +3666,10 @@
         </p:nvGrpSpPr>
         <p:grpSpPr>
           <a:xfrm>
-            <a:off x="4472299" y="2960675"/>
-            <a:ext cx="2627135" cy="2634376"/>
-            <a:chOff x="6845638" y="2959337"/>
-            <a:chExt cx="2885880" cy="2851468"/>
+            <a:off x="6039506" y="319487"/>
+            <a:ext cx="4661691" cy="4674540"/>
+            <a:chOff x="4193266" y="441520"/>
+            <a:chExt cx="5616923" cy="5632405"/>
           </a:xfrm>
         </p:grpSpPr>
         <p:sp>
@@ -3532,8 +3686,8 @@
           </p:nvSpPr>
           <p:spPr>
             <a:xfrm>
-              <a:off x="6871325" y="2959337"/>
-              <a:ext cx="2860193" cy="2851468"/>
+              <a:off x="4243262" y="441520"/>
+              <a:ext cx="5566927" cy="5632405"/>
             </a:xfrm>
             <a:prstGeom prst="ellipse">
               <a:avLst/>
@@ -3566,7 +3720,7 @@
             <a:lstStyle/>
             <a:p>
               <a:pPr algn="ctr"/>
-              <a:endParaRPr lang="en-US"/>
+              <a:endParaRPr lang="en-US" dirty="0"/>
             </a:p>
           </p:txBody>
         </p:sp>
@@ -3584,8 +3738,8 @@
           </p:nvSpPr>
           <p:spPr>
             <a:xfrm>
-              <a:off x="8556272" y="3747249"/>
-              <a:ext cx="73598" cy="73152"/>
+              <a:off x="7522753" y="1997855"/>
+              <a:ext cx="143247" cy="144495"/>
             </a:xfrm>
             <a:prstGeom prst="rect">
               <a:avLst/>
@@ -3636,8 +3790,8 @@
           </p:nvSpPr>
           <p:spPr>
             <a:xfrm>
-              <a:off x="7486051" y="4166773"/>
-              <a:ext cx="73598" cy="73152"/>
+              <a:off x="5439732" y="2826526"/>
+              <a:ext cx="143247" cy="144495"/>
             </a:xfrm>
             <a:prstGeom prst="rect">
               <a:avLst/>
@@ -3688,8 +3842,8 @@
           </p:nvSpPr>
           <p:spPr>
             <a:xfrm>
-              <a:off x="7260022" y="4423628"/>
-              <a:ext cx="73598" cy="73152"/>
+              <a:off x="4999801" y="3333883"/>
+              <a:ext cx="143247" cy="144495"/>
             </a:xfrm>
             <a:prstGeom prst="rect">
               <a:avLst/>
@@ -3740,8 +3894,8 @@
           </p:nvSpPr>
           <p:spPr>
             <a:xfrm>
-              <a:off x="7105911" y="4207870"/>
-              <a:ext cx="73598" cy="73152"/>
+              <a:off x="4699847" y="2907704"/>
+              <a:ext cx="143247" cy="144495"/>
             </a:xfrm>
             <a:prstGeom prst="rect">
               <a:avLst/>
@@ -3792,8 +3946,8 @@
           </p:nvSpPr>
           <p:spPr>
             <a:xfrm>
-              <a:off x="7011735" y="4360270"/>
-              <a:ext cx="73598" cy="73152"/>
+              <a:off x="4516548" y="3208734"/>
+              <a:ext cx="143247" cy="144495"/>
             </a:xfrm>
             <a:prstGeom prst="rect">
               <a:avLst/>
@@ -3844,8 +3998,8 @@
           </p:nvSpPr>
           <p:spPr>
             <a:xfrm>
-              <a:off x="6938107" y="4245546"/>
-              <a:ext cx="73598" cy="73152"/>
+              <a:off x="4373243" y="2982124"/>
+              <a:ext cx="143247" cy="144495"/>
             </a:xfrm>
             <a:prstGeom prst="rect">
               <a:avLst/>
@@ -3896,8 +4050,8 @@
           </p:nvSpPr>
           <p:spPr>
             <a:xfrm>
-              <a:off x="6845638" y="4286641"/>
-              <a:ext cx="73598" cy="73152"/>
+              <a:off x="4193266" y="3063297"/>
+              <a:ext cx="143247" cy="144495"/>
             </a:xfrm>
             <a:prstGeom prst="rect">
               <a:avLst/>
@@ -3948,8 +4102,8 @@
           </p:nvSpPr>
           <p:spPr>
             <a:xfrm>
-              <a:off x="6893960" y="3791164"/>
-              <a:ext cx="1705510" cy="667820"/>
+              <a:off x="4287317" y="2084599"/>
+              <a:ext cx="3319514" cy="1319121"/>
             </a:xfrm>
             <a:custGeom>
               <a:avLst/>
@@ -4055,316 +4209,163 @@
             </a:p>
           </p:txBody>
         </p:sp>
-      </p:grpSp>
-      <mc:AlternateContent xmlns:mc="http://schemas.openxmlformats.org/markup-compatibility/2006">
-        <mc:Choice xmlns:a14="http://schemas.microsoft.com/office/drawing/2010/main" Requires="a14">
-          <p:sp>
-            <p:nvSpPr>
-              <p:cNvPr id="31" name="TextBox 30">
-                <a:extLst>
-                  <a:ext uri="{FF2B5EF4-FFF2-40B4-BE49-F238E27FC236}">
-                    <a16:creationId xmlns:a16="http://schemas.microsoft.com/office/drawing/2014/main" id="{5F6EFBF2-46FE-8147-AAB7-0BFABBF0FC18}"/>
-                  </a:ext>
-                </a:extLst>
-              </p:cNvPr>
-              <p:cNvSpPr txBox="1"/>
-              <p:nvPr/>
-            </p:nvSpPr>
-            <p:spPr>
-              <a:xfrm>
-                <a:off x="4058290" y="4055637"/>
-                <a:ext cx="503434" cy="369332"/>
-              </a:xfrm>
-              <a:prstGeom prst="rect">
-                <a:avLst/>
-              </a:prstGeom>
-              <a:noFill/>
-            </p:spPr>
-            <p:txBody>
-              <a:bodyPr wrap="square" rtlCol="0">
-                <a:spAutoFit/>
-              </a:bodyPr>
-              <a:lstStyle/>
-              <a:p>
-                <a14:m>
-                  <m:oMathPara xmlns:m="http://schemas.openxmlformats.org/officeDocument/2006/math">
-                    <m:oMathParaPr>
-                      <m:jc m:val="centerGroup"/>
-                    </m:oMathParaPr>
+        <mc:AlternateContent xmlns:mc="http://schemas.openxmlformats.org/markup-compatibility/2006">
+          <mc:Choice xmlns:a14="http://schemas.microsoft.com/office/drawing/2010/main" Requires="a14">
+            <p:sp>
+              <p:nvSpPr>
+                <p:cNvPr id="38" name="TextBox 37">
+                  <a:extLst>
+                    <a:ext uri="{FF2B5EF4-FFF2-40B4-BE49-F238E27FC236}">
+                      <a16:creationId xmlns:a16="http://schemas.microsoft.com/office/drawing/2014/main" id="{1FCC904F-E152-8E4B-89D9-7B70FB16668F}"/>
+                    </a:ext>
+                  </a:extLst>
+                </p:cNvPr>
+                <p:cNvSpPr txBox="1"/>
+                <p:nvPr/>
+              </p:nvSpPr>
+              <p:spPr>
+                <a:xfrm>
+                  <a:off x="4766219" y="4554880"/>
+                  <a:ext cx="4521671" cy="667518"/>
+                </a:xfrm>
+                <a:prstGeom prst="rect">
+                  <a:avLst/>
+                </a:prstGeom>
+                <a:noFill/>
+              </p:spPr>
+              <p:txBody>
+                <a:bodyPr wrap="square" rtlCol="0">
+                  <a:spAutoFit/>
+                </a:bodyPr>
+                <a:lstStyle/>
+                <a:p>
+                  <a:pPr algn="ctr"/>
+                  <a14:m>
                     <m:oMath xmlns:m="http://schemas.openxmlformats.org/officeDocument/2006/math">
                       <m:r>
-                        <a:rPr lang="en-US" i="1" smtClean="0">
+                        <a:rPr lang="en-US" sz="3000" i="0" smtClean="0">
                           <a:latin typeface="Cambria Math" panose="02040503050406030204" pitchFamily="18" charset="0"/>
                           <a:ea typeface="Cambria Math" panose="02040503050406030204" pitchFamily="18" charset="0"/>
                         </a:rPr>
                         <m:t>∆</m:t>
                       </m:r>
                       <m:r>
-                        <a:rPr lang="en-US" b="0" i="1" smtClean="0">
+                        <a:rPr lang="en-US" sz="3000" b="0" i="0" smtClean="0">
                           <a:latin typeface="Cambria Math" panose="02040503050406030204" pitchFamily="18" charset="0"/>
                           <a:ea typeface="Cambria Math" panose="02040503050406030204" pitchFamily="18" charset="0"/>
                         </a:rPr>
-                        <m:t>𝑔</m:t>
+                        <m:t> </m:t>
                       </m:r>
                     </m:oMath>
-                  </m:oMathPara>
-                </a14:m>
-                <a:endParaRPr lang="en-US" i="1" dirty="0"/>
-              </a:p>
-            </p:txBody>
-          </p:sp>
-        </mc:Choice>
-        <mc:Fallback>
-          <p:sp>
-            <p:nvSpPr>
-              <p:cNvPr id="31" name="TextBox 30">
-                <a:extLst>
-                  <a:ext uri="{FF2B5EF4-FFF2-40B4-BE49-F238E27FC236}">
-                    <a16:creationId xmlns:a16="http://schemas.microsoft.com/office/drawing/2014/main" id="{5F6EFBF2-46FE-8147-AAB7-0BFABBF0FC18}"/>
-                  </a:ext>
-                </a:extLst>
-              </p:cNvPr>
-              <p:cNvSpPr txBox="1">
-                <a:spLocks noRot="1" noChangeAspect="1" noMove="1" noResize="1" noEditPoints="1" noAdjustHandles="1" noChangeArrowheads="1" noChangeShapeType="1" noTextEdit="1"/>
-              </p:cNvSpPr>
-              <p:nvPr/>
-            </p:nvSpPr>
-            <p:spPr>
-              <a:xfrm>
-                <a:off x="4058290" y="4055637"/>
-                <a:ext cx="503434" cy="369332"/>
-              </a:xfrm>
-              <a:prstGeom prst="rect">
-                <a:avLst/>
-              </a:prstGeom>
-              <a:blipFill>
-                <a:blip r:embed="rId7"/>
-                <a:stretch>
-                  <a:fillRect b="-6667"/>
-                </a:stretch>
-              </a:blipFill>
-            </p:spPr>
-            <p:txBody>
-              <a:bodyPr/>
-              <a:lstStyle/>
-              <a:p>
-                <a:r>
-                  <a:rPr lang="en-US">
-                    <a:noFill/>
-                  </a:rPr>
-                  <a:t> </a:t>
-                </a:r>
-              </a:p>
-            </p:txBody>
-          </p:sp>
-        </mc:Fallback>
-      </mc:AlternateContent>
-      <mc:AlternateContent xmlns:mc="http://schemas.openxmlformats.org/markup-compatibility/2006">
-        <mc:Choice xmlns:a14="http://schemas.microsoft.com/office/drawing/2010/main" Requires="a14">
-          <p:sp>
-            <p:nvSpPr>
-              <p:cNvPr id="37" name="TextBox 36">
-                <a:extLst>
-                  <a:ext uri="{FF2B5EF4-FFF2-40B4-BE49-F238E27FC236}">
-                    <a16:creationId xmlns:a16="http://schemas.microsoft.com/office/drawing/2014/main" id="{6AAB9CD4-1AAA-3F4D-AD02-BAEFAF922D86}"/>
-                  </a:ext>
-                </a:extLst>
-              </p:cNvPr>
-              <p:cNvSpPr txBox="1"/>
-              <p:nvPr/>
-            </p:nvSpPr>
-            <p:spPr>
-              <a:xfrm>
-                <a:off x="5844841" y="3324260"/>
-                <a:ext cx="503434" cy="369332"/>
-              </a:xfrm>
-              <a:prstGeom prst="rect">
-                <a:avLst/>
-              </a:prstGeom>
-              <a:noFill/>
-            </p:spPr>
-            <p:txBody>
-              <a:bodyPr wrap="square" rtlCol="0">
-                <a:spAutoFit/>
-              </a:bodyPr>
-              <a:lstStyle/>
-              <a:p>
-                <a14:m>
-                  <m:oMathPara xmlns:m="http://schemas.openxmlformats.org/officeDocument/2006/math">
-                    <m:oMathParaPr>
-                      <m:jc m:val="centerGroup"/>
-                    </m:oMathParaPr>
-                    <m:oMath xmlns:m="http://schemas.openxmlformats.org/officeDocument/2006/math">
-                      <m:r>
-                        <a:rPr lang="en-US" i="1" smtClean="0">
-                          <a:latin typeface="Cambria Math" panose="02040503050406030204" pitchFamily="18" charset="0"/>
-                          <a:ea typeface="Cambria Math" panose="02040503050406030204" pitchFamily="18" charset="0"/>
-                        </a:rPr>
-                        <m:t>∆</m:t>
-                      </m:r>
-                      <m:r>
-                        <a:rPr lang="en-US" b="0" i="1" smtClean="0">
-                          <a:latin typeface="Cambria Math" panose="02040503050406030204" pitchFamily="18" charset="0"/>
-                          <a:ea typeface="Cambria Math" panose="02040503050406030204" pitchFamily="18" charset="0"/>
-                        </a:rPr>
-                        <m:t>𝑠</m:t>
-                      </m:r>
-                    </m:oMath>
-                  </m:oMathPara>
-                </a14:m>
-                <a:endParaRPr lang="en-US" i="1" dirty="0"/>
-              </a:p>
-            </p:txBody>
-          </p:sp>
-        </mc:Choice>
-        <mc:Fallback>
-          <p:sp>
-            <p:nvSpPr>
-              <p:cNvPr id="37" name="TextBox 36">
-                <a:extLst>
-                  <a:ext uri="{FF2B5EF4-FFF2-40B4-BE49-F238E27FC236}">
-                    <a16:creationId xmlns:a16="http://schemas.microsoft.com/office/drawing/2014/main" id="{6AAB9CD4-1AAA-3F4D-AD02-BAEFAF922D86}"/>
-                  </a:ext>
-                </a:extLst>
-              </p:cNvPr>
-              <p:cNvSpPr txBox="1">
-                <a:spLocks noRot="1" noChangeAspect="1" noMove="1" noResize="1" noEditPoints="1" noAdjustHandles="1" noChangeArrowheads="1" noChangeShapeType="1" noTextEdit="1"/>
-              </p:cNvSpPr>
-              <p:nvPr/>
-            </p:nvSpPr>
-            <p:spPr>
-              <a:xfrm>
-                <a:off x="5844841" y="3324260"/>
-                <a:ext cx="503434" cy="369332"/>
-              </a:xfrm>
-              <a:prstGeom prst="rect">
-                <a:avLst/>
-              </a:prstGeom>
-              <a:blipFill>
-                <a:blip r:embed="rId8"/>
-                <a:stretch>
-                  <a:fillRect/>
-                </a:stretch>
-              </a:blipFill>
-            </p:spPr>
-            <p:txBody>
-              <a:bodyPr/>
-              <a:lstStyle/>
-              <a:p>
-                <a:r>
-                  <a:rPr lang="en-US">
-                    <a:noFill/>
-                  </a:rPr>
-                  <a:t> </a:t>
-                </a:r>
-              </a:p>
-            </p:txBody>
-          </p:sp>
-        </mc:Fallback>
-      </mc:AlternateContent>
-      <mc:AlternateContent xmlns:mc="http://schemas.openxmlformats.org/markup-compatibility/2006">
-        <mc:Choice xmlns:a14="http://schemas.microsoft.com/office/drawing/2010/main" Requires="a14">
-          <p:sp>
-            <p:nvSpPr>
-              <p:cNvPr id="38" name="TextBox 37">
-                <a:extLst>
-                  <a:ext uri="{FF2B5EF4-FFF2-40B4-BE49-F238E27FC236}">
-                    <a16:creationId xmlns:a16="http://schemas.microsoft.com/office/drawing/2014/main" id="{1FCC904F-E152-8E4B-89D9-7B70FB16668F}"/>
-                  </a:ext>
-                </a:extLst>
-              </p:cNvPr>
-              <p:cNvSpPr txBox="1"/>
-              <p:nvPr/>
-            </p:nvSpPr>
-            <p:spPr>
-              <a:xfrm>
-                <a:off x="4709236" y="4745314"/>
-                <a:ext cx="2420783" cy="369332"/>
-              </a:xfrm>
-              <a:prstGeom prst="rect">
-                <a:avLst/>
-              </a:prstGeom>
-              <a:noFill/>
-            </p:spPr>
-            <p:txBody>
-              <a:bodyPr wrap="square" rtlCol="0">
-                <a:spAutoFit/>
-              </a:bodyPr>
-              <a:lstStyle/>
-              <a:p>
-                <a14:m>
-                  <m:oMath xmlns:m="http://schemas.openxmlformats.org/officeDocument/2006/math">
-                    <m:r>
-                      <a:rPr lang="en-US" i="0" smtClean="0">
-                        <a:latin typeface="Cambria Math" panose="02040503050406030204" pitchFamily="18" charset="0"/>
-                        <a:ea typeface="Cambria Math" panose="02040503050406030204" pitchFamily="18" charset="0"/>
-                      </a:rPr>
-                      <m:t>∆</m:t>
-                    </m:r>
-                    <m:r>
-                      <a:rPr lang="en-US" b="0" i="0" smtClean="0">
-                        <a:latin typeface="Cambria Math" panose="02040503050406030204" pitchFamily="18" charset="0"/>
-                        <a:ea typeface="Cambria Math" panose="02040503050406030204" pitchFamily="18" charset="0"/>
-                      </a:rPr>
-                      <m:t> </m:t>
-                    </m:r>
-                  </m:oMath>
-                </a14:m>
-                <a:r>
-                  <a:rPr lang="en-US" dirty="0">
-                    <a:latin typeface="Times" pitchFamily="2" charset="0"/>
-                  </a:rPr>
-                  <a:t>configuration space</a:t>
-                </a:r>
-              </a:p>
-            </p:txBody>
-          </p:sp>
-        </mc:Choice>
-        <mc:Fallback>
-          <p:sp>
-            <p:nvSpPr>
-              <p:cNvPr id="38" name="TextBox 37">
-                <a:extLst>
-                  <a:ext uri="{FF2B5EF4-FFF2-40B4-BE49-F238E27FC236}">
-                    <a16:creationId xmlns:a16="http://schemas.microsoft.com/office/drawing/2014/main" id="{1FCC904F-E152-8E4B-89D9-7B70FB16668F}"/>
-                  </a:ext>
-                </a:extLst>
-              </p:cNvPr>
-              <p:cNvSpPr txBox="1">
-                <a:spLocks noRot="1" noChangeAspect="1" noMove="1" noResize="1" noEditPoints="1" noAdjustHandles="1" noChangeArrowheads="1" noChangeShapeType="1" noTextEdit="1"/>
-              </p:cNvSpPr>
-              <p:nvPr/>
-            </p:nvSpPr>
-            <p:spPr>
-              <a:xfrm>
-                <a:off x="4709236" y="4745314"/>
-                <a:ext cx="2420783" cy="369332"/>
-              </a:xfrm>
-              <a:prstGeom prst="rect">
-                <a:avLst/>
-              </a:prstGeom>
-              <a:blipFill>
-                <a:blip r:embed="rId9"/>
-                <a:stretch>
-                  <a:fillRect t="-6667" b="-20000"/>
-                </a:stretch>
-              </a:blipFill>
-            </p:spPr>
-            <p:txBody>
-              <a:bodyPr/>
-              <a:lstStyle/>
-              <a:p>
-                <a:r>
-                  <a:rPr lang="en-US">
-                    <a:noFill/>
-                  </a:rPr>
-                  <a:t> </a:t>
-                </a:r>
-              </a:p>
-            </p:txBody>
-          </p:sp>
-        </mc:Fallback>
-      </mc:AlternateContent>
+                  </a14:m>
+                  <a:r>
+                    <a:rPr lang="en-US" sz="3000" dirty="0">
+                      <a:latin typeface="Times" pitchFamily="2" charset="0"/>
+                    </a:rPr>
+                    <a:t>configuration space</a:t>
+                  </a:r>
+                </a:p>
+              </p:txBody>
+            </p:sp>
+          </mc:Choice>
+          <mc:Fallback>
+            <p:sp>
+              <p:nvSpPr>
+                <p:cNvPr id="38" name="TextBox 37">
+                  <a:extLst>
+                    <a:ext uri="{FF2B5EF4-FFF2-40B4-BE49-F238E27FC236}">
+                      <a16:creationId xmlns:a16="http://schemas.microsoft.com/office/drawing/2014/main" id="{1FCC904F-E152-8E4B-89D9-7B70FB16668F}"/>
+                    </a:ext>
+                  </a:extLst>
+                </p:cNvPr>
+                <p:cNvSpPr txBox="1">
+                  <a:spLocks noRot="1" noChangeAspect="1" noMove="1" noResize="1" noEditPoints="1" noAdjustHandles="1" noChangeArrowheads="1" noChangeShapeType="1" noTextEdit="1"/>
+                </p:cNvSpPr>
+                <p:nvPr/>
+              </p:nvSpPr>
+              <p:spPr>
+                <a:xfrm>
+                  <a:off x="4766219" y="4554880"/>
+                  <a:ext cx="4521671" cy="667518"/>
+                </a:xfrm>
+                <a:prstGeom prst="rect">
+                  <a:avLst/>
+                </a:prstGeom>
+                <a:blipFill>
+                  <a:blip r:embed="rId9"/>
+                  <a:stretch>
+                    <a:fillRect t="-11111" r="-338" b="-28889"/>
+                  </a:stretch>
+                </a:blipFill>
+              </p:spPr>
+              <p:txBody>
+                <a:bodyPr/>
+                <a:lstStyle/>
+                <a:p>
+                  <a:r>
+                    <a:rPr lang="en-US">
+                      <a:noFill/>
+                    </a:rPr>
+                    <a:t> </a:t>
+                  </a:r>
+                </a:p>
+              </p:txBody>
+            </p:sp>
+          </mc:Fallback>
+        </mc:AlternateContent>
+      </p:grpSp>
+      <p:sp>
+        <p:nvSpPr>
+          <p:cNvPr id="36" name="Right Arrow 35">
+            <a:extLst>
+              <a:ext uri="{FF2B5EF4-FFF2-40B4-BE49-F238E27FC236}">
+                <a16:creationId xmlns:a16="http://schemas.microsoft.com/office/drawing/2014/main" id="{D1B700D3-15A3-A147-8F5C-1A4C238FF659}"/>
+              </a:ext>
+            </a:extLst>
+          </p:cNvPr>
+          <p:cNvSpPr/>
+          <p:nvPr/>
+        </p:nvSpPr>
+        <p:spPr>
+          <a:xfrm rot="3495088">
+            <a:off x="3360788" y="2450842"/>
+            <a:ext cx="1046592" cy="662802"/>
+          </a:xfrm>
+          <a:prstGeom prst="rightArrow">
+            <a:avLst/>
+          </a:prstGeom>
+          <a:solidFill>
+            <a:schemeClr val="accent1">
+              <a:lumMod val="60000"/>
+              <a:lumOff val="40000"/>
+            </a:schemeClr>
+          </a:solidFill>
+        </p:spPr>
+        <p:style>
+          <a:lnRef idx="2">
+            <a:schemeClr val="accent1">
+              <a:shade val="50000"/>
+            </a:schemeClr>
+          </a:lnRef>
+          <a:fillRef idx="1">
+            <a:schemeClr val="accent1"/>
+          </a:fillRef>
+          <a:effectRef idx="0">
+            <a:schemeClr val="accent1"/>
+          </a:effectRef>
+          <a:fontRef idx="minor">
+            <a:schemeClr val="lt1"/>
+          </a:fontRef>
+        </p:style>
+        <p:txBody>
+          <a:bodyPr rtlCol="0" anchor="ctr"/>
+          <a:lstStyle/>
+          <a:p>
+            <a:pPr algn="ctr"/>
+            <a:endParaRPr lang="en-US"/>
+          </a:p>
+        </p:txBody>
+      </p:sp>
     </p:spTree>
     <p:extLst>
       <p:ext uri="{BB962C8B-B14F-4D97-AF65-F5344CB8AC3E}">
